--- a/Slide/slide_FINALI.pptx
+++ b/Slide/slide_FINALI.pptx
@@ -32,7 +32,7 @@
     <p:sldId id="288" r:id="rId23"/>
     <p:sldId id="289" r:id="rId24"/>
     <p:sldId id="290" r:id="rId25"/>
-    <p:sldId id="291" r:id="rId26"/>
+    <p:sldId id="332" r:id="rId26"/>
     <p:sldId id="292" r:id="rId27"/>
     <p:sldId id="293" r:id="rId28"/>
     <p:sldId id="294" r:id="rId29"/>
@@ -340,28 +340,28 @@
                 <c:formatCode>General</c:formatCode>
                 <c:ptCount val="8"/>
                 <c:pt idx="0">
-                  <c:v>65.0</c:v>
+                  <c:v>65</c:v>
                 </c:pt>
                 <c:pt idx="1">
-                  <c:v>65.0</c:v>
+                  <c:v>65</c:v>
                 </c:pt>
                 <c:pt idx="2">
-                  <c:v>40.0</c:v>
+                  <c:v>40</c:v>
                 </c:pt>
                 <c:pt idx="3">
-                  <c:v>20.0</c:v>
+                  <c:v>20</c:v>
                 </c:pt>
                 <c:pt idx="4">
-                  <c:v>55.0</c:v>
+                  <c:v>55</c:v>
                 </c:pt>
                 <c:pt idx="5">
-                  <c:v>20.0</c:v>
+                  <c:v>20</c:v>
                 </c:pt>
                 <c:pt idx="6">
-                  <c:v>25.0</c:v>
+                  <c:v>25</c:v>
                 </c:pt>
                 <c:pt idx="7">
-                  <c:v>0.0</c:v>
+                  <c:v>0</c:v>
                 </c:pt>
               </c:numCache>
             </c:numRef>
@@ -459,28 +459,28 @@
                 <c:formatCode>General</c:formatCode>
                 <c:ptCount val="8"/>
                 <c:pt idx="0">
-                  <c:v>5.0</c:v>
+                  <c:v>5</c:v>
                 </c:pt>
                 <c:pt idx="1">
-                  <c:v>10.0</c:v>
+                  <c:v>10</c:v>
                 </c:pt>
                 <c:pt idx="2">
-                  <c:v>15.0</c:v>
+                  <c:v>15</c:v>
                 </c:pt>
                 <c:pt idx="3">
-                  <c:v>20.0</c:v>
+                  <c:v>20</c:v>
                 </c:pt>
                 <c:pt idx="4">
-                  <c:v>10.0</c:v>
+                  <c:v>10</c:v>
                 </c:pt>
                 <c:pt idx="5">
-                  <c:v>40.0</c:v>
+                  <c:v>40</c:v>
                 </c:pt>
                 <c:pt idx="6">
-                  <c:v>10.0</c:v>
+                  <c:v>10</c:v>
                 </c:pt>
                 <c:pt idx="7">
-                  <c:v>30.0</c:v>
+                  <c:v>30</c:v>
                 </c:pt>
               </c:numCache>
             </c:numRef>
@@ -496,11 +496,11 @@
         </c:dLbls>
         <c:gapWidth val="150"/>
         <c:overlap val="100"/>
-        <c:axId val="-2120654768"/>
-        <c:axId val="-2120651376"/>
+        <c:axId val="258345888"/>
+        <c:axId val="258346448"/>
       </c:barChart>
       <c:catAx>
-        <c:axId val="-2120654768"/>
+        <c:axId val="258345888"/>
         <c:scaling>
           <c:orientation val="minMax"/>
         </c:scaling>
@@ -542,7 +542,7 @@
             <a:endParaRPr lang="it-IT"/>
           </a:p>
         </c:txPr>
-        <c:crossAx val="-2120651376"/>
+        <c:crossAx val="258346448"/>
         <c:crosses val="autoZero"/>
         <c:auto val="1"/>
         <c:lblAlgn val="ctr"/>
@@ -550,7 +550,7 @@
         <c:noMultiLvlLbl val="0"/>
       </c:catAx>
       <c:valAx>
-        <c:axId val="-2120651376"/>
+        <c:axId val="258346448"/>
         <c:scaling>
           <c:orientation val="minMax"/>
         </c:scaling>
@@ -600,7 +600,7 @@
             <a:endParaRPr lang="it-IT"/>
           </a:p>
         </c:txPr>
-        <c:crossAx val="-2120654768"/>
+        <c:crossAx val="258345888"/>
         <c:crosses val="autoZero"/>
         <c:crossBetween val="between"/>
       </c:valAx>
@@ -1276,7 +1276,7 @@
           <a:p>
             <a:fld id="{9802CE9F-1C98-3245-8C37-42327AA1CCAD}" type="datetimeFigureOut">
               <a:rPr lang="it-IT" smtClean="0"/>
-              <a:t>20/06/15</a:t>
+              <a:t>20/06/2015</a:t>
             </a:fld>
             <a:endParaRPr lang="it-IT"/>
           </a:p>
@@ -1435,7 +1435,7 @@
           <a:p>
             <a:fld id="{AC537139-DB3E-9741-8F86-FB24ABB395A3}" type="slidenum">
               <a:rPr lang="it-IT" smtClean="0"/>
-              <a:t>‹n.›</a:t>
+              <a:t>‹N›</a:t>
             </a:fld>
             <a:endParaRPr lang="it-IT"/>
           </a:p>
@@ -1816,7 +1816,7 @@
           <a:p>
             <a:fld id="{4AAD347D-5ACD-4C99-B74B-A9C85AD731AF}" type="datetimeFigureOut">
               <a:rPr lang="en-US" smtClean="0"/>
-              <a:t>6/20/15</a:t>
+              <a:t>6/20/2015</a:t>
             </a:fld>
             <a:endParaRPr lang="en-US" dirty="0"/>
           </a:p>
@@ -1945,7 +1945,7 @@
           <a:p>
             <a:fld id="{D57F1E4F-1CFF-5643-939E-02111984F565}" type="slidenum">
               <a:rPr lang="en-US" smtClean="0"/>
-              <a:t>‹n.›</a:t>
+              <a:t>‹N›</a:t>
             </a:fld>
             <a:endParaRPr lang="en-US" dirty="0"/>
           </a:p>
@@ -2154,7 +2154,7 @@
           <a:p>
             <a:fld id="{4509A250-FF31-4206-8172-F9D3106AACB1}" type="datetimeFigureOut">
               <a:rPr lang="en-US" smtClean="0"/>
-              <a:t>6/20/15</a:t>
+              <a:t>6/20/2015</a:t>
             </a:fld>
             <a:endParaRPr lang="en-US" dirty="0"/>
           </a:p>
@@ -2283,7 +2283,7 @@
           <a:p>
             <a:fld id="{D57F1E4F-1CFF-5643-939E-02111984F565}" type="slidenum">
               <a:rPr lang="en-US" smtClean="0"/>
-              <a:t>‹n.›</a:t>
+              <a:t>‹N›</a:t>
             </a:fld>
             <a:endParaRPr lang="en-US" dirty="0"/>
           </a:p>
@@ -2555,7 +2555,7 @@
           <a:p>
             <a:fld id="{4509A250-FF31-4206-8172-F9D3106AACB1}" type="datetimeFigureOut">
               <a:rPr lang="en-US" smtClean="0"/>
-              <a:t>6/20/15</a:t>
+              <a:t>6/20/2015</a:t>
             </a:fld>
             <a:endParaRPr lang="en-US" dirty="0"/>
           </a:p>
@@ -2684,7 +2684,7 @@
           <a:p>
             <a:fld id="{D57F1E4F-1CFF-5643-939E-02111984F565}" type="slidenum">
               <a:rPr lang="en-US" smtClean="0"/>
-              <a:t>‹n.›</a:t>
+              <a:t>‹N›</a:t>
             </a:fld>
             <a:endParaRPr lang="en-US" dirty="0"/>
           </a:p>
@@ -2891,7 +2891,7 @@
           <a:p>
             <a:fld id="{4509A250-FF31-4206-8172-F9D3106AACB1}" type="datetimeFigureOut">
               <a:rPr lang="en-US" smtClean="0"/>
-              <a:t>6/20/15</a:t>
+              <a:t>6/20/2015</a:t>
             </a:fld>
             <a:endParaRPr lang="en-US" dirty="0"/>
           </a:p>
@@ -3020,7 +3020,7 @@
           <a:p>
             <a:fld id="{D57F1E4F-1CFF-5643-939E-02111984F565}" type="slidenum">
               <a:rPr lang="en-US" smtClean="0"/>
-              <a:t>‹n.›</a:t>
+              <a:t>‹N›</a:t>
             </a:fld>
             <a:endParaRPr lang="en-US" dirty="0"/>
           </a:p>
@@ -3211,7 +3211,7 @@
           <a:p>
             <a:fld id="{4AAD347D-5ACD-4C99-B74B-A9C85AD731AF}" type="datetimeFigureOut">
               <a:rPr lang="en-US" smtClean="0"/>
-              <a:t>6/20/15</a:t>
+              <a:t>6/20/2015</a:t>
             </a:fld>
             <a:endParaRPr lang="en-US" dirty="0"/>
           </a:p>
@@ -3340,7 +3340,7 @@
           <a:p>
             <a:fld id="{D57F1E4F-1CFF-5643-939E-02111984F565}" type="slidenum">
               <a:rPr lang="en-US" smtClean="0"/>
-              <a:t>‹n.›</a:t>
+              <a:t>‹N›</a:t>
             </a:fld>
             <a:endParaRPr lang="en-US" dirty="0"/>
           </a:p>
@@ -3608,7 +3608,7 @@
           <a:p>
             <a:fld id="{4AAD347D-5ACD-4C99-B74B-A9C85AD731AF}" type="datetimeFigureOut">
               <a:rPr lang="en-US" smtClean="0"/>
-              <a:t>6/20/15</a:t>
+              <a:t>6/20/2015</a:t>
             </a:fld>
             <a:endParaRPr lang="en-US" dirty="0"/>
           </a:p>
@@ -3737,7 +3737,7 @@
           <a:p>
             <a:fld id="{D57F1E4F-1CFF-5643-939E-02111984F565}" type="slidenum">
               <a:rPr lang="en-US" smtClean="0"/>
-              <a:t>‹n.›</a:t>
+              <a:t>‹N›</a:t>
             </a:fld>
             <a:endParaRPr lang="en-US" dirty="0"/>
           </a:p>
@@ -3866,7 +3866,7 @@
           <a:p>
             <a:fld id="{4509A250-FF31-4206-8172-F9D3106AACB1}" type="datetimeFigureOut">
               <a:rPr lang="en-US" smtClean="0"/>
-              <a:t>6/20/15</a:t>
+              <a:t>6/20/2015</a:t>
             </a:fld>
             <a:endParaRPr lang="en-US" dirty="0"/>
           </a:p>
@@ -3990,7 +3990,7 @@
           <a:p>
             <a:fld id="{D57F1E4F-1CFF-5643-939E-02111984F565}" type="slidenum">
               <a:rPr lang="en-US" smtClean="0"/>
-              <a:t>‹n.›</a:t>
+              <a:t>‹N›</a:t>
             </a:fld>
             <a:endParaRPr lang="en-US" dirty="0"/>
           </a:p>
@@ -4128,7 +4128,7 @@
           <a:p>
             <a:fld id="{4AAD347D-5ACD-4C99-B74B-A9C85AD731AF}" type="datetimeFigureOut">
               <a:rPr lang="en-US" smtClean="0"/>
-              <a:t>6/20/15</a:t>
+              <a:t>6/20/2015</a:t>
             </a:fld>
             <a:endParaRPr lang="en-US" dirty="0"/>
           </a:p>
@@ -4252,7 +4252,7 @@
           <a:p>
             <a:fld id="{D57F1E4F-1CFF-5643-939E-02111984F565}" type="slidenum">
               <a:rPr lang="en-US" smtClean="0"/>
-              <a:t>‹n.›</a:t>
+              <a:t>‹N›</a:t>
             </a:fld>
             <a:endParaRPr lang="en-US" dirty="0"/>
           </a:p>
@@ -4391,7 +4391,7 @@
           <a:p>
             <a:fld id="{4509A250-FF31-4206-8172-F9D3106AACB1}" type="datetimeFigureOut">
               <a:rPr lang="en-US" smtClean="0"/>
-              <a:t>6/20/15</a:t>
+              <a:t>6/20/2015</a:t>
             </a:fld>
             <a:endParaRPr lang="en-US" dirty="0"/>
           </a:p>
@@ -4515,7 +4515,7 @@
           <a:p>
             <a:fld id="{D57F1E4F-1CFF-5643-939E-02111984F565}" type="slidenum">
               <a:rPr lang="en-US" smtClean="0"/>
-              <a:t>‹n.›</a:t>
+              <a:t>‹N›</a:t>
             </a:fld>
             <a:endParaRPr lang="en-US" dirty="0"/>
           </a:p>
@@ -4720,7 +4720,7 @@
           <a:p>
             <a:fld id="{9796027F-7875-4030-9381-8BD8C4F21935}" type="datetimeFigureOut">
               <a:rPr lang="en-US" smtClean="0"/>
-              <a:t>6/20/15</a:t>
+              <a:t>6/20/2015</a:t>
             </a:fld>
             <a:endParaRPr lang="en-US" dirty="0"/>
           </a:p>
@@ -4849,7 +4849,7 @@
           <a:p>
             <a:fld id="{D57F1E4F-1CFF-5643-939E-02111984F565}" type="slidenum">
               <a:rPr lang="en-US" smtClean="0"/>
-              <a:t>‹n.›</a:t>
+              <a:t>‹N›</a:t>
             </a:fld>
             <a:endParaRPr lang="en-US" dirty="0"/>
           </a:p>
@@ -5043,7 +5043,7 @@
           <a:p>
             <a:fld id="{9796027F-7875-4030-9381-8BD8C4F21935}" type="datetimeFigureOut">
               <a:rPr lang="en-US" smtClean="0"/>
-              <a:t>6/20/15</a:t>
+              <a:t>6/20/2015</a:t>
             </a:fld>
             <a:endParaRPr lang="en-US" dirty="0"/>
           </a:p>
@@ -5172,7 +5172,7 @@
           <a:p>
             <a:fld id="{D57F1E4F-1CFF-5643-939E-02111984F565}" type="slidenum">
               <a:rPr lang="en-US" smtClean="0"/>
-              <a:t>‹n.›</a:t>
+              <a:t>‹N›</a:t>
             </a:fld>
             <a:endParaRPr lang="en-US" dirty="0"/>
           </a:p>
@@ -5500,7 +5500,7 @@
           <a:p>
             <a:fld id="{9796027F-7875-4030-9381-8BD8C4F21935}" type="datetimeFigureOut">
               <a:rPr lang="en-US" smtClean="0"/>
-              <a:t>6/20/15</a:t>
+              <a:t>6/20/2015</a:t>
             </a:fld>
             <a:endParaRPr lang="en-US" dirty="0"/>
           </a:p>
@@ -5629,7 +5629,7 @@
           <a:p>
             <a:fld id="{D57F1E4F-1CFF-5643-939E-02111984F565}" type="slidenum">
               <a:rPr lang="en-US" smtClean="0"/>
-              <a:t>‹n.›</a:t>
+              <a:t>‹N›</a:t>
             </a:fld>
             <a:endParaRPr lang="en-US" dirty="0"/>
           </a:p>
@@ -5705,7 +5705,7 @@
           <a:p>
             <a:fld id="{4509A250-FF31-4206-8172-F9D3106AACB1}" type="datetimeFigureOut">
               <a:rPr lang="en-US" smtClean="0"/>
-              <a:t>6/20/15</a:t>
+              <a:t>6/20/2015</a:t>
             </a:fld>
             <a:endParaRPr lang="en-US" dirty="0"/>
           </a:p>
@@ -5829,7 +5829,7 @@
           <a:p>
             <a:fld id="{D57F1E4F-1CFF-5643-939E-02111984F565}" type="slidenum">
               <a:rPr lang="en-US" smtClean="0"/>
-              <a:t>‹n.›</a:t>
+              <a:t>‹N›</a:t>
             </a:fld>
             <a:endParaRPr lang="en-US" dirty="0"/>
           </a:p>
@@ -5882,7 +5882,7 @@
           <a:p>
             <a:fld id="{4509A250-FF31-4206-8172-F9D3106AACB1}" type="datetimeFigureOut">
               <a:rPr lang="en-US" smtClean="0"/>
-              <a:t>6/20/15</a:t>
+              <a:t>6/20/2015</a:t>
             </a:fld>
             <a:endParaRPr lang="en-US" dirty="0"/>
           </a:p>
@@ -6006,7 +6006,7 @@
           <a:p>
             <a:fld id="{D57F1E4F-1CFF-5643-939E-02111984F565}" type="slidenum">
               <a:rPr lang="en-US" smtClean="0"/>
-              <a:t>‹n.›</a:t>
+              <a:t>‹N›</a:t>
             </a:fld>
             <a:endParaRPr lang="en-US" dirty="0"/>
           </a:p>
@@ -6215,7 +6215,7 @@
           <a:p>
             <a:fld id="{4509A250-FF31-4206-8172-F9D3106AACB1}" type="datetimeFigureOut">
               <a:rPr lang="en-US" smtClean="0"/>
-              <a:t>6/20/15</a:t>
+              <a:t>6/20/2015</a:t>
             </a:fld>
             <a:endParaRPr lang="en-US" dirty="0"/>
           </a:p>
@@ -6339,7 +6339,7 @@
           <a:p>
             <a:fld id="{D57F1E4F-1CFF-5643-939E-02111984F565}" type="slidenum">
               <a:rPr lang="en-US" smtClean="0"/>
-              <a:t>‹n.›</a:t>
+              <a:t>‹N›</a:t>
             </a:fld>
             <a:endParaRPr lang="en-US" dirty="0"/>
           </a:p>
@@ -6560,7 +6560,7 @@
           <a:p>
             <a:fld id="{4509A250-FF31-4206-8172-F9D3106AACB1}" type="datetimeFigureOut">
               <a:rPr lang="en-US" smtClean="0"/>
-              <a:t>6/20/15</a:t>
+              <a:t>6/20/2015</a:t>
             </a:fld>
             <a:endParaRPr lang="en-US" dirty="0"/>
           </a:p>
@@ -6689,7 +6689,7 @@
           <a:p>
             <a:fld id="{D57F1E4F-1CFF-5643-939E-02111984F565}" type="slidenum">
               <a:rPr lang="en-US" smtClean="0"/>
-              <a:t>‹n.›</a:t>
+              <a:t>‹N›</a:t>
             </a:fld>
             <a:endParaRPr lang="en-US" dirty="0"/>
           </a:p>
@@ -8677,7 +8677,7 @@
           <a:p>
             <a:fld id="{4AAD347D-5ACD-4C99-B74B-A9C85AD731AF}" type="datetimeFigureOut">
               <a:rPr lang="en-US" smtClean="0"/>
-              <a:t>6/20/15</a:t>
+              <a:t>6/20/2015</a:t>
             </a:fld>
             <a:endParaRPr lang="en-US" dirty="0"/>
           </a:p>
@@ -8753,7 +8753,7 @@
           <a:p>
             <a:fld id="{D57F1E4F-1CFF-5643-939E-02111984F565}" type="slidenum">
               <a:rPr lang="en-US" smtClean="0"/>
-              <a:t>‹n.›</a:t>
+              <a:t>‹N›</a:t>
             </a:fld>
             <a:endParaRPr lang="en-US" dirty="0"/>
           </a:p>
@@ -13085,16 +13085,12 @@
       </p:sp>
       <p:pic>
         <p:nvPicPr>
-          <p:cNvPr id="4" name="Segnaposto contenuto 3"/>
-          <p:cNvPicPr>
-            <a:picLocks noGrp="1"/>
-          </p:cNvPicPr>
-          <p:nvPr>
-            <p:ph idx="1"/>
-          </p:nvPr>
+          <p:cNvPr id="6" name="Immagine 5" descr="C:\Users\Alberto\Documents\Alby\Università\Ingegneria del sofware\Ingegneria_Software_2014\Immagini\UsecaseOp.png"/>
+          <p:cNvPicPr/>
+          <p:nvPr/>
         </p:nvPicPr>
-        <p:blipFill rotWithShape="1">
-          <a:blip r:embed="rId2" cstate="print">
+        <p:blipFill>
+          <a:blip r:embed="rId2">
             <a:clrChange>
               <a:clrFrom>
                 <a:srgbClr val="FFFFFF"/>
@@ -13111,13 +13107,182 @@
               </a:ext>
             </a:extLst>
           </a:blip>
-          <a:srcRect l="10727" b="23188"/>
+          <a:srcRect/>
+          <a:stretch>
+            <a:fillRect/>
+          </a:stretch>
+        </p:blipFill>
+        <p:spPr bwMode="auto">
+          <a:xfrm>
+            <a:off x="3425780" y="3332341"/>
+            <a:ext cx="5101032" cy="1482309"/>
+          </a:xfrm>
+          <a:prstGeom prst="rect">
+            <a:avLst/>
+          </a:prstGeom>
+          <a:noFill/>
+          <a:ln>
+            <a:noFill/>
+          </a:ln>
+        </p:spPr>
+      </p:pic>
+      <p:pic>
+        <p:nvPicPr>
+          <p:cNvPr id="7" name="Immagine 6"/>
+          <p:cNvPicPr/>
+          <p:nvPr/>
+        </p:nvPicPr>
+        <p:blipFill rotWithShape="1">
+          <a:blip r:embed="rId3">
+            <a:extLst>
+              <a:ext uri="{28A0092B-C50C-407E-A947-70E740481C1C}">
+                <a14:useLocalDpi xmlns:a14="http://schemas.microsoft.com/office/drawing/2010/main" val="0"/>
+              </a:ext>
+            </a:extLst>
+          </a:blip>
+          <a:srcRect l="20883" t="11220" r="27387" b="58261"/>
           <a:stretch/>
         </p:blipFill>
         <p:spPr>
           <a:xfrm>
-            <a:off x="3773510" y="1146219"/>
-            <a:ext cx="5821251" cy="5527462"/>
+            <a:off x="3773509" y="1105410"/>
+            <a:ext cx="5281336" cy="1906073"/>
+          </a:xfrm>
+          <a:prstGeom prst="rect">
+            <a:avLst/>
+          </a:prstGeom>
+        </p:spPr>
+      </p:pic>
+      <p:sp>
+        <p:nvSpPr>
+          <p:cNvPr id="8" name="Freccia in giù 7"/>
+          <p:cNvSpPr/>
+          <p:nvPr/>
+        </p:nvSpPr>
+        <p:spPr>
+          <a:xfrm flipV="1">
+            <a:off x="4146997" y="4814650"/>
+            <a:ext cx="231820" cy="476518"/>
+          </a:xfrm>
+          <a:prstGeom prst="downArrow">
+            <a:avLst/>
+          </a:prstGeom>
+          <a:solidFill>
+            <a:schemeClr val="tx1"/>
+          </a:solidFill>
+          <a:ln>
+            <a:solidFill>
+              <a:schemeClr val="bg1"/>
+            </a:solidFill>
+          </a:ln>
+        </p:spPr>
+        <p:style>
+          <a:lnRef idx="2">
+            <a:schemeClr val="accent1">
+              <a:shade val="50000"/>
+            </a:schemeClr>
+          </a:lnRef>
+          <a:fillRef idx="1">
+            <a:schemeClr val="accent1"/>
+          </a:fillRef>
+          <a:effectRef idx="0">
+            <a:schemeClr val="accent1"/>
+          </a:effectRef>
+          <a:fontRef idx="minor">
+            <a:schemeClr val="lt1"/>
+          </a:fontRef>
+        </p:style>
+        <p:txBody>
+          <a:bodyPr rtlCol="0" anchor="ctr"/>
+          <a:lstStyle/>
+          <a:p>
+            <a:pPr algn="ctr"/>
+            <a:endParaRPr lang="it-IT"/>
+          </a:p>
+        </p:txBody>
+      </p:sp>
+      <p:sp>
+        <p:nvSpPr>
+          <p:cNvPr id="9" name="Freccia in giù 8"/>
+          <p:cNvSpPr/>
+          <p:nvPr/>
+        </p:nvSpPr>
+        <p:spPr>
+          <a:xfrm flipV="1">
+            <a:off x="4146997" y="2793682"/>
+            <a:ext cx="231820" cy="476518"/>
+          </a:xfrm>
+          <a:prstGeom prst="downArrow">
+            <a:avLst/>
+          </a:prstGeom>
+          <a:solidFill>
+            <a:schemeClr val="tx1"/>
+          </a:solidFill>
+          <a:ln>
+            <a:solidFill>
+              <a:schemeClr val="bg1"/>
+            </a:solidFill>
+          </a:ln>
+        </p:spPr>
+        <p:style>
+          <a:lnRef idx="2">
+            <a:schemeClr val="accent1">
+              <a:shade val="50000"/>
+            </a:schemeClr>
+          </a:lnRef>
+          <a:fillRef idx="1">
+            <a:schemeClr val="accent1"/>
+          </a:fillRef>
+          <a:effectRef idx="0">
+            <a:schemeClr val="accent1"/>
+          </a:effectRef>
+          <a:fontRef idx="minor">
+            <a:schemeClr val="lt1"/>
+          </a:fontRef>
+        </p:style>
+        <p:txBody>
+          <a:bodyPr rtlCol="0" anchor="ctr"/>
+          <a:lstStyle/>
+          <a:p>
+            <a:pPr algn="ctr"/>
+            <a:endParaRPr lang="it-IT"/>
+          </a:p>
+        </p:txBody>
+      </p:sp>
+      <p:pic>
+        <p:nvPicPr>
+          <p:cNvPr id="3" name="Immagine 2"/>
+          <p:cNvPicPr>
+            <a:picLocks noChangeAspect="1"/>
+          </p:cNvPicPr>
+          <p:nvPr/>
+        </p:nvPicPr>
+        <p:blipFill>
+          <a:blip r:embed="rId4">
+            <a:clrChange>
+              <a:clrFrom>
+                <a:srgbClr val="FFFFFF"/>
+              </a:clrFrom>
+              <a:clrTo>
+                <a:srgbClr val="FFFFFF">
+                  <a:alpha val="0"/>
+                </a:srgbClr>
+              </a:clrTo>
+            </a:clrChange>
+            <a:extLst>
+              <a:ext uri="{28A0092B-C50C-407E-A947-70E740481C1C}">
+                <a14:useLocalDpi xmlns:a14="http://schemas.microsoft.com/office/drawing/2010/main" val="0"/>
+              </a:ext>
+            </a:extLst>
+          </a:blip>
+          <a:stretch>
+            <a:fillRect/>
+          </a:stretch>
+        </p:blipFill>
+        <p:spPr>
+          <a:xfrm>
+            <a:off x="3773509" y="5362502"/>
+            <a:ext cx="4627661" cy="1410975"/>
           </a:xfrm>
           <a:prstGeom prst="rect">
             <a:avLst/>
@@ -13127,7 +13292,7 @@
     </p:spTree>
     <p:extLst>
       <p:ext uri="{BB962C8B-B14F-4D97-AF65-F5344CB8AC3E}">
-        <p14:creationId xmlns:p14="http://schemas.microsoft.com/office/powerpoint/2010/main" val="670752506"/>
+        <p14:creationId xmlns:p14="http://schemas.microsoft.com/office/powerpoint/2010/main" val="3902977796"/>
       </p:ext>
     </p:extLst>
   </p:cSld>
@@ -13375,13 +13540,11 @@
       </p:sp>
       <p:pic>
         <p:nvPicPr>
-          <p:cNvPr id="4" name="Segnaposto contenuto 3"/>
+          <p:cNvPr id="6" name="Immagine 5"/>
           <p:cNvPicPr>
-            <a:picLocks noGrp="1"/>
+            <a:picLocks noChangeAspect="1"/>
           </p:cNvPicPr>
-          <p:nvPr>
-            <p:ph idx="1"/>
-          </p:nvPr>
+          <p:nvPr/>
         </p:nvPicPr>
         <p:blipFill>
           <a:blip r:embed="rId2">
@@ -13407,8 +13570,8 @@
         </p:blipFill>
         <p:spPr>
           <a:xfrm>
-            <a:off x="2253804" y="2021982"/>
-            <a:ext cx="8796269" cy="2897747"/>
+            <a:off x="2592925" y="2375792"/>
+            <a:ext cx="8814448" cy="2687527"/>
           </a:xfrm>
           <a:prstGeom prst="rect">
             <a:avLst/>
@@ -16283,12 +16446,12 @@
           <a:graphicData uri="http://schemas.openxmlformats.org/presentationml/2006/ole">
             <mc:AlternateContent xmlns:mc="http://schemas.openxmlformats.org/markup-compatibility/2006">
               <mc:Choice xmlns:v="urn:schemas-microsoft-com:vml" Requires="v">
-                <p:oleObj spid="_x0000_s1043" name="Worksheet" r:id="rId4" imgW="7926840" imgH="3254760" progId="Excel.Sheet.8">
+                <p:oleObj spid="_x0000_s1045" name="Worksheet" r:id="rId3" imgW="7926840" imgH="3254760" progId="Excel.Sheet.8">
                   <p:embed/>
                 </p:oleObj>
               </mc:Choice>
               <mc:Fallback>
-                <p:oleObj name="Worksheet" r:id="rId4" imgW="7926840" imgH="3254760" progId="Excel.Sheet.8">
+                <p:oleObj name="Worksheet" r:id="rId3" imgW="7926840" imgH="3254760" progId="Excel.Sheet.8">
                   <p:embed/>
                   <p:pic>
                     <p:nvPicPr>
@@ -16299,7 +16462,7 @@
                       <p:nvPr/>
                     </p:nvPicPr>
                     <p:blipFill>
-                      <a:blip r:embed="rId5">
+                      <a:blip r:embed="rId4">
                         <a:extLst>
                           <a:ext uri="{28A0092B-C50C-407E-A947-70E740481C1C}">
                             <a14:useLocalDpi xmlns:a14="http://schemas.microsoft.com/office/drawing/2010/main" val="0"/>
@@ -16667,12 +16830,12 @@
           <a:graphicData uri="http://schemas.openxmlformats.org/presentationml/2006/ole">
             <mc:AlternateContent xmlns:mc="http://schemas.openxmlformats.org/markup-compatibility/2006">
               <mc:Choice xmlns:v="urn:schemas-microsoft-com:vml" Requires="v">
-                <p:oleObj spid="_x0000_s2071" name="Worksheet" r:id="rId4" imgW="4927680" imgH="2440800" progId="Excel.Sheet.12">
+                <p:oleObj spid="_x0000_s2073" name="Worksheet" r:id="rId3" imgW="4927680" imgH="2440800" progId="Excel.Sheet.12">
                   <p:embed/>
                 </p:oleObj>
               </mc:Choice>
               <mc:Fallback>
-                <p:oleObj name="Worksheet" r:id="rId4" imgW="4927680" imgH="2440800" progId="Excel.Sheet.12">
+                <p:oleObj name="Worksheet" r:id="rId3" imgW="4927680" imgH="2440800" progId="Excel.Sheet.12">
                   <p:embed/>
                   <p:pic>
                     <p:nvPicPr>
@@ -16683,7 +16846,7 @@
                       <p:nvPr/>
                     </p:nvPicPr>
                     <p:blipFill>
-                      <a:blip r:embed="rId5">
+                      <a:blip r:embed="rId4">
                         <a:extLst>
                           <a:ext uri="{28A0092B-C50C-407E-A947-70E740481C1C}">
                             <a14:useLocalDpi xmlns:a14="http://schemas.microsoft.com/office/drawing/2010/main" val="0"/>

--- a/Slide/slide_FINALI.pptx
+++ b/Slide/slide_FINALI.pptx
@@ -496,11 +496,11 @@
         </c:dLbls>
         <c:gapWidth val="150"/>
         <c:overlap val="100"/>
-        <c:axId val="258345888"/>
-        <c:axId val="258346448"/>
+        <c:axId val="127187992"/>
+        <c:axId val="127186816"/>
       </c:barChart>
       <c:catAx>
-        <c:axId val="258345888"/>
+        <c:axId val="127187992"/>
         <c:scaling>
           <c:orientation val="minMax"/>
         </c:scaling>
@@ -542,7 +542,7 @@
             <a:endParaRPr lang="it-IT"/>
           </a:p>
         </c:txPr>
-        <c:crossAx val="258346448"/>
+        <c:crossAx val="127186816"/>
         <c:crosses val="autoZero"/>
         <c:auto val="1"/>
         <c:lblAlgn val="ctr"/>
@@ -550,7 +550,7 @@
         <c:noMultiLvlLbl val="0"/>
       </c:catAx>
       <c:valAx>
-        <c:axId val="258346448"/>
+        <c:axId val="127186816"/>
         <c:scaling>
           <c:orientation val="minMax"/>
         </c:scaling>
@@ -600,7 +600,7 @@
             <a:endParaRPr lang="it-IT"/>
           </a:p>
         </c:txPr>
-        <c:crossAx val="258345888"/>
+        <c:crossAx val="127187992"/>
         <c:crosses val="autoZero"/>
         <c:crossBetween val="between"/>
       </c:valAx>
@@ -16446,12 +16446,12 @@
           <a:graphicData uri="http://schemas.openxmlformats.org/presentationml/2006/ole">
             <mc:AlternateContent xmlns:mc="http://schemas.openxmlformats.org/markup-compatibility/2006">
               <mc:Choice xmlns:v="urn:schemas-microsoft-com:vml" Requires="v">
-                <p:oleObj spid="_x0000_s1045" name="Worksheet" r:id="rId3" imgW="7926840" imgH="3254760" progId="Excel.Sheet.8">
+                <p:oleObj spid="_x0000_s1046" name="Worksheet" r:id="rId4" imgW="7926840" imgH="3254760" progId="Excel.Sheet.8">
                   <p:embed/>
                 </p:oleObj>
               </mc:Choice>
               <mc:Fallback>
-                <p:oleObj name="Worksheet" r:id="rId3" imgW="7926840" imgH="3254760" progId="Excel.Sheet.8">
+                <p:oleObj name="Worksheet" r:id="rId4" imgW="7926840" imgH="3254760" progId="Excel.Sheet.8">
                   <p:embed/>
                   <p:pic>
                     <p:nvPicPr>
@@ -16462,7 +16462,7 @@
                       <p:nvPr/>
                     </p:nvPicPr>
                     <p:blipFill>
-                      <a:blip r:embed="rId4">
+                      <a:blip r:embed="rId5">
                         <a:extLst>
                           <a:ext uri="{28A0092B-C50C-407E-A947-70E740481C1C}">
                             <a14:useLocalDpi xmlns:a14="http://schemas.microsoft.com/office/drawing/2010/main" val="0"/>
@@ -16830,12 +16830,12 @@
           <a:graphicData uri="http://schemas.openxmlformats.org/presentationml/2006/ole">
             <mc:AlternateContent xmlns:mc="http://schemas.openxmlformats.org/markup-compatibility/2006">
               <mc:Choice xmlns:v="urn:schemas-microsoft-com:vml" Requires="v">
-                <p:oleObj spid="_x0000_s2073" name="Worksheet" r:id="rId3" imgW="4927680" imgH="2440800" progId="Excel.Sheet.12">
+                <p:oleObj spid="_x0000_s2074" name="Worksheet" r:id="rId4" imgW="4927680" imgH="2440800" progId="Excel.Sheet.12">
                   <p:embed/>
                 </p:oleObj>
               </mc:Choice>
               <mc:Fallback>
-                <p:oleObj name="Worksheet" r:id="rId3" imgW="4927680" imgH="2440800" progId="Excel.Sheet.12">
+                <p:oleObj name="Worksheet" r:id="rId4" imgW="4927680" imgH="2440800" progId="Excel.Sheet.12">
                   <p:embed/>
                   <p:pic>
                     <p:nvPicPr>
@@ -16846,7 +16846,7 @@
                       <p:nvPr/>
                     </p:nvPicPr>
                     <p:blipFill>
-                      <a:blip r:embed="rId4">
+                      <a:blip r:embed="rId5">
                         <a:extLst>
                           <a:ext uri="{28A0092B-C50C-407E-A947-70E740481C1C}">
                             <a14:useLocalDpi xmlns:a14="http://schemas.microsoft.com/office/drawing/2010/main" val="0"/>
@@ -20241,7 +20241,7 @@
       </p:sp>
       <p:pic>
         <p:nvPicPr>
-          <p:cNvPr id="3" name="Segnaposto contenuto 2"/>
+          <p:cNvPr id="7" name="Segnaposto contenuto 6"/>
           <p:cNvPicPr>
             <a:picLocks noGrp="1" noChangeAspect="1"/>
           </p:cNvPicPr>
@@ -20263,8 +20263,8 @@
         </p:blipFill>
         <p:spPr>
           <a:xfrm>
-            <a:off x="2592925" y="1316070"/>
-            <a:ext cx="8899301" cy="6292116"/>
+            <a:off x="3434809" y="1187355"/>
+            <a:ext cx="9066540" cy="6410359"/>
           </a:xfrm>
         </p:spPr>
       </p:pic>
@@ -20361,7 +20361,7 @@
       </p:sp>
       <p:pic>
         <p:nvPicPr>
-          <p:cNvPr id="6" name="Segnaposto contenuto 5"/>
+          <p:cNvPr id="3" name="Segnaposto contenuto 2"/>
           <p:cNvPicPr>
             <a:picLocks noGrp="1" noChangeAspect="1"/>
           </p:cNvPicPr>
@@ -20383,8 +20383,8 @@
         </p:blipFill>
         <p:spPr>
           <a:xfrm>
-            <a:off x="2592925" y="1504415"/>
-            <a:ext cx="8487177" cy="6000729"/>
+            <a:off x="3698543" y="1155617"/>
+            <a:ext cx="10208525" cy="7217783"/>
           </a:xfrm>
         </p:spPr>
       </p:pic>

--- a/Slide/slide_FINALI.pptx
+++ b/Slide/slide_FINALI.pptx
@@ -496,11 +496,11 @@
         </c:dLbls>
         <c:gapWidth val="150"/>
         <c:overlap val="100"/>
-        <c:axId val="127187992"/>
-        <c:axId val="127186816"/>
+        <c:axId val="243070208"/>
+        <c:axId val="243070768"/>
       </c:barChart>
       <c:catAx>
-        <c:axId val="127187992"/>
+        <c:axId val="243070208"/>
         <c:scaling>
           <c:orientation val="minMax"/>
         </c:scaling>
@@ -542,7 +542,7 @@
             <a:endParaRPr lang="it-IT"/>
           </a:p>
         </c:txPr>
-        <c:crossAx val="127186816"/>
+        <c:crossAx val="243070768"/>
         <c:crosses val="autoZero"/>
         <c:auto val="1"/>
         <c:lblAlgn val="ctr"/>
@@ -550,7 +550,7 @@
         <c:noMultiLvlLbl val="0"/>
       </c:catAx>
       <c:valAx>
-        <c:axId val="127186816"/>
+        <c:axId val="243070768"/>
         <c:scaling>
           <c:orientation val="minMax"/>
         </c:scaling>
@@ -600,7 +600,7 @@
             <a:endParaRPr lang="it-IT"/>
           </a:p>
         </c:txPr>
-        <c:crossAx val="127187992"/>
+        <c:crossAx val="243070208"/>
         <c:crosses val="autoZero"/>
         <c:crossBetween val="between"/>
       </c:valAx>
@@ -16446,7 +16446,7 @@
           <a:graphicData uri="http://schemas.openxmlformats.org/presentationml/2006/ole">
             <mc:AlternateContent xmlns:mc="http://schemas.openxmlformats.org/markup-compatibility/2006">
               <mc:Choice xmlns:v="urn:schemas-microsoft-com:vml" Requires="v">
-                <p:oleObj spid="_x0000_s1046" name="Worksheet" r:id="rId4" imgW="7926840" imgH="3254760" progId="Excel.Sheet.8">
+                <p:oleObj spid="_x0000_s1047" name="Worksheet" r:id="rId4" imgW="7926840" imgH="3254760" progId="Excel.Sheet.8">
                   <p:embed/>
                 </p:oleObj>
               </mc:Choice>
@@ -16830,7 +16830,7 @@
           <a:graphicData uri="http://schemas.openxmlformats.org/presentationml/2006/ole">
             <mc:AlternateContent xmlns:mc="http://schemas.openxmlformats.org/markup-compatibility/2006">
               <mc:Choice xmlns:v="urn:schemas-microsoft-com:vml" Requires="v">
-                <p:oleObj spid="_x0000_s2074" name="Worksheet" r:id="rId4" imgW="4927680" imgH="2440800" progId="Excel.Sheet.12">
+                <p:oleObj spid="_x0000_s2075" name="Worksheet" r:id="rId4" imgW="4927680" imgH="2440800" progId="Excel.Sheet.12">
                   <p:embed/>
                 </p:oleObj>
               </mc:Choice>
@@ -18170,191 +18170,88 @@
           <a:lstStyle/>
           <a:p>
             <a:r>
-              <a:rPr lang="it-IT" b="1" dirty="0">
-                <a:solidFill>
-                  <a:schemeClr val="accent2">
-                    <a:lumMod val="50000"/>
-                  </a:schemeClr>
-                </a:solidFill>
-              </a:rPr>
-              <a:t>Rischio</a:t>
-            </a:r>
-            <a:r>
-              <a:rPr lang="it-IT" b="1" dirty="0">
-                <a:solidFill>
-                  <a:srgbClr val="2E5369"/>
-                </a:solidFill>
-              </a:rPr>
-              <a:t>:</a:t>
+              <a:rPr lang="it-IT" b="1" dirty="0"/>
+              <a:t>Rischio:</a:t>
             </a:r>
             <a:r>
               <a:rPr lang="it-IT" dirty="0"/>
-              <a:t> Guasto hardware e/o perdita di dati.</a:t>
-            </a:r>
-          </a:p>
-          <a:p>
-            <a:r>
-              <a:rPr lang="it-IT" b="1" dirty="0">
-                <a:solidFill>
-                  <a:schemeClr val="accent2">
-                    <a:lumMod val="50000"/>
-                  </a:schemeClr>
-                </a:solidFill>
-              </a:rPr>
-              <a:t>Gravità</a:t>
-            </a:r>
-            <a:r>
-              <a:rPr lang="it-IT" b="1" dirty="0">
-                <a:solidFill>
-                  <a:srgbClr val="2E5369"/>
-                </a:solidFill>
-              </a:rPr>
-              <a:t>:</a:t>
-            </a:r>
+              <a:t> Abbandono di uno dei componenti del team di sviluppo.</a:t>
+            </a:r>
+          </a:p>
+          <a:p>
             <a:r>
               <a:rPr lang="it-IT" b="1" dirty="0"/>
+              <a:t>Gravità:</a:t>
+            </a:r>
+            <a:r>
+              <a:rPr lang="it-IT" dirty="0"/>
+              <a:t> Dannoso.</a:t>
+            </a:r>
+          </a:p>
+          <a:p>
+            <a:r>
+              <a:rPr lang="it-IT" b="1" dirty="0"/>
+              <a:t>Descrizione:</a:t>
+            </a:r>
+            <a:r>
+              <a:rPr lang="it-IT" dirty="0"/>
+              <a:t> Se uno dei componenti abbandona il progetto, i restanti sono in grado di completare il progetto, ma in tempi più lunghi.	</a:t>
+            </a:r>
+          </a:p>
+          <a:p>
+            <a:r>
+              <a:rPr lang="it-IT" b="1" dirty="0"/>
+              <a:t>Impatto:</a:t>
+            </a:r>
+            <a:r>
+              <a:rPr lang="it-IT" dirty="0"/>
+              <a:t> L’area in cui lavorava il componente (</a:t>
+            </a:r>
+            <a:r>
+              <a:rPr lang="it-IT" dirty="0" err="1"/>
+              <a:t>app</a:t>
+            </a:r>
+            <a:r>
+              <a:rPr lang="it-IT" dirty="0"/>
               <a:t> </a:t>
             </a:r>
             <a:r>
+              <a:rPr lang="it-IT" dirty="0" err="1"/>
+              <a:t>Android</a:t>
+            </a:r>
+            <a:r>
               <a:rPr lang="it-IT" dirty="0"/>
-              <a:t>Molto dannoso.</a:t>
-            </a:r>
-          </a:p>
-          <a:p>
-            <a:r>
-              <a:rPr lang="it-IT" b="1" dirty="0">
-                <a:solidFill>
-                  <a:schemeClr val="accent2">
-                    <a:lumMod val="50000"/>
-                  </a:schemeClr>
-                </a:solidFill>
-              </a:rPr>
-              <a:t>Descrizione</a:t>
-            </a:r>
-            <a:r>
-              <a:rPr lang="it-IT" b="1" dirty="0">
-                <a:solidFill>
-                  <a:srgbClr val="2E5369"/>
-                </a:solidFill>
-              </a:rPr>
-              <a:t>:</a:t>
+              <a:t> o portale web) potrebbe subire dei rallentamenti nel suo completamento.</a:t>
+            </a:r>
+          </a:p>
+          <a:p>
+            <a:r>
+              <a:rPr lang="it-IT" b="1" dirty="0"/>
+              <a:t>Mitigazione:</a:t>
             </a:r>
             <a:r>
               <a:rPr lang="it-IT" dirty="0"/>
-              <a:t> Perdita dei dati a causa dell’inaccessibilità a una data macchina attinente al progetto o ai dati ivi contenuti.</a:t>
-            </a:r>
-          </a:p>
-          <a:p>
-            <a:r>
-              <a:rPr lang="it-IT" b="1" dirty="0">
-                <a:solidFill>
-                  <a:schemeClr val="accent2">
-                    <a:lumMod val="50000"/>
-                  </a:schemeClr>
-                </a:solidFill>
-              </a:rPr>
-              <a:t>Impatto</a:t>
-            </a:r>
-            <a:r>
-              <a:rPr lang="it-IT" b="1" dirty="0">
-                <a:solidFill>
-                  <a:srgbClr val="2E5369"/>
-                </a:solidFill>
-              </a:rPr>
-              <a:t>:</a:t>
+              <a:t> Lavoro parallelo di più persone allo stesso task, in modo che l’eventuale mancanza di una persona non comporti eccessivi ritardi.</a:t>
+            </a:r>
+          </a:p>
+          <a:p>
+            <a:r>
+              <a:rPr lang="it-IT" b="1" dirty="0" err="1"/>
+              <a:t>Contingency</a:t>
             </a:r>
             <a:r>
               <a:rPr lang="it-IT" b="1" dirty="0"/>
-              <a:t> </a:t>
+              <a:t> Plan:</a:t>
             </a:r>
             <a:r>
               <a:rPr lang="it-IT" dirty="0"/>
-              <a:t>Perdita di componenti software con conseguente ritardo dovuto alla riscrittura del codice perso. Eventuale danno economico dovuto al dover sostituire l’hardware danneggiato.</a:t>
-            </a:r>
-          </a:p>
-          <a:p>
-            <a:r>
-              <a:rPr lang="it-IT" b="1" dirty="0">
-                <a:solidFill>
-                  <a:schemeClr val="accent2">
-                    <a:lumMod val="50000"/>
-                  </a:schemeClr>
-                </a:solidFill>
-              </a:rPr>
-              <a:t>Mitigazione</a:t>
-            </a:r>
-            <a:r>
-              <a:rPr lang="it-IT" b="1" dirty="0">
-                <a:solidFill>
-                  <a:srgbClr val="2E5369"/>
-                </a:solidFill>
-              </a:rPr>
-              <a:t>:</a:t>
-            </a:r>
-            <a:r>
-              <a:rPr lang="it-IT" dirty="0"/>
-              <a:t> Salvare il progetto su più macchine oltre che su un </a:t>
-            </a:r>
-            <a:r>
-              <a:rPr lang="it-IT" dirty="0" err="1"/>
-              <a:t>repository</a:t>
-            </a:r>
-            <a:r>
-              <a:rPr lang="it-IT" dirty="0"/>
-              <a:t> online.</a:t>
-            </a:r>
-          </a:p>
-          <a:p>
-            <a:r>
-              <a:rPr lang="it-IT" b="1" dirty="0" err="1">
-                <a:solidFill>
-                  <a:schemeClr val="accent2">
-                    <a:lumMod val="50000"/>
-                  </a:schemeClr>
-                </a:solidFill>
-              </a:rPr>
-              <a:t>Contingency</a:t>
-            </a:r>
-            <a:r>
-              <a:rPr lang="it-IT" b="1" dirty="0">
-                <a:solidFill>
-                  <a:schemeClr val="accent2">
-                    <a:lumMod val="50000"/>
-                  </a:schemeClr>
-                </a:solidFill>
-              </a:rPr>
-              <a:t> Plan</a:t>
-            </a:r>
-            <a:r>
-              <a:rPr lang="it-IT" b="1" dirty="0">
-                <a:solidFill>
-                  <a:srgbClr val="2E5369"/>
-                </a:solidFill>
-              </a:rPr>
-              <a:t>:</a:t>
-            </a:r>
-            <a:r>
-              <a:rPr lang="it-IT" dirty="0">
-                <a:solidFill>
-                  <a:srgbClr val="2E5369"/>
-                </a:solidFill>
-              </a:rPr>
-              <a:t> </a:t>
-            </a:r>
-            <a:r>
-              <a:rPr lang="it-IT" dirty="0"/>
-              <a:t>Recuperare l’ultima copia di backup dal </a:t>
-            </a:r>
-            <a:r>
-              <a:rPr lang="it-IT" dirty="0" err="1"/>
-              <a:t>repository</a:t>
-            </a:r>
-            <a:r>
-              <a:rPr lang="it-IT" dirty="0"/>
-              <a:t> online o dalle macchine non danneggiate.</a:t>
-            </a:r>
-          </a:p>
-          <a:p>
+              <a:t> Tutti i componenti del team hanno le conoscenze basilari necessarie al completamento del progetto.</a:t>
+            </a:r>
+          </a:p>
+          <a:p>
+            <a:pPr marL="0" indent="0">
+              <a:buNone/>
+            </a:pPr>
             <a:endParaRPr lang="it-IT" dirty="0"/>
           </a:p>
           <a:p>

--- a/Slide/slide_FINALI.pptx
+++ b/Slide/slide_FINALI.pptx
@@ -5,7 +5,7 @@
     <p:sldMasterId id="2147483671" r:id="rId1"/>
   </p:sldMasterIdLst>
   <p:notesMasterIdLst>
-    <p:notesMasterId r:id="rId74"/>
+    <p:notesMasterId r:id="rId76"/>
   </p:notesMasterIdLst>
   <p:sldIdLst>
     <p:sldId id="256" r:id="rId2"/>
@@ -80,6 +80,8 @@
     <p:sldId id="328" r:id="rId71"/>
     <p:sldId id="327" r:id="rId72"/>
     <p:sldId id="329" r:id="rId73"/>
+    <p:sldId id="333" r:id="rId74"/>
+    <p:sldId id="334" r:id="rId75"/>
   </p:sldIdLst>
   <p:sldSz cx="12192000" cy="6858000"/>
   <p:notesSz cx="6858000" cy="9144000"/>
@@ -496,11 +498,11 @@
         </c:dLbls>
         <c:gapWidth val="150"/>
         <c:overlap val="100"/>
-        <c:axId val="243070208"/>
-        <c:axId val="243070768"/>
+        <c:axId val="245784064"/>
+        <c:axId val="245784624"/>
       </c:barChart>
       <c:catAx>
-        <c:axId val="243070208"/>
+        <c:axId val="245784064"/>
         <c:scaling>
           <c:orientation val="minMax"/>
         </c:scaling>
@@ -542,7 +544,7 @@
             <a:endParaRPr lang="it-IT"/>
           </a:p>
         </c:txPr>
-        <c:crossAx val="243070768"/>
+        <c:crossAx val="245784624"/>
         <c:crosses val="autoZero"/>
         <c:auto val="1"/>
         <c:lblAlgn val="ctr"/>
@@ -550,7 +552,7 @@
         <c:noMultiLvlLbl val="0"/>
       </c:catAx>
       <c:valAx>
-        <c:axId val="243070768"/>
+        <c:axId val="245784624"/>
         <c:scaling>
           <c:orientation val="minMax"/>
         </c:scaling>
@@ -600,7 +602,7 @@
             <a:endParaRPr lang="it-IT"/>
           </a:p>
         </c:txPr>
-        <c:crossAx val="243070208"/>
+        <c:crossAx val="245784064"/>
         <c:crosses val="autoZero"/>
         <c:crossBetween val="between"/>
       </c:valAx>
@@ -16446,12 +16448,12 @@
           <a:graphicData uri="http://schemas.openxmlformats.org/presentationml/2006/ole">
             <mc:AlternateContent xmlns:mc="http://schemas.openxmlformats.org/markup-compatibility/2006">
               <mc:Choice xmlns:v="urn:schemas-microsoft-com:vml" Requires="v">
-                <p:oleObj spid="_x0000_s1047" name="Worksheet" r:id="rId4" imgW="7926840" imgH="3254760" progId="Excel.Sheet.8">
+                <p:oleObj spid="_x0000_s1049" name="Worksheet" r:id="rId3" imgW="7926840" imgH="3254760" progId="Excel.Sheet.8">
                   <p:embed/>
                 </p:oleObj>
               </mc:Choice>
               <mc:Fallback>
-                <p:oleObj name="Worksheet" r:id="rId4" imgW="7926840" imgH="3254760" progId="Excel.Sheet.8">
+                <p:oleObj name="Worksheet" r:id="rId3" imgW="7926840" imgH="3254760" progId="Excel.Sheet.8">
                   <p:embed/>
                   <p:pic>
                     <p:nvPicPr>
@@ -16462,7 +16464,7 @@
                       <p:nvPr/>
                     </p:nvPicPr>
                     <p:blipFill>
-                      <a:blip r:embed="rId5">
+                      <a:blip r:embed="rId4">
                         <a:extLst>
                           <a:ext uri="{28A0092B-C50C-407E-A947-70E740481C1C}">
                             <a14:useLocalDpi xmlns:a14="http://schemas.microsoft.com/office/drawing/2010/main" val="0"/>
@@ -16830,12 +16832,12 @@
           <a:graphicData uri="http://schemas.openxmlformats.org/presentationml/2006/ole">
             <mc:AlternateContent xmlns:mc="http://schemas.openxmlformats.org/markup-compatibility/2006">
               <mc:Choice xmlns:v="urn:schemas-microsoft-com:vml" Requires="v">
-                <p:oleObj spid="_x0000_s2075" name="Worksheet" r:id="rId4" imgW="4927680" imgH="2440800" progId="Excel.Sheet.12">
+                <p:oleObj spid="_x0000_s2077" name="Worksheet" r:id="rId3" imgW="4927680" imgH="2440800" progId="Excel.Sheet.12">
                   <p:embed/>
                 </p:oleObj>
               </mc:Choice>
               <mc:Fallback>
-                <p:oleObj name="Worksheet" r:id="rId4" imgW="4927680" imgH="2440800" progId="Excel.Sheet.12">
+                <p:oleObj name="Worksheet" r:id="rId3" imgW="4927680" imgH="2440800" progId="Excel.Sheet.12">
                   <p:embed/>
                   <p:pic>
                     <p:nvPicPr>
@@ -16846,7 +16848,7 @@
                       <p:nvPr/>
                     </p:nvPicPr>
                     <p:blipFill>
-                      <a:blip r:embed="rId5">
+                      <a:blip r:embed="rId4">
                         <a:extLst>
                           <a:ext uri="{28A0092B-C50C-407E-A947-70E740481C1C}">
                             <a14:useLocalDpi xmlns:a14="http://schemas.microsoft.com/office/drawing/2010/main" val="0"/>
@@ -22011,6 +22013,186 @@
     <p:extLst>
       <p:ext uri="{BB962C8B-B14F-4D97-AF65-F5344CB8AC3E}">
         <p14:creationId xmlns:p14="http://schemas.microsoft.com/office/powerpoint/2010/main" val="1153263590"/>
+      </p:ext>
+    </p:extLst>
+  </p:cSld>
+  <p:clrMapOvr>
+    <a:masterClrMapping/>
+  </p:clrMapOvr>
+</p:sld>
+</file>
+
+<file path=ppt/slides/slide73.xml><?xml version="1.0" encoding="utf-8"?>
+<p:sld xmlns:a="http://schemas.openxmlformats.org/drawingml/2006/main" xmlns:r="http://schemas.openxmlformats.org/officeDocument/2006/relationships" xmlns:p="http://schemas.openxmlformats.org/presentationml/2006/main">
+  <p:cSld>
+    <p:spTree>
+      <p:nvGrpSpPr>
+        <p:cNvPr id="1" name=""/>
+        <p:cNvGrpSpPr/>
+        <p:nvPr/>
+      </p:nvGrpSpPr>
+      <p:grpSpPr>
+        <a:xfrm>
+          <a:off x="0" y="0"/>
+          <a:ext cx="0" cy="0"/>
+          <a:chOff x="0" y="0"/>
+          <a:chExt cx="0" cy="0"/>
+        </a:xfrm>
+      </p:grpSpPr>
+      <p:sp>
+        <p:nvSpPr>
+          <p:cNvPr id="2" name="Titolo 1"/>
+          <p:cNvSpPr>
+            <a:spLocks noGrp="1"/>
+          </p:cNvSpPr>
+          <p:nvPr>
+            <p:ph type="title"/>
+          </p:nvPr>
+        </p:nvSpPr>
+        <p:spPr/>
+        <p:txBody>
+          <a:bodyPr/>
+          <a:lstStyle/>
+          <a:p>
+            <a:r>
+              <a:rPr lang="it-IT" dirty="0" smtClean="0"/>
+              <a:t>Conclusioni</a:t>
+            </a:r>
+            <a:endParaRPr lang="it-IT" dirty="0"/>
+          </a:p>
+        </p:txBody>
+      </p:sp>
+      <p:sp>
+        <p:nvSpPr>
+          <p:cNvPr id="3" name="Segnaposto contenuto 2"/>
+          <p:cNvSpPr>
+            <a:spLocks noGrp="1"/>
+          </p:cNvSpPr>
+          <p:nvPr>
+            <p:ph sz="half" idx="1"/>
+          </p:nvPr>
+        </p:nvSpPr>
+        <p:spPr>
+          <a:xfrm>
+            <a:off x="2589211" y="2133600"/>
+            <a:ext cx="9079625" cy="3777622"/>
+          </a:xfrm>
+        </p:spPr>
+        <p:txBody>
+          <a:bodyPr/>
+          <a:lstStyle/>
+          <a:p>
+            <a:pPr marL="0" indent="0">
+              <a:buNone/>
+            </a:pPr>
+            <a:r>
+              <a:rPr lang="it-IT" dirty="0" smtClean="0"/>
+              <a:t>Durante questo corso sono state acquisite le seguenti capacità:</a:t>
+            </a:r>
+          </a:p>
+          <a:p>
+            <a:pPr algn="just"/>
+            <a:r>
+              <a:rPr lang="it-IT" dirty="0" smtClean="0"/>
+              <a:t>Consapevolezza sul come si progetta e sviluppa un software affrontando la pianificazione, progettazione, modellazione e specifica, implementazione, collaudo e verifica, valutazione, manutenzione.</a:t>
+            </a:r>
+          </a:p>
+          <a:p>
+            <a:pPr algn="just"/>
+            <a:r>
+              <a:rPr lang="it-IT" dirty="0" smtClean="0"/>
+              <a:t>Capacità di lavoro in un team gestendo le relative problematiche.</a:t>
+            </a:r>
+          </a:p>
+          <a:p>
+            <a:pPr algn="just"/>
+            <a:r>
+              <a:rPr lang="it-IT" dirty="0" smtClean="0"/>
+              <a:t>Come realizzare documentazione corretta ed esaustiva. </a:t>
+            </a:r>
+          </a:p>
+          <a:p>
+            <a:pPr algn="just"/>
+            <a:r>
+              <a:rPr lang="it-IT" dirty="0" smtClean="0"/>
+              <a:t>Sviluppo usando nuove tecnologie.</a:t>
+            </a:r>
+          </a:p>
+          <a:p>
+            <a:pPr marL="0" indent="0">
+              <a:buNone/>
+            </a:pPr>
+            <a:endParaRPr lang="it-IT" dirty="0"/>
+          </a:p>
+        </p:txBody>
+      </p:sp>
+    </p:spTree>
+    <p:extLst>
+      <p:ext uri="{BB962C8B-B14F-4D97-AF65-F5344CB8AC3E}">
+        <p14:creationId xmlns:p14="http://schemas.microsoft.com/office/powerpoint/2010/main" val="717904145"/>
+      </p:ext>
+    </p:extLst>
+  </p:cSld>
+  <p:clrMapOvr>
+    <a:masterClrMapping/>
+  </p:clrMapOvr>
+</p:sld>
+</file>
+
+<file path=ppt/slides/slide74.xml><?xml version="1.0" encoding="utf-8"?>
+<p:sld xmlns:a="http://schemas.openxmlformats.org/drawingml/2006/main" xmlns:r="http://schemas.openxmlformats.org/officeDocument/2006/relationships" xmlns:p="http://schemas.openxmlformats.org/presentationml/2006/main">
+  <p:cSld>
+    <p:spTree>
+      <p:nvGrpSpPr>
+        <p:cNvPr id="1" name=""/>
+        <p:cNvGrpSpPr/>
+        <p:nvPr/>
+      </p:nvGrpSpPr>
+      <p:grpSpPr>
+        <a:xfrm>
+          <a:off x="0" y="0"/>
+          <a:ext cx="0" cy="0"/>
+          <a:chOff x="0" y="0"/>
+          <a:chExt cx="0" cy="0"/>
+        </a:xfrm>
+      </p:grpSpPr>
+      <p:sp>
+        <p:nvSpPr>
+          <p:cNvPr id="3" name="Segnaposto contenuto 2"/>
+          <p:cNvSpPr>
+            <a:spLocks noGrp="1"/>
+          </p:cNvSpPr>
+          <p:nvPr>
+            <p:ph sz="half" idx="1"/>
+          </p:nvPr>
+        </p:nvSpPr>
+        <p:spPr>
+          <a:xfrm>
+            <a:off x="1961414" y="2960427"/>
+            <a:ext cx="9038681" cy="937146"/>
+          </a:xfrm>
+        </p:spPr>
+        <p:txBody>
+          <a:bodyPr>
+            <a:normAutofit/>
+          </a:bodyPr>
+          <a:lstStyle/>
+          <a:p>
+            <a:pPr marL="0" indent="0" algn="ctr">
+              <a:buNone/>
+            </a:pPr>
+            <a:r>
+              <a:rPr lang="it-IT" sz="3600" dirty="0" smtClean="0"/>
+              <a:t>Grazie per l’attenzione</a:t>
+            </a:r>
+            <a:endParaRPr lang="it-IT" sz="3600" dirty="0"/>
+          </a:p>
+        </p:txBody>
+      </p:sp>
+    </p:spTree>
+    <p:extLst>
+      <p:ext uri="{BB962C8B-B14F-4D97-AF65-F5344CB8AC3E}">
+        <p14:creationId xmlns:p14="http://schemas.microsoft.com/office/powerpoint/2010/main" val="332992143"/>
       </p:ext>
     </p:extLst>
   </p:cSld>

--- a/Slide/slide_FINALI.pptx
+++ b/Slide/slide_FINALI.pptx
@@ -5,7 +5,7 @@
     <p:sldMasterId id="2147483671" r:id="rId1"/>
   </p:sldMasterIdLst>
   <p:notesMasterIdLst>
-    <p:notesMasterId r:id="rId76"/>
+    <p:notesMasterId r:id="rId73"/>
   </p:notesMasterIdLst>
   <p:sldIdLst>
     <p:sldId id="256" r:id="rId2"/>
@@ -45,43 +45,40 @@
     <p:sldId id="301" r:id="rId36"/>
     <p:sldId id="302" r:id="rId37"/>
     <p:sldId id="303" r:id="rId38"/>
-    <p:sldId id="304" r:id="rId39"/>
-    <p:sldId id="270" r:id="rId40"/>
-    <p:sldId id="265" r:id="rId41"/>
-    <p:sldId id="266" r:id="rId42"/>
-    <p:sldId id="267" r:id="rId43"/>
-    <p:sldId id="268" r:id="rId44"/>
-    <p:sldId id="269" r:id="rId45"/>
-    <p:sldId id="273" r:id="rId46"/>
-    <p:sldId id="274" r:id="rId47"/>
-    <p:sldId id="305" r:id="rId48"/>
-    <p:sldId id="306" r:id="rId49"/>
-    <p:sldId id="307" r:id="rId50"/>
-    <p:sldId id="308" r:id="rId51"/>
-    <p:sldId id="309" r:id="rId52"/>
-    <p:sldId id="310" r:id="rId53"/>
-    <p:sldId id="315" r:id="rId54"/>
-    <p:sldId id="311" r:id="rId55"/>
-    <p:sldId id="312" r:id="rId56"/>
-    <p:sldId id="316" r:id="rId57"/>
-    <p:sldId id="313" r:id="rId58"/>
-    <p:sldId id="330" r:id="rId59"/>
-    <p:sldId id="317" r:id="rId60"/>
-    <p:sldId id="314" r:id="rId61"/>
-    <p:sldId id="331" r:id="rId62"/>
-    <p:sldId id="320" r:id="rId63"/>
-    <p:sldId id="318" r:id="rId64"/>
-    <p:sldId id="319" r:id="rId65"/>
-    <p:sldId id="321" r:id="rId66"/>
-    <p:sldId id="322" r:id="rId67"/>
-    <p:sldId id="323" r:id="rId68"/>
-    <p:sldId id="324" r:id="rId69"/>
-    <p:sldId id="325" r:id="rId70"/>
-    <p:sldId id="328" r:id="rId71"/>
-    <p:sldId id="327" r:id="rId72"/>
-    <p:sldId id="329" r:id="rId73"/>
-    <p:sldId id="333" r:id="rId74"/>
-    <p:sldId id="334" r:id="rId75"/>
+    <p:sldId id="270" r:id="rId39"/>
+    <p:sldId id="265" r:id="rId40"/>
+    <p:sldId id="266" r:id="rId41"/>
+    <p:sldId id="267" r:id="rId42"/>
+    <p:sldId id="268" r:id="rId43"/>
+    <p:sldId id="269" r:id="rId44"/>
+    <p:sldId id="273" r:id="rId45"/>
+    <p:sldId id="274" r:id="rId46"/>
+    <p:sldId id="305" r:id="rId47"/>
+    <p:sldId id="306" r:id="rId48"/>
+    <p:sldId id="307" r:id="rId49"/>
+    <p:sldId id="308" r:id="rId50"/>
+    <p:sldId id="309" r:id="rId51"/>
+    <p:sldId id="310" r:id="rId52"/>
+    <p:sldId id="315" r:id="rId53"/>
+    <p:sldId id="311" r:id="rId54"/>
+    <p:sldId id="312" r:id="rId55"/>
+    <p:sldId id="316" r:id="rId56"/>
+    <p:sldId id="313" r:id="rId57"/>
+    <p:sldId id="330" r:id="rId58"/>
+    <p:sldId id="317" r:id="rId59"/>
+    <p:sldId id="314" r:id="rId60"/>
+    <p:sldId id="331" r:id="rId61"/>
+    <p:sldId id="320" r:id="rId62"/>
+    <p:sldId id="318" r:id="rId63"/>
+    <p:sldId id="319" r:id="rId64"/>
+    <p:sldId id="321" r:id="rId65"/>
+    <p:sldId id="322" r:id="rId66"/>
+    <p:sldId id="323" r:id="rId67"/>
+    <p:sldId id="324" r:id="rId68"/>
+    <p:sldId id="325" r:id="rId69"/>
+    <p:sldId id="328" r:id="rId70"/>
+    <p:sldId id="327" r:id="rId71"/>
+    <p:sldId id="329" r:id="rId72"/>
   </p:sldIdLst>
   <p:sldSz cx="12192000" cy="6858000"/>
   <p:notesSz cx="6858000" cy="9144000"/>
@@ -239,6 +236,7 @@
           </a:p>
         </c:rich>
       </c:tx>
+      <c:layout/>
       <c:overlay val="0"/>
       <c:spPr>
         <a:noFill/>
@@ -498,11 +496,11 @@
         </c:dLbls>
         <c:gapWidth val="150"/>
         <c:overlap val="100"/>
-        <c:axId val="245784064"/>
-        <c:axId val="245784624"/>
+        <c:axId val="241170768"/>
+        <c:axId val="241168808"/>
       </c:barChart>
       <c:catAx>
-        <c:axId val="245784064"/>
+        <c:axId val="241170768"/>
         <c:scaling>
           <c:orientation val="minMax"/>
         </c:scaling>
@@ -544,7 +542,7 @@
             <a:endParaRPr lang="it-IT"/>
           </a:p>
         </c:txPr>
-        <c:crossAx val="245784624"/>
+        <c:crossAx val="241168808"/>
         <c:crosses val="autoZero"/>
         <c:auto val="1"/>
         <c:lblAlgn val="ctr"/>
@@ -552,7 +550,7 @@
         <c:noMultiLvlLbl val="0"/>
       </c:catAx>
       <c:valAx>
-        <c:axId val="245784624"/>
+        <c:axId val="241168808"/>
         <c:scaling>
           <c:orientation val="minMax"/>
         </c:scaling>
@@ -602,7 +600,7 @@
             <a:endParaRPr lang="it-IT"/>
           </a:p>
         </c:txPr>
-        <c:crossAx val="245784064"/>
+        <c:crossAx val="241170768"/>
         <c:crosses val="autoZero"/>
         <c:crossBetween val="between"/>
       </c:valAx>
@@ -1611,7 +1609,7 @@
           <a:p>
             <a:fld id="{AC537139-DB3E-9741-8F86-FB24ABB395A3}" type="slidenum">
               <a:rPr lang="it-IT" smtClean="0"/>
-              <a:t>53</a:t>
+              <a:t>52</a:t>
             </a:fld>
             <a:endParaRPr lang="it-IT"/>
           </a:p>
@@ -11844,52 +11842,31 @@
       </p:sp>
       <p:pic>
         <p:nvPicPr>
-          <p:cNvPr id="6" name="Segnaposto contenuto 5" descr="C:\Users\Alberto\Documents\Alby\Università\Ingegneria del sofware\Ingegneria_Software_2014\Documenti_da_Finire\Immagini_Varie\Concetto_Operativo.png"/>
+          <p:cNvPr id="4" name="Segnaposto contenuto 3"/>
           <p:cNvPicPr>
-            <a:picLocks noGrp="1"/>
+            <a:picLocks noGrp="1" noChangeAspect="1"/>
           </p:cNvPicPr>
           <p:nvPr>
             <p:ph idx="1"/>
           </p:nvPr>
         </p:nvPicPr>
-        <p:blipFill rotWithShape="1">
+        <p:blipFill>
           <a:blip r:embed="rId2">
-            <a:clrChange>
-              <a:clrFrom>
-                <a:srgbClr val="FFFFFF"/>
-              </a:clrFrom>
-              <a:clrTo>
-                <a:srgbClr val="FFFFFF">
-                  <a:alpha val="0"/>
-                </a:srgbClr>
-              </a:clrTo>
-            </a:clrChange>
             <a:extLst>
               <a:ext uri="{28A0092B-C50C-407E-A947-70E740481C1C}">
                 <a14:useLocalDpi xmlns:a14="http://schemas.microsoft.com/office/drawing/2010/main" val="0"/>
               </a:ext>
             </a:extLst>
           </a:blip>
-          <a:srcRect t="38978"/>
-          <a:stretch/>
+          <a:stretch>
+            <a:fillRect/>
+          </a:stretch>
         </p:blipFill>
-        <p:spPr bwMode="auto">
+        <p:spPr>
           <a:xfrm>
-            <a:off x="3541691" y="1483495"/>
-            <a:ext cx="6338012" cy="5252155"/>
+            <a:off x="3221575" y="-2348244"/>
+            <a:ext cx="6665375" cy="9427224"/>
           </a:xfrm>
-          <a:prstGeom prst="rect">
-            <a:avLst/>
-          </a:prstGeom>
-          <a:noFill/>
-          <a:ln>
-            <a:noFill/>
-          </a:ln>
-          <a:extLst>
-            <a:ext uri="{53640926-AAD7-44D8-BBD7-CCE9431645EC}">
-              <a14:shadowObscured xmlns:a14="http://schemas.microsoft.com/office/drawing/2010/main"/>
-            </a:ext>
-          </a:extLst>
         </p:spPr>
       </p:pic>
     </p:spTree>
@@ -13291,6 +13268,35 @@
           </a:prstGeom>
         </p:spPr>
       </p:pic>
+      <p:sp useBgFill="1">
+        <p:nvSpPr>
+          <p:cNvPr id="4" name="CasellaDiTesto 3"/>
+          <p:cNvSpPr txBox="1"/>
+          <p:nvPr/>
+        </p:nvSpPr>
+        <p:spPr>
+          <a:xfrm>
+            <a:off x="6684698" y="5937184"/>
+            <a:ext cx="1502040" cy="261610"/>
+          </a:xfrm>
+          <a:prstGeom prst="rect">
+            <a:avLst/>
+          </a:prstGeom>
+        </p:spPr>
+        <p:txBody>
+          <a:bodyPr wrap="square" rtlCol="0">
+            <a:spAutoFit/>
+          </a:bodyPr>
+          <a:lstStyle/>
+          <a:p>
+            <a:r>
+              <a:rPr lang="it-IT" sz="1050" dirty="0" smtClean="0"/>
+              <a:t>   Soluzione trovata</a:t>
+            </a:r>
+            <a:endParaRPr lang="it-IT" sz="1050" dirty="0"/>
+          </a:p>
+        </p:txBody>
+      </p:sp>
     </p:spTree>
     <p:extLst>
       <p:ext uri="{BB962C8B-B14F-4D97-AF65-F5344CB8AC3E}">
@@ -13580,6 +13586,35 @@
           </a:prstGeom>
         </p:spPr>
       </p:pic>
+      <p:sp useBgFill="1">
+        <p:nvSpPr>
+          <p:cNvPr id="3" name="CasellaDiTesto 2"/>
+          <p:cNvSpPr txBox="1"/>
+          <p:nvPr/>
+        </p:nvSpPr>
+        <p:spPr>
+          <a:xfrm>
+            <a:off x="8286750" y="3534889"/>
+            <a:ext cx="2386013" cy="369332"/>
+          </a:xfrm>
+          <a:prstGeom prst="rect">
+            <a:avLst/>
+          </a:prstGeom>
+        </p:spPr>
+        <p:txBody>
+          <a:bodyPr wrap="square" rtlCol="0">
+            <a:spAutoFit/>
+          </a:bodyPr>
+          <a:lstStyle/>
+          <a:p>
+            <a:r>
+              <a:rPr lang="it-IT" dirty="0" smtClean="0"/>
+              <a:t>    Soluzione trovata</a:t>
+            </a:r>
+            <a:endParaRPr lang="it-IT" dirty="0"/>
+          </a:p>
+        </p:txBody>
+      </p:sp>
     </p:spTree>
     <p:extLst>
       <p:ext uri="{BB962C8B-B14F-4D97-AF65-F5344CB8AC3E}">
@@ -15035,627 +15070,6 @@
       </p:grpSpPr>
       <p:sp>
         <p:nvSpPr>
-          <p:cNvPr id="5" name="Titolo 4"/>
-          <p:cNvSpPr>
-            <a:spLocks noGrp="1"/>
-          </p:cNvSpPr>
-          <p:nvPr>
-            <p:ph type="title"/>
-          </p:nvPr>
-        </p:nvSpPr>
-        <p:spPr>
-          <a:xfrm>
-            <a:off x="2438380" y="649869"/>
-            <a:ext cx="8911687" cy="1280890"/>
-          </a:xfrm>
-        </p:spPr>
-        <p:txBody>
-          <a:bodyPr/>
-          <a:lstStyle/>
-          <a:p>
-            <a:r>
-              <a:rPr lang="it-IT" dirty="0" smtClean="0"/>
-              <a:t>RAM</a:t>
-            </a:r>
-            <a:endParaRPr lang="it-IT" dirty="0"/>
-          </a:p>
-        </p:txBody>
-      </p:sp>
-      <p:graphicFrame>
-        <p:nvGraphicFramePr>
-          <p:cNvPr id="3" name="Segnaposto contenuto 2"/>
-          <p:cNvGraphicFramePr>
-            <a:graphicFrameLocks noGrp="1"/>
-          </p:cNvGraphicFramePr>
-          <p:nvPr>
-            <p:ph idx="1"/>
-          </p:nvPr>
-        </p:nvGraphicFramePr>
-        <p:xfrm>
-          <a:off x="2995446" y="1930759"/>
-          <a:ext cx="8070840" cy="4297680"/>
-        </p:xfrm>
-        <a:graphic>
-          <a:graphicData uri="http://schemas.openxmlformats.org/drawingml/2006/table">
-            <a:tbl>
-              <a:tblPr firstRow="1" firstCol="1" bandRow="1">
-                <a:tableStyleId>{B301B821-A1FF-4177-AEE7-76D212191A09}</a:tableStyleId>
-              </a:tblPr>
-              <a:tblGrid>
-                <a:gridCol w="4035420"/>
-                <a:gridCol w="4035420"/>
-              </a:tblGrid>
-              <a:tr h="171148">
-                <a:tc>
-                  <a:txBody>
-                    <a:bodyPr/>
-                    <a:lstStyle/>
-                    <a:p>
-                      <a:pPr algn="ctr">
-                        <a:spcAft>
-                          <a:spcPts val="0"/>
-                        </a:spcAft>
-                      </a:pPr>
-                      <a:r>
-                        <a:rPr lang="it-IT" sz="1200" dirty="0">
-                          <a:effectLst/>
-                        </a:rPr>
-                        <a:t>Attività</a:t>
-                      </a:r>
-                      <a:endParaRPr lang="it-IT" sz="1200" dirty="0">
-                        <a:effectLst/>
-                        <a:latin typeface="Calibri" charset="0"/>
-                        <a:ea typeface="ＭＳ 明朝" charset="-128"/>
-                        <a:cs typeface="Times New Roman" charset="0"/>
-                      </a:endParaRPr>
-                    </a:p>
-                  </a:txBody>
-                  <a:tcPr marL="68580" marR="68580" marT="0" marB="0"/>
-                </a:tc>
-                <a:tc>
-                  <a:txBody>
-                    <a:bodyPr/>
-                    <a:lstStyle/>
-                    <a:p>
-                      <a:pPr algn="ctr">
-                        <a:spcAft>
-                          <a:spcPts val="0"/>
-                        </a:spcAft>
-                      </a:pPr>
-                      <a:r>
-                        <a:rPr lang="it-IT" sz="1200">
-                          <a:effectLst/>
-                        </a:rPr>
-                        <a:t>In carico a</a:t>
-                      </a:r>
-                      <a:endParaRPr lang="it-IT" sz="1200">
-                        <a:effectLst/>
-                        <a:latin typeface="Calibri" charset="0"/>
-                        <a:ea typeface="ＭＳ 明朝" charset="-128"/>
-                        <a:cs typeface="Times New Roman" charset="0"/>
-                      </a:endParaRPr>
-                    </a:p>
-                  </a:txBody>
-                  <a:tcPr marL="68580" marR="68580" marT="0" marB="0"/>
-                </a:tc>
-              </a:tr>
-              <a:tr h="514261">
-                <a:tc>
-                  <a:txBody>
-                    <a:bodyPr/>
-                    <a:lstStyle/>
-                    <a:p>
-                      <a:pPr algn="just">
-                        <a:spcAft>
-                          <a:spcPts val="0"/>
-                        </a:spcAft>
-                      </a:pPr>
-                      <a:r>
-                        <a:rPr lang="it-IT" sz="1800" dirty="0">
-                          <a:effectLst/>
-                        </a:rPr>
-                        <a:t>Documenti di progettazione</a:t>
-                      </a:r>
-                      <a:endParaRPr lang="it-IT" sz="1800" dirty="0">
-                        <a:effectLst/>
-                        <a:latin typeface="Calibri" charset="0"/>
-                        <a:ea typeface="ＭＳ 明朝" charset="-128"/>
-                        <a:cs typeface="Times New Roman" charset="0"/>
-                      </a:endParaRPr>
-                    </a:p>
-                  </a:txBody>
-                  <a:tcPr marL="68580" marR="68580" marT="0" marB="0"/>
-                </a:tc>
-                <a:tc>
-                  <a:txBody>
-                    <a:bodyPr/>
-                    <a:lstStyle/>
-                    <a:p>
-                      <a:pPr algn="just">
-                        <a:spcAft>
-                          <a:spcPts val="0"/>
-                        </a:spcAft>
-                      </a:pPr>
-                      <a:r>
-                        <a:rPr lang="it-IT" sz="1800">
-                          <a:effectLst/>
-                        </a:rPr>
-                        <a:t>Alberto Benini, Federico Parezzan, Paolo Vucinic, Leonardo Piccoli</a:t>
-                      </a:r>
-                      <a:endParaRPr lang="it-IT" sz="1800">
-                        <a:effectLst/>
-                        <a:latin typeface="Calibri" charset="0"/>
-                        <a:ea typeface="ＭＳ 明朝" charset="-128"/>
-                        <a:cs typeface="Times New Roman" charset="0"/>
-                      </a:endParaRPr>
-                    </a:p>
-                  </a:txBody>
-                  <a:tcPr marL="68580" marR="68580" marT="0" marB="0"/>
-                </a:tc>
-              </a:tr>
-              <a:tr h="342841">
-                <a:tc>
-                  <a:txBody>
-                    <a:bodyPr/>
-                    <a:lstStyle/>
-                    <a:p>
-                      <a:pPr algn="just">
-                        <a:spcAft>
-                          <a:spcPts val="0"/>
-                        </a:spcAft>
-                      </a:pPr>
-                      <a:r>
-                        <a:rPr lang="it-IT" sz="1800" dirty="0">
-                          <a:effectLst/>
-                        </a:rPr>
-                        <a:t>Interfaccia utente applicazione </a:t>
-                      </a:r>
-                      <a:r>
-                        <a:rPr lang="it-IT" sz="1800" dirty="0" err="1">
-                          <a:effectLst/>
-                        </a:rPr>
-                        <a:t>Android</a:t>
-                      </a:r>
-                      <a:endParaRPr lang="it-IT" sz="1800" dirty="0">
-                        <a:effectLst/>
-                        <a:latin typeface="Calibri" charset="0"/>
-                        <a:ea typeface="ＭＳ 明朝" charset="-128"/>
-                        <a:cs typeface="Times New Roman" charset="0"/>
-                      </a:endParaRPr>
-                    </a:p>
-                  </a:txBody>
-                  <a:tcPr marL="68580" marR="68580" marT="0" marB="0"/>
-                </a:tc>
-                <a:tc>
-                  <a:txBody>
-                    <a:bodyPr/>
-                    <a:lstStyle/>
-                    <a:p>
-                      <a:pPr algn="just">
-                        <a:spcAft>
-                          <a:spcPts val="0"/>
-                        </a:spcAft>
-                        <a:tabLst>
-                          <a:tab pos="588010" algn="l"/>
-                        </a:tabLst>
-                      </a:pPr>
-                      <a:r>
-                        <a:rPr lang="it-IT" sz="1800">
-                          <a:effectLst/>
-                        </a:rPr>
-                        <a:t>Alberto Benini, Federico Parezzan</a:t>
-                      </a:r>
-                      <a:endParaRPr lang="it-IT" sz="1800">
-                        <a:effectLst/>
-                        <a:latin typeface="Calibri" charset="0"/>
-                        <a:ea typeface="ＭＳ 明朝" charset="-128"/>
-                        <a:cs typeface="Times New Roman" charset="0"/>
-                      </a:endParaRPr>
-                    </a:p>
-                  </a:txBody>
-                  <a:tcPr marL="68580" marR="68580" marT="0" marB="0"/>
-                </a:tc>
-              </a:tr>
-              <a:tr h="342841">
-                <a:tc>
-                  <a:txBody>
-                    <a:bodyPr/>
-                    <a:lstStyle/>
-                    <a:p>
-                      <a:pPr algn="just">
-                        <a:spcAft>
-                          <a:spcPts val="0"/>
-                        </a:spcAft>
-                        <a:tabLst>
-                          <a:tab pos="1458595" algn="ctr"/>
-                        </a:tabLst>
-                      </a:pPr>
-                      <a:r>
-                        <a:rPr lang="it-IT" sz="1800" dirty="0">
-                          <a:effectLst/>
-                        </a:rPr>
-                        <a:t>Logica applicativa applicazione </a:t>
-                      </a:r>
-                      <a:r>
-                        <a:rPr lang="it-IT" sz="1800" dirty="0" err="1">
-                          <a:effectLst/>
-                        </a:rPr>
-                        <a:t>Android</a:t>
-                      </a:r>
-                      <a:endParaRPr lang="it-IT" sz="1800" dirty="0">
-                        <a:effectLst/>
-                        <a:latin typeface="Calibri" charset="0"/>
-                        <a:ea typeface="ＭＳ 明朝" charset="-128"/>
-                        <a:cs typeface="Times New Roman" charset="0"/>
-                      </a:endParaRPr>
-                    </a:p>
-                  </a:txBody>
-                  <a:tcPr marL="68580" marR="68580" marT="0" marB="0"/>
-                </a:tc>
-                <a:tc>
-                  <a:txBody>
-                    <a:bodyPr/>
-                    <a:lstStyle/>
-                    <a:p>
-                      <a:pPr algn="just">
-                        <a:spcAft>
-                          <a:spcPts val="0"/>
-                        </a:spcAft>
-                      </a:pPr>
-                      <a:r>
-                        <a:rPr lang="it-IT" sz="1800">
-                          <a:effectLst/>
-                        </a:rPr>
-                        <a:t>Federico Parezzan</a:t>
-                      </a:r>
-                      <a:endParaRPr lang="it-IT" sz="1800">
-                        <a:effectLst/>
-                        <a:latin typeface="Calibri" charset="0"/>
-                        <a:ea typeface="ＭＳ 明朝" charset="-128"/>
-                        <a:cs typeface="Times New Roman" charset="0"/>
-                      </a:endParaRPr>
-                    </a:p>
-                  </a:txBody>
-                  <a:tcPr marL="68580" marR="68580" marT="0" marB="0"/>
-                </a:tc>
-              </a:tr>
-              <a:tr h="342841">
-                <a:tc>
-                  <a:txBody>
-                    <a:bodyPr/>
-                    <a:lstStyle/>
-                    <a:p>
-                      <a:pPr algn="just">
-                        <a:spcAft>
-                          <a:spcPts val="0"/>
-                        </a:spcAft>
-                      </a:pPr>
-                      <a:r>
-                        <a:rPr lang="it-IT" sz="1800" dirty="0">
-                          <a:effectLst/>
-                        </a:rPr>
-                        <a:t>Interfaccia utente applicazione web</a:t>
-                      </a:r>
-                      <a:endParaRPr lang="it-IT" sz="1800" dirty="0">
-                        <a:effectLst/>
-                        <a:latin typeface="Calibri" charset="0"/>
-                        <a:ea typeface="ＭＳ 明朝" charset="-128"/>
-                        <a:cs typeface="Times New Roman" charset="0"/>
-                      </a:endParaRPr>
-                    </a:p>
-                  </a:txBody>
-                  <a:tcPr marL="68580" marR="68580" marT="0" marB="0"/>
-                </a:tc>
-                <a:tc>
-                  <a:txBody>
-                    <a:bodyPr/>
-                    <a:lstStyle/>
-                    <a:p>
-                      <a:pPr algn="just">
-                        <a:spcAft>
-                          <a:spcPts val="0"/>
-                        </a:spcAft>
-                      </a:pPr>
-                      <a:r>
-                        <a:rPr lang="it-IT" sz="1800">
-                          <a:effectLst/>
-                        </a:rPr>
-                        <a:t>Leonardo Piccoli</a:t>
-                      </a:r>
-                      <a:endParaRPr lang="it-IT" sz="1800">
-                        <a:effectLst/>
-                        <a:latin typeface="Calibri" charset="0"/>
-                        <a:ea typeface="ＭＳ 明朝" charset="-128"/>
-                        <a:cs typeface="Times New Roman" charset="0"/>
-                      </a:endParaRPr>
-                    </a:p>
-                  </a:txBody>
-                  <a:tcPr marL="68580" marR="68580" marT="0" marB="0"/>
-                </a:tc>
-              </a:tr>
-              <a:tr h="342841">
-                <a:tc>
-                  <a:txBody>
-                    <a:bodyPr/>
-                    <a:lstStyle/>
-                    <a:p>
-                      <a:pPr algn="just">
-                        <a:spcAft>
-                          <a:spcPts val="0"/>
-                        </a:spcAft>
-                      </a:pPr>
-                      <a:r>
-                        <a:rPr lang="it-IT" sz="1800" dirty="0">
-                          <a:effectLst/>
-                        </a:rPr>
-                        <a:t>Logica applicativa applicazione web</a:t>
-                      </a:r>
-                      <a:endParaRPr lang="it-IT" sz="1800" dirty="0">
-                        <a:effectLst/>
-                        <a:latin typeface="Calibri" charset="0"/>
-                        <a:ea typeface="ＭＳ 明朝" charset="-128"/>
-                        <a:cs typeface="Times New Roman" charset="0"/>
-                      </a:endParaRPr>
-                    </a:p>
-                  </a:txBody>
-                  <a:tcPr marL="68580" marR="68580" marT="0" marB="0"/>
-                </a:tc>
-                <a:tc>
-                  <a:txBody>
-                    <a:bodyPr/>
-                    <a:lstStyle/>
-                    <a:p>
-                      <a:pPr algn="just">
-                        <a:spcAft>
-                          <a:spcPts val="0"/>
-                        </a:spcAft>
-                      </a:pPr>
-                      <a:r>
-                        <a:rPr lang="it-IT" sz="1800">
-                          <a:effectLst/>
-                        </a:rPr>
-                        <a:t>Leonardo Piccoli, Paolo Vucinic</a:t>
-                      </a:r>
-                      <a:endParaRPr lang="it-IT" sz="1800">
-                        <a:effectLst/>
-                        <a:latin typeface="Calibri" charset="0"/>
-                        <a:ea typeface="ＭＳ 明朝" charset="-128"/>
-                        <a:cs typeface="Times New Roman" charset="0"/>
-                      </a:endParaRPr>
-                    </a:p>
-                  </a:txBody>
-                  <a:tcPr marL="68580" marR="68580" marT="0" marB="0"/>
-                </a:tc>
-              </a:tr>
-              <a:tr h="171420">
-                <a:tc>
-                  <a:txBody>
-                    <a:bodyPr/>
-                    <a:lstStyle/>
-                    <a:p>
-                      <a:pPr algn="just">
-                        <a:spcAft>
-                          <a:spcPts val="0"/>
-                        </a:spcAft>
-                      </a:pPr>
-                      <a:r>
-                        <a:rPr lang="it-IT" sz="1800" dirty="0">
-                          <a:effectLst/>
-                        </a:rPr>
-                        <a:t>Realizzazione della basi di dati</a:t>
-                      </a:r>
-                      <a:endParaRPr lang="it-IT" sz="1800" dirty="0">
-                        <a:effectLst/>
-                        <a:latin typeface="Calibri" charset="0"/>
-                        <a:ea typeface="ＭＳ 明朝" charset="-128"/>
-                        <a:cs typeface="Times New Roman" charset="0"/>
-                      </a:endParaRPr>
-                    </a:p>
-                  </a:txBody>
-                  <a:tcPr marL="68580" marR="68580" marT="0" marB="0"/>
-                </a:tc>
-                <a:tc>
-                  <a:txBody>
-                    <a:bodyPr/>
-                    <a:lstStyle/>
-                    <a:p>
-                      <a:pPr algn="just">
-                        <a:spcAft>
-                          <a:spcPts val="0"/>
-                        </a:spcAft>
-                      </a:pPr>
-                      <a:r>
-                        <a:rPr lang="it-IT" sz="1800">
-                          <a:effectLst/>
-                        </a:rPr>
-                        <a:t>Paolo Vucinic</a:t>
-                      </a:r>
-                      <a:endParaRPr lang="it-IT" sz="1800">
-                        <a:effectLst/>
-                        <a:latin typeface="Calibri" charset="0"/>
-                        <a:ea typeface="ＭＳ 明朝" charset="-128"/>
-                        <a:cs typeface="Times New Roman" charset="0"/>
-                      </a:endParaRPr>
-                    </a:p>
-                  </a:txBody>
-                  <a:tcPr marL="68580" marR="68580" marT="0" marB="0"/>
-                </a:tc>
-              </a:tr>
-              <a:tr h="514261">
-                <a:tc>
-                  <a:txBody>
-                    <a:bodyPr/>
-                    <a:lstStyle/>
-                    <a:p>
-                      <a:pPr>
-                        <a:spcAft>
-                          <a:spcPts val="0"/>
-                        </a:spcAft>
-                      </a:pPr>
-                      <a:r>
-                        <a:rPr lang="it-IT" sz="1800" dirty="0">
-                          <a:effectLst/>
-                        </a:rPr>
-                        <a:t>Realizzazione manuale utente</a:t>
-                      </a:r>
-                      <a:endParaRPr lang="it-IT" sz="1800" dirty="0">
-                        <a:effectLst/>
-                        <a:latin typeface="Calibri" charset="0"/>
-                        <a:ea typeface="ＭＳ 明朝" charset="-128"/>
-                        <a:cs typeface="Times New Roman" charset="0"/>
-                      </a:endParaRPr>
-                    </a:p>
-                  </a:txBody>
-                  <a:tcPr marL="68580" marR="68580" marT="0" marB="0"/>
-                </a:tc>
-                <a:tc>
-                  <a:txBody>
-                    <a:bodyPr/>
-                    <a:lstStyle/>
-                    <a:p>
-                      <a:pPr>
-                        <a:spcAft>
-                          <a:spcPts val="0"/>
-                        </a:spcAft>
-                      </a:pPr>
-                      <a:r>
-                        <a:rPr lang="it-IT" sz="1800" dirty="0">
-                          <a:effectLst/>
-                        </a:rPr>
-                        <a:t>Federico Parezzan, Alberto Benini, Paolo </a:t>
-                      </a:r>
-                      <a:r>
-                        <a:rPr lang="it-IT" sz="1800" dirty="0" err="1">
-                          <a:effectLst/>
-                        </a:rPr>
-                        <a:t>Vucinic</a:t>
-                      </a:r>
-                      <a:r>
-                        <a:rPr lang="it-IT" sz="1800" dirty="0">
-                          <a:effectLst/>
-                        </a:rPr>
-                        <a:t>, Leonardo Piccoli</a:t>
-                      </a:r>
-                      <a:endParaRPr lang="it-IT" sz="1800" dirty="0">
-                        <a:effectLst/>
-                        <a:latin typeface="Calibri" charset="0"/>
-                        <a:ea typeface="ＭＳ 明朝" charset="-128"/>
-                        <a:cs typeface="Times New Roman" charset="0"/>
-                      </a:endParaRPr>
-                    </a:p>
-                  </a:txBody>
-                  <a:tcPr marL="68580" marR="68580" marT="0" marB="0"/>
-                </a:tc>
-              </a:tr>
-              <a:tr h="514261">
-                <a:tc>
-                  <a:txBody>
-                    <a:bodyPr/>
-                    <a:lstStyle/>
-                    <a:p>
-                      <a:pPr algn="just">
-                        <a:spcAft>
-                          <a:spcPts val="0"/>
-                        </a:spcAft>
-                      </a:pPr>
-                      <a:r>
-                        <a:rPr lang="it-IT" sz="1800">
-                          <a:effectLst/>
-                        </a:rPr>
-                        <a:t>Test</a:t>
-                      </a:r>
-                      <a:endParaRPr lang="it-IT" sz="1800">
-                        <a:effectLst/>
-                        <a:latin typeface="Calibri" charset="0"/>
-                        <a:ea typeface="ＭＳ 明朝" charset="-128"/>
-                        <a:cs typeface="Times New Roman" charset="0"/>
-                      </a:endParaRPr>
-                    </a:p>
-                  </a:txBody>
-                  <a:tcPr marL="68580" marR="68580" marT="0" marB="0"/>
-                </a:tc>
-                <a:tc>
-                  <a:txBody>
-                    <a:bodyPr/>
-                    <a:lstStyle/>
-                    <a:p>
-                      <a:pPr algn="just">
-                        <a:spcAft>
-                          <a:spcPts val="0"/>
-                        </a:spcAft>
-                      </a:pPr>
-                      <a:r>
-                        <a:rPr lang="it-IT" sz="1800" dirty="0">
-                          <a:effectLst/>
-                        </a:rPr>
-                        <a:t>Leonardo Piccoli, Alberto Benini, Paolo </a:t>
-                      </a:r>
-                      <a:r>
-                        <a:rPr lang="it-IT" sz="1800" dirty="0" err="1">
-                          <a:effectLst/>
-                        </a:rPr>
-                        <a:t>Vucinic</a:t>
-                      </a:r>
-                      <a:r>
-                        <a:rPr lang="it-IT" sz="1800" dirty="0">
-                          <a:effectLst/>
-                        </a:rPr>
-                        <a:t>, Federico Parezzan</a:t>
-                      </a:r>
-                      <a:endParaRPr lang="it-IT" sz="1800" dirty="0">
-                        <a:effectLst/>
-                        <a:latin typeface="Calibri" charset="0"/>
-                        <a:ea typeface="ＭＳ 明朝" charset="-128"/>
-                        <a:cs typeface="Times New Roman" charset="0"/>
-                      </a:endParaRPr>
-                    </a:p>
-                  </a:txBody>
-                  <a:tcPr marL="68580" marR="68580" marT="0" marB="0"/>
-                </a:tc>
-              </a:tr>
-            </a:tbl>
-          </a:graphicData>
-        </a:graphic>
-      </p:graphicFrame>
-    </p:spTree>
-    <p:extLst>
-      <p:ext uri="{BB962C8B-B14F-4D97-AF65-F5344CB8AC3E}">
-        <p14:creationId xmlns:p14="http://schemas.microsoft.com/office/powerpoint/2010/main" val="1447395528"/>
-      </p:ext>
-    </p:extLst>
-  </p:cSld>
-  <p:clrMapOvr>
-    <a:masterClrMapping/>
-  </p:clrMapOvr>
-  <p:timing>
-    <p:tnLst>
-      <p:par>
-        <p:cTn id="1" dur="indefinite" restart="never" nodeType="tmRoot"/>
-      </p:par>
-    </p:tnLst>
-  </p:timing>
-</p:sld>
-</file>
-
-<file path=ppt/slides/slide39.xml><?xml version="1.0" encoding="utf-8"?>
-<p:sld xmlns:a="http://schemas.openxmlformats.org/drawingml/2006/main" xmlns:r="http://schemas.openxmlformats.org/officeDocument/2006/relationships" xmlns:p="http://schemas.openxmlformats.org/presentationml/2006/main">
-  <p:cSld>
-    <p:spTree>
-      <p:nvGrpSpPr>
-        <p:cNvPr id="1" name=""/>
-        <p:cNvGrpSpPr/>
-        <p:nvPr/>
-      </p:nvGrpSpPr>
-      <p:grpSpPr>
-        <a:xfrm>
-          <a:off x="0" y="0"/>
-          <a:ext cx="0" cy="0"/>
-          <a:chOff x="0" y="0"/>
-          <a:chExt cx="0" cy="0"/>
-        </a:xfrm>
-      </p:grpSpPr>
-      <p:sp>
-        <p:nvSpPr>
           <p:cNvPr id="4" name="Titolo 3"/>
           <p:cNvSpPr>
             <a:spLocks noGrp="1"/>
@@ -15671,7 +15085,7 @@
           <a:p>
             <a:r>
               <a:rPr lang="it-IT" dirty="0" smtClean="0"/>
-              <a:t>Matrice delle responsabilità</a:t>
+              <a:t>RAM</a:t>
             </a:r>
             <a:endParaRPr lang="it-IT" dirty="0"/>
           </a:p>
@@ -16239,7 +15653,7 @@
 </p:sld>
 </file>
 
-<file path=ppt/slides/slide4.xml><?xml version="1.0" encoding="utf-8"?>
+<file path=ppt/slides/slide39.xml><?xml version="1.0" encoding="utf-8"?>
 <p:sld xmlns:a="http://schemas.openxmlformats.org/drawingml/2006/main" xmlns:r="http://schemas.openxmlformats.org/officeDocument/2006/relationships" xmlns:p="http://schemas.openxmlformats.org/presentationml/2006/main">
   <p:cSld>
     <p:spTree>
@@ -16273,152 +15687,6 @@
           <a:p>
             <a:r>
               <a:rPr lang="it-IT" dirty="0" smtClean="0"/>
-              <a:t>Sottosistema Titanic Assistance</a:t>
-            </a:r>
-            <a:endParaRPr lang="it-IT" dirty="0"/>
-          </a:p>
-        </p:txBody>
-      </p:sp>
-      <p:sp>
-        <p:nvSpPr>
-          <p:cNvPr id="3" name="Segnaposto contenuto 2"/>
-          <p:cNvSpPr>
-            <a:spLocks noGrp="1"/>
-          </p:cNvSpPr>
-          <p:nvPr>
-            <p:ph idx="1"/>
-          </p:nvPr>
-        </p:nvSpPr>
-        <p:spPr>
-          <a:xfrm>
-            <a:off x="1103312" y="2052919"/>
-            <a:ext cx="8946541" cy="1540287"/>
-          </a:xfrm>
-        </p:spPr>
-        <p:txBody>
-          <a:bodyPr/>
-          <a:lstStyle/>
-          <a:p>
-            <a:r>
-              <a:rPr lang="it-IT" dirty="0" smtClean="0"/>
-              <a:t>Applicazione </a:t>
-            </a:r>
-            <a:r>
-              <a:rPr lang="it-IT" dirty="0" err="1" smtClean="0"/>
-              <a:t>Android</a:t>
-            </a:r>
-            <a:endParaRPr lang="it-IT" dirty="0"/>
-          </a:p>
-          <a:p>
-            <a:r>
-              <a:rPr lang="it-IT" dirty="0" smtClean="0"/>
-              <a:t>Utilizzabile </a:t>
-            </a:r>
-            <a:r>
-              <a:rPr lang="it-IT" dirty="0" err="1" smtClean="0"/>
-              <a:t>offiline</a:t>
-            </a:r>
-            <a:r>
-              <a:rPr lang="it-IT" dirty="0" smtClean="0"/>
-              <a:t>*</a:t>
-            </a:r>
-          </a:p>
-          <a:p>
-            <a:r>
-              <a:rPr lang="it-IT" dirty="0" smtClean="0"/>
-              <a:t>Prima linea di diagnostica</a:t>
-            </a:r>
-          </a:p>
-        </p:txBody>
-      </p:sp>
-      <p:sp>
-        <p:nvSpPr>
-          <p:cNvPr id="4" name="CasellaDiTesto 3"/>
-          <p:cNvSpPr txBox="1"/>
-          <p:nvPr/>
-        </p:nvSpPr>
-        <p:spPr>
-          <a:xfrm>
-            <a:off x="1103312" y="3792877"/>
-            <a:ext cx="8382537" cy="369332"/>
-          </a:xfrm>
-          <a:prstGeom prst="rect">
-            <a:avLst/>
-          </a:prstGeom>
-          <a:noFill/>
-        </p:spPr>
-        <p:txBody>
-          <a:bodyPr wrap="square" rtlCol="0">
-            <a:spAutoFit/>
-          </a:bodyPr>
-          <a:lstStyle/>
-          <a:p>
-            <a:r>
-              <a:rPr lang="it-IT" dirty="0" smtClean="0"/>
-              <a:t>*</a:t>
-            </a:r>
-            <a:r>
-              <a:rPr lang="it-IT" sz="1400" dirty="0" smtClean="0"/>
-              <a:t>per l’utilizzo delle chiamate è necessaria la copertura GSM.</a:t>
-            </a:r>
-            <a:endParaRPr lang="it-IT" dirty="0"/>
-          </a:p>
-        </p:txBody>
-      </p:sp>
-    </p:spTree>
-    <p:extLst>
-      <p:ext uri="{BB962C8B-B14F-4D97-AF65-F5344CB8AC3E}">
-        <p14:creationId xmlns:p14="http://schemas.microsoft.com/office/powerpoint/2010/main" val="383361710"/>
-      </p:ext>
-    </p:extLst>
-  </p:cSld>
-  <p:clrMapOvr>
-    <a:masterClrMapping/>
-  </p:clrMapOvr>
-  <p:timing>
-    <p:tnLst>
-      <p:par>
-        <p:cTn id="1" dur="indefinite" restart="never" nodeType="tmRoot"/>
-      </p:par>
-    </p:tnLst>
-  </p:timing>
-</p:sld>
-</file>
-
-<file path=ppt/slides/slide40.xml><?xml version="1.0" encoding="utf-8"?>
-<p:sld xmlns:a="http://schemas.openxmlformats.org/drawingml/2006/main" xmlns:r="http://schemas.openxmlformats.org/officeDocument/2006/relationships" xmlns:p="http://schemas.openxmlformats.org/presentationml/2006/main">
-  <p:cSld>
-    <p:spTree>
-      <p:nvGrpSpPr>
-        <p:cNvPr id="1" name=""/>
-        <p:cNvGrpSpPr/>
-        <p:nvPr/>
-      </p:nvGrpSpPr>
-      <p:grpSpPr>
-        <a:xfrm>
-          <a:off x="0" y="0"/>
-          <a:ext cx="0" cy="0"/>
-          <a:chOff x="0" y="0"/>
-          <a:chExt cx="0" cy="0"/>
-        </a:xfrm>
-      </p:grpSpPr>
-      <p:sp>
-        <p:nvSpPr>
-          <p:cNvPr id="2" name="Titolo 1"/>
-          <p:cNvSpPr>
-            <a:spLocks noGrp="1"/>
-          </p:cNvSpPr>
-          <p:nvPr>
-            <p:ph type="title"/>
-          </p:nvPr>
-        </p:nvSpPr>
-        <p:spPr/>
-        <p:txBody>
-          <a:bodyPr/>
-          <a:lstStyle/>
-          <a:p>
-            <a:r>
-              <a:rPr lang="it-IT" dirty="0" smtClean="0"/>
               <a:t>Reticolo di progetto</a:t>
             </a:r>
             <a:endParaRPr lang="it-IT" dirty="0"/>
@@ -16448,7 +15716,7 @@
           <a:graphicData uri="http://schemas.openxmlformats.org/presentationml/2006/ole">
             <mc:AlternateContent xmlns:mc="http://schemas.openxmlformats.org/markup-compatibility/2006">
               <mc:Choice xmlns:v="urn:schemas-microsoft-com:vml" Requires="v">
-                <p:oleObj spid="_x0000_s1049" name="Worksheet" r:id="rId3" imgW="7926840" imgH="3254760" progId="Excel.Sheet.8">
+                <p:oleObj spid="_x0000_s1050" name="Worksheet" r:id="rId3" imgW="7926840" imgH="3254760" progId="Excel.Sheet.8">
                   <p:embed/>
                 </p:oleObj>
               </mc:Choice>
@@ -16569,7 +15837,153 @@
 </p:sld>
 </file>
 
-<file path=ppt/slides/slide41.xml><?xml version="1.0" encoding="utf-8"?>
+<file path=ppt/slides/slide4.xml><?xml version="1.0" encoding="utf-8"?>
+<p:sld xmlns:a="http://schemas.openxmlformats.org/drawingml/2006/main" xmlns:r="http://schemas.openxmlformats.org/officeDocument/2006/relationships" xmlns:p="http://schemas.openxmlformats.org/presentationml/2006/main">
+  <p:cSld>
+    <p:spTree>
+      <p:nvGrpSpPr>
+        <p:cNvPr id="1" name=""/>
+        <p:cNvGrpSpPr/>
+        <p:nvPr/>
+      </p:nvGrpSpPr>
+      <p:grpSpPr>
+        <a:xfrm>
+          <a:off x="0" y="0"/>
+          <a:ext cx="0" cy="0"/>
+          <a:chOff x="0" y="0"/>
+          <a:chExt cx="0" cy="0"/>
+        </a:xfrm>
+      </p:grpSpPr>
+      <p:sp>
+        <p:nvSpPr>
+          <p:cNvPr id="2" name="Titolo 1"/>
+          <p:cNvSpPr>
+            <a:spLocks noGrp="1"/>
+          </p:cNvSpPr>
+          <p:nvPr>
+            <p:ph type="title"/>
+          </p:nvPr>
+        </p:nvSpPr>
+        <p:spPr/>
+        <p:txBody>
+          <a:bodyPr/>
+          <a:lstStyle/>
+          <a:p>
+            <a:r>
+              <a:rPr lang="it-IT" dirty="0" smtClean="0"/>
+              <a:t>Sottosistema Titanic Assistance</a:t>
+            </a:r>
+            <a:endParaRPr lang="it-IT" dirty="0"/>
+          </a:p>
+        </p:txBody>
+      </p:sp>
+      <p:sp>
+        <p:nvSpPr>
+          <p:cNvPr id="3" name="Segnaposto contenuto 2"/>
+          <p:cNvSpPr>
+            <a:spLocks noGrp="1"/>
+          </p:cNvSpPr>
+          <p:nvPr>
+            <p:ph idx="1"/>
+          </p:nvPr>
+        </p:nvSpPr>
+        <p:spPr>
+          <a:xfrm>
+            <a:off x="1103312" y="2052919"/>
+            <a:ext cx="8946541" cy="1540287"/>
+          </a:xfrm>
+        </p:spPr>
+        <p:txBody>
+          <a:bodyPr/>
+          <a:lstStyle/>
+          <a:p>
+            <a:r>
+              <a:rPr lang="it-IT" dirty="0" smtClean="0"/>
+              <a:t>Applicazione </a:t>
+            </a:r>
+            <a:r>
+              <a:rPr lang="it-IT" dirty="0" err="1" smtClean="0"/>
+              <a:t>Android</a:t>
+            </a:r>
+            <a:endParaRPr lang="it-IT" dirty="0"/>
+          </a:p>
+          <a:p>
+            <a:r>
+              <a:rPr lang="it-IT" dirty="0" smtClean="0"/>
+              <a:t>Utilizzabile </a:t>
+            </a:r>
+            <a:r>
+              <a:rPr lang="it-IT" dirty="0" err="1" smtClean="0"/>
+              <a:t>offiline</a:t>
+            </a:r>
+            <a:r>
+              <a:rPr lang="it-IT" dirty="0" smtClean="0"/>
+              <a:t>*</a:t>
+            </a:r>
+          </a:p>
+          <a:p>
+            <a:r>
+              <a:rPr lang="it-IT" dirty="0" smtClean="0"/>
+              <a:t>Prima linea di diagnostica</a:t>
+            </a:r>
+          </a:p>
+        </p:txBody>
+      </p:sp>
+      <p:sp>
+        <p:nvSpPr>
+          <p:cNvPr id="4" name="CasellaDiTesto 3"/>
+          <p:cNvSpPr txBox="1"/>
+          <p:nvPr/>
+        </p:nvSpPr>
+        <p:spPr>
+          <a:xfrm>
+            <a:off x="1103312" y="3792877"/>
+            <a:ext cx="8382537" cy="369332"/>
+          </a:xfrm>
+          <a:prstGeom prst="rect">
+            <a:avLst/>
+          </a:prstGeom>
+          <a:noFill/>
+        </p:spPr>
+        <p:txBody>
+          <a:bodyPr wrap="square" rtlCol="0">
+            <a:spAutoFit/>
+          </a:bodyPr>
+          <a:lstStyle/>
+          <a:p>
+            <a:r>
+              <a:rPr lang="it-IT" dirty="0" smtClean="0"/>
+              <a:t>*</a:t>
+            </a:r>
+            <a:r>
+              <a:rPr lang="it-IT" sz="1400" dirty="0" smtClean="0"/>
+              <a:t>per l’utilizzo delle chiamate è necessaria la copertura GSM.</a:t>
+            </a:r>
+            <a:endParaRPr lang="it-IT" dirty="0"/>
+          </a:p>
+        </p:txBody>
+      </p:sp>
+    </p:spTree>
+    <p:extLst>
+      <p:ext uri="{BB962C8B-B14F-4D97-AF65-F5344CB8AC3E}">
+        <p14:creationId xmlns:p14="http://schemas.microsoft.com/office/powerpoint/2010/main" val="383361710"/>
+      </p:ext>
+    </p:extLst>
+  </p:cSld>
+  <p:clrMapOvr>
+    <a:masterClrMapping/>
+  </p:clrMapOvr>
+  <p:timing>
+    <p:tnLst>
+      <p:par>
+        <p:cTn id="1" dur="indefinite" restart="never" nodeType="tmRoot"/>
+      </p:par>
+    </p:tnLst>
+  </p:timing>
+</p:sld>
+</file>
+
+<file path=ppt/slides/slide40.xml><?xml version="1.0" encoding="utf-8"?>
 <p:sld xmlns:a="http://schemas.openxmlformats.org/drawingml/2006/main" xmlns:r="http://schemas.openxmlformats.org/officeDocument/2006/relationships" xmlns:p="http://schemas.openxmlformats.org/presentationml/2006/main">
   <p:cSld>
     <p:spTree>
@@ -16695,7 +16109,7 @@
 </p:sld>
 </file>
 
-<file path=ppt/slides/slide42.xml><?xml version="1.0" encoding="utf-8"?>
+<file path=ppt/slides/slide41.xml><?xml version="1.0" encoding="utf-8"?>
 <p:sld xmlns:a="http://schemas.openxmlformats.org/drawingml/2006/main" xmlns:r="http://schemas.openxmlformats.org/officeDocument/2006/relationships" xmlns:p="http://schemas.openxmlformats.org/presentationml/2006/main">
   <p:cSld>
     <p:spTree>
@@ -16832,7 +16246,7 @@
           <a:graphicData uri="http://schemas.openxmlformats.org/presentationml/2006/ole">
             <mc:AlternateContent xmlns:mc="http://schemas.openxmlformats.org/markup-compatibility/2006">
               <mc:Choice xmlns:v="urn:schemas-microsoft-com:vml" Requires="v">
-                <p:oleObj spid="_x0000_s2077" name="Worksheet" r:id="rId3" imgW="4927680" imgH="2440800" progId="Excel.Sheet.12">
+                <p:oleObj spid="_x0000_s2078" name="Worksheet" r:id="rId3" imgW="4927680" imgH="2440800" progId="Excel.Sheet.12">
                   <p:embed/>
                 </p:oleObj>
               </mc:Choice>
@@ -16920,6 +16334,83 @@
 </p:sld>
 </file>
 
+<file path=ppt/slides/slide42.xml><?xml version="1.0" encoding="utf-8"?>
+<p:sld xmlns:a="http://schemas.openxmlformats.org/drawingml/2006/main" xmlns:r="http://schemas.openxmlformats.org/officeDocument/2006/relationships" xmlns:p="http://schemas.openxmlformats.org/presentationml/2006/main">
+  <p:cSld>
+    <p:spTree>
+      <p:nvGrpSpPr>
+        <p:cNvPr id="1" name=""/>
+        <p:cNvGrpSpPr/>
+        <p:nvPr/>
+      </p:nvGrpSpPr>
+      <p:grpSpPr>
+        <a:xfrm>
+          <a:off x="0" y="0"/>
+          <a:ext cx="0" cy="0"/>
+          <a:chOff x="0" y="0"/>
+          <a:chExt cx="0" cy="0"/>
+        </a:xfrm>
+      </p:grpSpPr>
+      <p:sp>
+        <p:nvSpPr>
+          <p:cNvPr id="2" name="Titolo 1"/>
+          <p:cNvSpPr>
+            <a:spLocks noGrp="1"/>
+          </p:cNvSpPr>
+          <p:nvPr>
+            <p:ph type="title"/>
+          </p:nvPr>
+        </p:nvSpPr>
+        <p:spPr/>
+        <p:txBody>
+          <a:bodyPr/>
+          <a:lstStyle/>
+          <a:p>
+            <a:r>
+              <a:rPr lang="it-IT" dirty="0" smtClean="0"/>
+              <a:t>Diagramma di </a:t>
+            </a:r>
+            <a:r>
+              <a:rPr lang="it-IT" dirty="0" err="1" smtClean="0"/>
+              <a:t>Gantt</a:t>
+            </a:r>
+            <a:endParaRPr lang="it-IT" dirty="0"/>
+          </a:p>
+        </p:txBody>
+      </p:sp>
+      <p:graphicFrame>
+        <p:nvGraphicFramePr>
+          <p:cNvPr id="4" name="Segnaposto contenuto 3"/>
+          <p:cNvGraphicFramePr>
+            <a:graphicFrameLocks noGrp="1"/>
+          </p:cNvGraphicFramePr>
+          <p:nvPr>
+            <p:ph idx="1"/>
+          </p:nvPr>
+        </p:nvGraphicFramePr>
+        <p:xfrm>
+          <a:off x="2589213" y="2133600"/>
+          <a:ext cx="8915400" cy="3778250"/>
+        </p:xfrm>
+        <a:graphic>
+          <a:graphicData uri="http://schemas.openxmlformats.org/drawingml/2006/chart">
+            <c:chart xmlns:c="http://schemas.openxmlformats.org/drawingml/2006/chart" xmlns:r="http://schemas.openxmlformats.org/officeDocument/2006/relationships" r:id="rId2"/>
+          </a:graphicData>
+        </a:graphic>
+      </p:graphicFrame>
+    </p:spTree>
+    <p:extLst>
+      <p:ext uri="{BB962C8B-B14F-4D97-AF65-F5344CB8AC3E}">
+        <p14:creationId xmlns:p14="http://schemas.microsoft.com/office/powerpoint/2010/main" val="448008410"/>
+      </p:ext>
+    </p:extLst>
+  </p:cSld>
+  <p:clrMapOvr>
+    <a:masterClrMapping/>
+  </p:clrMapOvr>
+</p:sld>
+</file>
+
 <file path=ppt/slides/slide43.xml><?xml version="1.0" encoding="utf-8"?>
 <p:sld xmlns:a="http://schemas.openxmlformats.org/drawingml/2006/main" xmlns:r="http://schemas.openxmlformats.org/officeDocument/2006/relationships" xmlns:p="http://schemas.openxmlformats.org/presentationml/2006/main">
   <p:cSld>
@@ -16953,41 +16444,82 @@
           <a:lstStyle/>
           <a:p>
             <a:r>
+              <a:rPr lang="it-IT" dirty="0" err="1" smtClean="0"/>
+              <a:t>Deliverables</a:t>
+            </a:r>
+            <a:endParaRPr lang="it-IT" dirty="0"/>
+          </a:p>
+        </p:txBody>
+      </p:sp>
+      <p:sp>
+        <p:nvSpPr>
+          <p:cNvPr id="3" name="Segnaposto contenuto 2"/>
+          <p:cNvSpPr>
+            <a:spLocks noGrp="1"/>
+          </p:cNvSpPr>
+          <p:nvPr>
+            <p:ph idx="1"/>
+          </p:nvPr>
+        </p:nvSpPr>
+        <p:spPr/>
+        <p:txBody>
+          <a:bodyPr/>
+          <a:lstStyle/>
+          <a:p>
+            <a:pPr lvl="0"/>
+            <a:r>
+              <a:rPr lang="it-IT" dirty="0"/>
+              <a:t>Web Application nominata </a:t>
+            </a:r>
+            <a:r>
+              <a:rPr lang="it-IT" dirty="0" err="1"/>
+              <a:t>NeptuneRescue</a:t>
+            </a:r>
+            <a:r>
+              <a:rPr lang="it-IT" dirty="0"/>
+              <a:t>, basata su </a:t>
+            </a:r>
+            <a:r>
+              <a:rPr lang="it-IT" dirty="0" err="1"/>
+              <a:t>Tomcat</a:t>
+            </a:r>
+            <a:r>
+              <a:rPr lang="it-IT" dirty="0"/>
+              <a:t> e rilasciata su server di collaudo.</a:t>
+            </a:r>
+          </a:p>
+          <a:p>
+            <a:pPr lvl="0"/>
+            <a:r>
+              <a:rPr lang="it-IT" dirty="0"/>
+              <a:t>Smartphone Application nominata Titanic Assistance.</a:t>
+            </a:r>
+          </a:p>
+          <a:p>
+            <a:pPr lvl="0"/>
+            <a:r>
+              <a:rPr lang="it-IT" dirty="0"/>
+              <a:t>Database nominato Iceberg, su server di collaudo</a:t>
+            </a:r>
+            <a:r>
               <a:rPr lang="it-IT" dirty="0" smtClean="0"/>
-              <a:t>Diagramma di </a:t>
-            </a:r>
-            <a:r>
-              <a:rPr lang="it-IT" dirty="0" err="1" smtClean="0"/>
-              <a:t>Gantt</a:t>
+              <a:t>.</a:t>
             </a:r>
             <a:endParaRPr lang="it-IT" dirty="0"/>
           </a:p>
+          <a:p>
+            <a:pPr lvl="0"/>
+            <a:r>
+              <a:rPr lang="it-IT" dirty="0" smtClean="0"/>
+              <a:t>Manuali utente.</a:t>
+            </a:r>
+          </a:p>
         </p:txBody>
       </p:sp>
-      <p:graphicFrame>
-        <p:nvGraphicFramePr>
-          <p:cNvPr id="4" name="Segnaposto contenuto 3"/>
-          <p:cNvGraphicFramePr>
-            <a:graphicFrameLocks noGrp="1"/>
-          </p:cNvGraphicFramePr>
-          <p:nvPr>
-            <p:ph idx="1"/>
-          </p:nvPr>
-        </p:nvGraphicFramePr>
-        <p:xfrm>
-          <a:off x="2589213" y="2133600"/>
-          <a:ext cx="8915400" cy="3778250"/>
-        </p:xfrm>
-        <a:graphic>
-          <a:graphicData uri="http://schemas.openxmlformats.org/drawingml/2006/chart">
-            <c:chart xmlns:c="http://schemas.openxmlformats.org/drawingml/2006/chart" xmlns:r="http://schemas.openxmlformats.org/officeDocument/2006/relationships" r:id="rId2"/>
-          </a:graphicData>
-        </a:graphic>
-      </p:graphicFrame>
     </p:spTree>
     <p:extLst>
       <p:ext uri="{BB962C8B-B14F-4D97-AF65-F5344CB8AC3E}">
-        <p14:creationId xmlns:p14="http://schemas.microsoft.com/office/powerpoint/2010/main" val="448008410"/>
+        <p14:creationId xmlns:p14="http://schemas.microsoft.com/office/powerpoint/2010/main" val="3371193741"/>
       </p:ext>
     </p:extLst>
   </p:cSld>
@@ -17030,8 +16562,8 @@
           <a:lstStyle/>
           <a:p>
             <a:r>
-              <a:rPr lang="it-IT" dirty="0" err="1" smtClean="0"/>
-              <a:t>Deliverables</a:t>
+              <a:rPr lang="it-IT" dirty="0" smtClean="0"/>
+              <a:t>Infrastruttura di progetto</a:t>
             </a:r>
             <a:endParaRPr lang="it-IT" dirty="0"/>
           </a:p>
@@ -17039,12 +16571,12 @@
       </p:sp>
       <p:sp>
         <p:nvSpPr>
-          <p:cNvPr id="3" name="Segnaposto contenuto 2"/>
+          <p:cNvPr id="3" name="Segnaposto testo 2"/>
           <p:cNvSpPr>
             <a:spLocks noGrp="1"/>
           </p:cNvSpPr>
           <p:nvPr>
-            <p:ph idx="1"/>
+            <p:ph type="body" idx="1"/>
           </p:nvPr>
         </p:nvSpPr>
         <p:spPr/>
@@ -17052,60 +16584,14 @@
           <a:bodyPr/>
           <a:lstStyle/>
           <a:p>
-            <a:pPr lvl="0"/>
-            <a:r>
-              <a:rPr lang="it-IT" dirty="0"/>
-              <a:t>Web Application nominata </a:t>
-            </a:r>
-            <a:r>
-              <a:rPr lang="it-IT" dirty="0" err="1"/>
-              <a:t>NeptuneRescue</a:t>
-            </a:r>
-            <a:r>
-              <a:rPr lang="it-IT" dirty="0"/>
-              <a:t>, basata su </a:t>
-            </a:r>
-            <a:r>
-              <a:rPr lang="it-IT" dirty="0" err="1"/>
-              <a:t>Tomcat</a:t>
-            </a:r>
-            <a:r>
-              <a:rPr lang="it-IT" dirty="0"/>
-              <a:t> e rilasciata su server di collaudo.</a:t>
-            </a:r>
-          </a:p>
-          <a:p>
-            <a:pPr lvl="0"/>
-            <a:r>
-              <a:rPr lang="it-IT" dirty="0"/>
-              <a:t>Smartphone Application nominata Titanic Assistance.</a:t>
-            </a:r>
-          </a:p>
-          <a:p>
-            <a:pPr lvl="0"/>
-            <a:r>
-              <a:rPr lang="it-IT" dirty="0"/>
-              <a:t>Database nominato Iceberg, su server di collaudo</a:t>
-            </a:r>
-            <a:r>
-              <a:rPr lang="it-IT" dirty="0" smtClean="0"/>
-              <a:t>.</a:t>
-            </a:r>
-            <a:endParaRPr lang="it-IT" dirty="0"/>
-          </a:p>
-          <a:p>
-            <a:pPr lvl="0"/>
-            <a:r>
-              <a:rPr lang="it-IT" dirty="0" smtClean="0"/>
-              <a:t>Manuali utente.</a:t>
-            </a:r>
+            <a:endParaRPr lang="it-IT"/>
           </a:p>
         </p:txBody>
       </p:sp>
     </p:spTree>
     <p:extLst>
       <p:ext uri="{BB962C8B-B14F-4D97-AF65-F5344CB8AC3E}">
-        <p14:creationId xmlns:p14="http://schemas.microsoft.com/office/powerpoint/2010/main" val="3371193741"/>
+        <p14:creationId xmlns:p14="http://schemas.microsoft.com/office/powerpoint/2010/main" val="2552105834"/>
       </p:ext>
     </p:extLst>
   </p:cSld>
@@ -17134,7 +16620,7 @@
       </p:grpSpPr>
       <p:sp>
         <p:nvSpPr>
-          <p:cNvPr id="2" name="Titolo 1"/>
+          <p:cNvPr id="4" name="Titolo 3"/>
           <p:cNvSpPr>
             <a:spLocks noGrp="1"/>
           </p:cNvSpPr>
@@ -17149,7 +16635,7 @@
           <a:p>
             <a:r>
               <a:rPr lang="it-IT" dirty="0" smtClean="0"/>
-              <a:t>Infrastruttura di progetto</a:t>
+              <a:t>Ambienti</a:t>
             </a:r>
             <a:endParaRPr lang="it-IT" dirty="0"/>
           </a:p>
@@ -17157,27 +16643,252 @@
       </p:sp>
       <p:sp>
         <p:nvSpPr>
-          <p:cNvPr id="3" name="Segnaposto testo 2"/>
+          <p:cNvPr id="5" name="Segnaposto contenuto 4"/>
           <p:cNvSpPr>
             <a:spLocks noGrp="1"/>
           </p:cNvSpPr>
           <p:nvPr>
-            <p:ph type="body" idx="1"/>
-          </p:nvPr>
-        </p:nvSpPr>
-        <p:spPr/>
+            <p:ph idx="1"/>
+          </p:nvPr>
+        </p:nvSpPr>
+        <p:spPr>
+          <a:xfrm>
+            <a:off x="2592925" y="1570616"/>
+            <a:ext cx="8670331" cy="5287384"/>
+          </a:xfrm>
+        </p:spPr>
         <p:txBody>
-          <a:bodyPr/>
+          <a:bodyPr>
+            <a:normAutofit fontScale="92500" lnSpcReduction="10000"/>
+          </a:bodyPr>
           <a:lstStyle/>
           <a:p>
-            <a:endParaRPr lang="it-IT"/>
+            <a:r>
+              <a:rPr lang="it-IT" dirty="0" err="1" smtClean="0"/>
+              <a:t>Workspace</a:t>
+            </a:r>
+            <a:endParaRPr lang="it-IT" dirty="0" smtClean="0"/>
+          </a:p>
+          <a:p>
+            <a:pPr lvl="1"/>
+            <a:r>
+              <a:rPr lang="it-IT" dirty="0" smtClean="0"/>
+              <a:t>Locale, uno per ogni sviluppatore</a:t>
+            </a:r>
+          </a:p>
+          <a:p>
+            <a:pPr lvl="1"/>
+            <a:r>
+              <a:rPr lang="it-IT" dirty="0" smtClean="0"/>
+              <a:t>Gestito tramite infrastruttura di cartelle</a:t>
+            </a:r>
+            <a:endParaRPr lang="it-IT" dirty="0"/>
+          </a:p>
+          <a:p>
+            <a:r>
+              <a:rPr lang="it-IT" dirty="0" err="1" smtClean="0"/>
+              <a:t>Repository</a:t>
+            </a:r>
+            <a:endParaRPr lang="it-IT" dirty="0" smtClean="0"/>
+          </a:p>
+          <a:p>
+            <a:pPr lvl="1"/>
+            <a:r>
+              <a:rPr lang="it-IT" dirty="0" err="1" smtClean="0"/>
+              <a:t>GitHub</a:t>
+            </a:r>
+            <a:r>
+              <a:rPr lang="it-IT" dirty="0" smtClean="0"/>
+              <a:t>, </a:t>
+            </a:r>
+            <a:r>
+              <a:rPr lang="it-IT" dirty="0" err="1" smtClean="0"/>
+              <a:t>repository</a:t>
+            </a:r>
+            <a:r>
+              <a:rPr lang="it-IT" dirty="0" smtClean="0"/>
+              <a:t> generale del progetto</a:t>
+            </a:r>
+          </a:p>
+          <a:p>
+            <a:pPr lvl="1"/>
+            <a:r>
+              <a:rPr lang="it-IT" dirty="0" smtClean="0"/>
+              <a:t>Garantisce controllo di versione, merge e recupero delle versioni precedenti</a:t>
+            </a:r>
+          </a:p>
+          <a:p>
+            <a:r>
+              <a:rPr lang="it-IT" dirty="0" smtClean="0"/>
+              <a:t>Ambiente di test</a:t>
+            </a:r>
+          </a:p>
+          <a:p>
+            <a:pPr lvl="1"/>
+            <a:r>
+              <a:rPr lang="it-IT" dirty="0" err="1"/>
+              <a:t>Nexus</a:t>
+            </a:r>
+            <a:r>
+              <a:rPr lang="it-IT" dirty="0"/>
+              <a:t> 5 per il </a:t>
+            </a:r>
+            <a:r>
+              <a:rPr lang="it-IT" dirty="0" err="1"/>
+              <a:t>sottoprogetto</a:t>
+            </a:r>
+            <a:r>
+              <a:rPr lang="it-IT" dirty="0"/>
+              <a:t> ‘Titanic Assistance’</a:t>
+            </a:r>
+          </a:p>
+          <a:p>
+            <a:pPr lvl="1"/>
+            <a:r>
+              <a:rPr lang="it-IT" dirty="0" smtClean="0"/>
+              <a:t>Server Locale per il </a:t>
+            </a:r>
+            <a:r>
+              <a:rPr lang="it-IT" dirty="0" err="1" smtClean="0"/>
+              <a:t>sottoprogetto</a:t>
+            </a:r>
+            <a:r>
+              <a:rPr lang="it-IT" dirty="0" smtClean="0"/>
+              <a:t> ‘</a:t>
+            </a:r>
+            <a:r>
+              <a:rPr lang="it-IT" dirty="0" err="1" smtClean="0"/>
+              <a:t>Neptune</a:t>
+            </a:r>
+            <a:r>
+              <a:rPr lang="it-IT" dirty="0" smtClean="0"/>
+              <a:t> Rescue’</a:t>
+            </a:r>
+          </a:p>
+          <a:p>
+            <a:r>
+              <a:rPr lang="it-IT" dirty="0" smtClean="0"/>
+              <a:t>Ambiente di collaudo</a:t>
+            </a:r>
+          </a:p>
+          <a:p>
+            <a:pPr lvl="1"/>
+            <a:r>
+              <a:rPr lang="it-IT" dirty="0" err="1" smtClean="0"/>
+              <a:t>Nexus</a:t>
+            </a:r>
+            <a:r>
+              <a:rPr lang="it-IT" dirty="0" smtClean="0"/>
+              <a:t> 5 per il </a:t>
+            </a:r>
+            <a:r>
+              <a:rPr lang="it-IT" dirty="0" err="1" smtClean="0"/>
+              <a:t>sottoprogetto</a:t>
+            </a:r>
+            <a:r>
+              <a:rPr lang="it-IT" dirty="0" smtClean="0"/>
+              <a:t> ‘Titanic Assistance’</a:t>
+            </a:r>
+          </a:p>
+          <a:p>
+            <a:pPr lvl="1"/>
+            <a:r>
+              <a:rPr lang="it-IT" dirty="0" err="1" smtClean="0"/>
+              <a:t>Raspberry</a:t>
+            </a:r>
+            <a:r>
+              <a:rPr lang="it-IT" dirty="0" smtClean="0"/>
+              <a:t> </a:t>
+            </a:r>
+            <a:r>
+              <a:rPr lang="it-IT" dirty="0" err="1" smtClean="0"/>
+              <a:t>pi</a:t>
+            </a:r>
+            <a:r>
+              <a:rPr lang="it-IT" dirty="0" smtClean="0"/>
+              <a:t>, Server UNIVR per il </a:t>
+            </a:r>
+            <a:r>
+              <a:rPr lang="it-IT" dirty="0" err="1" smtClean="0"/>
+              <a:t>sottoprogetto</a:t>
+            </a:r>
+            <a:r>
+              <a:rPr lang="it-IT" dirty="0" smtClean="0"/>
+              <a:t> ‘</a:t>
+            </a:r>
+            <a:r>
+              <a:rPr lang="it-IT" dirty="0" err="1" smtClean="0"/>
+              <a:t>Neptune</a:t>
+            </a:r>
+            <a:r>
+              <a:rPr lang="it-IT" dirty="0" smtClean="0"/>
+              <a:t> Rescue’</a:t>
+            </a:r>
+          </a:p>
+          <a:p>
+            <a:r>
+              <a:rPr lang="it-IT" dirty="0" smtClean="0"/>
+              <a:t>Ambiente di rilascio</a:t>
+            </a:r>
+          </a:p>
+          <a:p>
+            <a:pPr lvl="1"/>
+            <a:r>
+              <a:rPr lang="it-IT" dirty="0" smtClean="0"/>
+              <a:t>Server aziendale o di terze parti per il </a:t>
+            </a:r>
+            <a:r>
+              <a:rPr lang="it-IT" dirty="0" err="1" smtClean="0"/>
+              <a:t>sottoprogetto</a:t>
+            </a:r>
+            <a:r>
+              <a:rPr lang="it-IT" dirty="0" smtClean="0"/>
+              <a:t> ‘</a:t>
+            </a:r>
+            <a:r>
+              <a:rPr lang="it-IT" dirty="0" err="1" smtClean="0"/>
+              <a:t>Neptune</a:t>
+            </a:r>
+            <a:r>
+              <a:rPr lang="it-IT" dirty="0" smtClean="0"/>
+              <a:t> Rescue’</a:t>
+            </a:r>
+          </a:p>
+          <a:p>
+            <a:pPr lvl="1"/>
+            <a:r>
+              <a:rPr lang="it-IT" dirty="0" smtClean="0"/>
+              <a:t>Smartphone dell’utente finale per il </a:t>
+            </a:r>
+            <a:r>
+              <a:rPr lang="it-IT" dirty="0" err="1" smtClean="0"/>
+              <a:t>sottoprogetto</a:t>
+            </a:r>
+            <a:r>
+              <a:rPr lang="it-IT" dirty="0" smtClean="0"/>
+              <a:t> ‘Titanic Assistance’</a:t>
+            </a:r>
+          </a:p>
+          <a:p>
+            <a:pPr lvl="1"/>
+            <a:endParaRPr lang="it-IT" dirty="0" smtClean="0"/>
+          </a:p>
+          <a:p>
+            <a:pPr lvl="1"/>
+            <a:endParaRPr lang="it-IT" dirty="0" smtClean="0"/>
+          </a:p>
+          <a:p>
+            <a:pPr marL="457200" lvl="1" indent="0">
+              <a:buNone/>
+            </a:pPr>
+            <a:endParaRPr lang="it-IT" dirty="0" smtClean="0"/>
           </a:p>
         </p:txBody>
       </p:sp>
     </p:spTree>
     <p:extLst>
       <p:ext uri="{BB962C8B-B14F-4D97-AF65-F5344CB8AC3E}">
-        <p14:creationId xmlns:p14="http://schemas.microsoft.com/office/powerpoint/2010/main" val="2552105834"/>
+        <p14:creationId xmlns:p14="http://schemas.microsoft.com/office/powerpoint/2010/main" val="1062882377"/>
       </p:ext>
     </p:extLst>
   </p:cSld>
@@ -17206,303 +16917,6 @@
       </p:grpSpPr>
       <p:sp>
         <p:nvSpPr>
-          <p:cNvPr id="4" name="Titolo 3"/>
-          <p:cNvSpPr>
-            <a:spLocks noGrp="1"/>
-          </p:cNvSpPr>
-          <p:nvPr>
-            <p:ph type="title"/>
-          </p:nvPr>
-        </p:nvSpPr>
-        <p:spPr/>
-        <p:txBody>
-          <a:bodyPr/>
-          <a:lstStyle/>
-          <a:p>
-            <a:r>
-              <a:rPr lang="it-IT" dirty="0" smtClean="0"/>
-              <a:t>Ambienti</a:t>
-            </a:r>
-            <a:endParaRPr lang="it-IT" dirty="0"/>
-          </a:p>
-        </p:txBody>
-      </p:sp>
-      <p:sp>
-        <p:nvSpPr>
-          <p:cNvPr id="5" name="Segnaposto contenuto 4"/>
-          <p:cNvSpPr>
-            <a:spLocks noGrp="1"/>
-          </p:cNvSpPr>
-          <p:nvPr>
-            <p:ph idx="1"/>
-          </p:nvPr>
-        </p:nvSpPr>
-        <p:spPr>
-          <a:xfrm>
-            <a:off x="2592925" y="1570616"/>
-            <a:ext cx="8670331" cy="5287384"/>
-          </a:xfrm>
-        </p:spPr>
-        <p:txBody>
-          <a:bodyPr>
-            <a:normAutofit fontScale="92500" lnSpcReduction="10000"/>
-          </a:bodyPr>
-          <a:lstStyle/>
-          <a:p>
-            <a:r>
-              <a:rPr lang="it-IT" dirty="0" err="1" smtClean="0"/>
-              <a:t>Workspace</a:t>
-            </a:r>
-            <a:endParaRPr lang="it-IT" dirty="0" smtClean="0"/>
-          </a:p>
-          <a:p>
-            <a:pPr lvl="1"/>
-            <a:r>
-              <a:rPr lang="it-IT" dirty="0" smtClean="0"/>
-              <a:t>Locale, uno per ogni sviluppatore</a:t>
-            </a:r>
-          </a:p>
-          <a:p>
-            <a:pPr lvl="1"/>
-            <a:r>
-              <a:rPr lang="it-IT" dirty="0" smtClean="0"/>
-              <a:t>Gestito tramite infrastruttura di cartelle</a:t>
-            </a:r>
-            <a:endParaRPr lang="it-IT" dirty="0"/>
-          </a:p>
-          <a:p>
-            <a:r>
-              <a:rPr lang="it-IT" dirty="0" err="1" smtClean="0"/>
-              <a:t>Repository</a:t>
-            </a:r>
-            <a:endParaRPr lang="it-IT" dirty="0" smtClean="0"/>
-          </a:p>
-          <a:p>
-            <a:pPr lvl="1"/>
-            <a:r>
-              <a:rPr lang="it-IT" dirty="0" err="1" smtClean="0"/>
-              <a:t>GitHub</a:t>
-            </a:r>
-            <a:r>
-              <a:rPr lang="it-IT" dirty="0" smtClean="0"/>
-              <a:t>, </a:t>
-            </a:r>
-            <a:r>
-              <a:rPr lang="it-IT" dirty="0" err="1" smtClean="0"/>
-              <a:t>repository</a:t>
-            </a:r>
-            <a:r>
-              <a:rPr lang="it-IT" dirty="0" smtClean="0"/>
-              <a:t> generale del progetto</a:t>
-            </a:r>
-          </a:p>
-          <a:p>
-            <a:pPr lvl="1"/>
-            <a:r>
-              <a:rPr lang="it-IT" dirty="0" smtClean="0"/>
-              <a:t>Garantisce controllo di versione, merge e recupero delle versioni precedenti</a:t>
-            </a:r>
-          </a:p>
-          <a:p>
-            <a:r>
-              <a:rPr lang="it-IT" dirty="0" smtClean="0"/>
-              <a:t>Ambiente di test</a:t>
-            </a:r>
-          </a:p>
-          <a:p>
-            <a:pPr lvl="1"/>
-            <a:r>
-              <a:rPr lang="it-IT" dirty="0" err="1"/>
-              <a:t>Nexus</a:t>
-            </a:r>
-            <a:r>
-              <a:rPr lang="it-IT" dirty="0"/>
-              <a:t> 5 per il </a:t>
-            </a:r>
-            <a:r>
-              <a:rPr lang="it-IT" dirty="0" err="1"/>
-              <a:t>sottoprogetto</a:t>
-            </a:r>
-            <a:r>
-              <a:rPr lang="it-IT" dirty="0"/>
-              <a:t> ‘Titanic Assistance’</a:t>
-            </a:r>
-          </a:p>
-          <a:p>
-            <a:pPr lvl="1"/>
-            <a:r>
-              <a:rPr lang="it-IT" dirty="0" smtClean="0"/>
-              <a:t>Server Locale per il </a:t>
-            </a:r>
-            <a:r>
-              <a:rPr lang="it-IT" dirty="0" err="1" smtClean="0"/>
-              <a:t>sottoprogetto</a:t>
-            </a:r>
-            <a:r>
-              <a:rPr lang="it-IT" dirty="0" smtClean="0"/>
-              <a:t> ‘</a:t>
-            </a:r>
-            <a:r>
-              <a:rPr lang="it-IT" dirty="0" err="1" smtClean="0"/>
-              <a:t>Neptune</a:t>
-            </a:r>
-            <a:r>
-              <a:rPr lang="it-IT" dirty="0" smtClean="0"/>
-              <a:t> Rescue’</a:t>
-            </a:r>
-          </a:p>
-          <a:p>
-            <a:r>
-              <a:rPr lang="it-IT" dirty="0" smtClean="0"/>
-              <a:t>Ambiente di collaudo</a:t>
-            </a:r>
-          </a:p>
-          <a:p>
-            <a:pPr lvl="1"/>
-            <a:r>
-              <a:rPr lang="it-IT" dirty="0" err="1" smtClean="0"/>
-              <a:t>Nexus</a:t>
-            </a:r>
-            <a:r>
-              <a:rPr lang="it-IT" dirty="0" smtClean="0"/>
-              <a:t> 5 per il </a:t>
-            </a:r>
-            <a:r>
-              <a:rPr lang="it-IT" dirty="0" err="1" smtClean="0"/>
-              <a:t>sottoprogetto</a:t>
-            </a:r>
-            <a:r>
-              <a:rPr lang="it-IT" dirty="0" smtClean="0"/>
-              <a:t> ‘Titanic Assistance’</a:t>
-            </a:r>
-          </a:p>
-          <a:p>
-            <a:pPr lvl="1"/>
-            <a:r>
-              <a:rPr lang="it-IT" dirty="0" err="1" smtClean="0"/>
-              <a:t>Raspberry</a:t>
-            </a:r>
-            <a:r>
-              <a:rPr lang="it-IT" dirty="0" smtClean="0"/>
-              <a:t> </a:t>
-            </a:r>
-            <a:r>
-              <a:rPr lang="it-IT" dirty="0" err="1" smtClean="0"/>
-              <a:t>pi</a:t>
-            </a:r>
-            <a:r>
-              <a:rPr lang="it-IT" dirty="0" smtClean="0"/>
-              <a:t>, Server UNIVR per il </a:t>
-            </a:r>
-            <a:r>
-              <a:rPr lang="it-IT" dirty="0" err="1" smtClean="0"/>
-              <a:t>sottoprogetto</a:t>
-            </a:r>
-            <a:r>
-              <a:rPr lang="it-IT" dirty="0" smtClean="0"/>
-              <a:t> ‘</a:t>
-            </a:r>
-            <a:r>
-              <a:rPr lang="it-IT" dirty="0" err="1" smtClean="0"/>
-              <a:t>Neptune</a:t>
-            </a:r>
-            <a:r>
-              <a:rPr lang="it-IT" dirty="0" smtClean="0"/>
-              <a:t> Rescue’</a:t>
-            </a:r>
-          </a:p>
-          <a:p>
-            <a:r>
-              <a:rPr lang="it-IT" dirty="0" smtClean="0"/>
-              <a:t>Ambiente di rilascio</a:t>
-            </a:r>
-          </a:p>
-          <a:p>
-            <a:pPr lvl="1"/>
-            <a:r>
-              <a:rPr lang="it-IT" dirty="0" smtClean="0"/>
-              <a:t>Server aziendale o di terze parti per il </a:t>
-            </a:r>
-            <a:r>
-              <a:rPr lang="it-IT" dirty="0" err="1" smtClean="0"/>
-              <a:t>sottoprogetto</a:t>
-            </a:r>
-            <a:r>
-              <a:rPr lang="it-IT" dirty="0" smtClean="0"/>
-              <a:t> ‘</a:t>
-            </a:r>
-            <a:r>
-              <a:rPr lang="it-IT" dirty="0" err="1" smtClean="0"/>
-              <a:t>Neptune</a:t>
-            </a:r>
-            <a:r>
-              <a:rPr lang="it-IT" dirty="0" smtClean="0"/>
-              <a:t> Rescue’</a:t>
-            </a:r>
-          </a:p>
-          <a:p>
-            <a:pPr lvl="1"/>
-            <a:r>
-              <a:rPr lang="it-IT" dirty="0" smtClean="0"/>
-              <a:t>Smartphone dell’utente finale per il </a:t>
-            </a:r>
-            <a:r>
-              <a:rPr lang="it-IT" dirty="0" err="1" smtClean="0"/>
-              <a:t>sottoprogetto</a:t>
-            </a:r>
-            <a:r>
-              <a:rPr lang="it-IT" dirty="0" smtClean="0"/>
-              <a:t> ‘Titanic Assistance’</a:t>
-            </a:r>
-          </a:p>
-          <a:p>
-            <a:pPr lvl="1"/>
-            <a:endParaRPr lang="it-IT" dirty="0" smtClean="0"/>
-          </a:p>
-          <a:p>
-            <a:pPr lvl="1"/>
-            <a:endParaRPr lang="it-IT" dirty="0" smtClean="0"/>
-          </a:p>
-          <a:p>
-            <a:pPr marL="457200" lvl="1" indent="0">
-              <a:buNone/>
-            </a:pPr>
-            <a:endParaRPr lang="it-IT" dirty="0" smtClean="0"/>
-          </a:p>
-        </p:txBody>
-      </p:sp>
-    </p:spTree>
-    <p:extLst>
-      <p:ext uri="{BB962C8B-B14F-4D97-AF65-F5344CB8AC3E}">
-        <p14:creationId xmlns:p14="http://schemas.microsoft.com/office/powerpoint/2010/main" val="1062882377"/>
-      </p:ext>
-    </p:extLst>
-  </p:cSld>
-  <p:clrMapOvr>
-    <a:masterClrMapping/>
-  </p:clrMapOvr>
-</p:sld>
-</file>
-
-<file path=ppt/slides/slide47.xml><?xml version="1.0" encoding="utf-8"?>
-<p:sld xmlns:a="http://schemas.openxmlformats.org/drawingml/2006/main" xmlns:r="http://schemas.openxmlformats.org/officeDocument/2006/relationships" xmlns:p="http://schemas.openxmlformats.org/presentationml/2006/main">
-  <p:cSld>
-    <p:spTree>
-      <p:nvGrpSpPr>
-        <p:cNvPr id="1" name=""/>
-        <p:cNvGrpSpPr/>
-        <p:nvPr/>
-      </p:nvGrpSpPr>
-      <p:grpSpPr>
-        <a:xfrm>
-          <a:off x="0" y="0"/>
-          <a:ext cx="0" cy="0"/>
-          <a:chOff x="0" y="0"/>
-          <a:chExt cx="0" cy="0"/>
-        </a:xfrm>
-      </p:grpSpPr>
-      <p:sp>
-        <p:nvSpPr>
           <p:cNvPr id="2" name="Titolo 1"/>
           <p:cNvSpPr>
             <a:spLocks noGrp="1"/>
@@ -17565,7 +16979,7 @@
 </p:sld>
 </file>
 
-<file path=ppt/slides/slide48.xml><?xml version="1.0" encoding="utf-8"?>
+<file path=ppt/slides/slide47.xml><?xml version="1.0" encoding="utf-8"?>
 <p:sld xmlns:a="http://schemas.openxmlformats.org/drawingml/2006/main" xmlns:r="http://schemas.openxmlformats.org/officeDocument/2006/relationships" xmlns:p="http://schemas.openxmlformats.org/presentationml/2006/main">
   <p:cSld>
     <p:spTree>
@@ -18110,6 +17524,280 @@
 </p:sld>
 </file>
 
+<file path=ppt/slides/slide48.xml><?xml version="1.0" encoding="utf-8"?>
+<p:sld xmlns:a="http://schemas.openxmlformats.org/drawingml/2006/main" xmlns:r="http://schemas.openxmlformats.org/officeDocument/2006/relationships" xmlns:p="http://schemas.openxmlformats.org/presentationml/2006/main">
+  <p:cSld>
+    <p:spTree>
+      <p:nvGrpSpPr>
+        <p:cNvPr id="1" name=""/>
+        <p:cNvGrpSpPr/>
+        <p:nvPr/>
+      </p:nvGrpSpPr>
+      <p:grpSpPr>
+        <a:xfrm>
+          <a:off x="0" y="0"/>
+          <a:ext cx="0" cy="0"/>
+          <a:chOff x="0" y="0"/>
+          <a:chExt cx="0" cy="0"/>
+        </a:xfrm>
+      </p:grpSpPr>
+      <p:sp>
+        <p:nvSpPr>
+          <p:cNvPr id="2" name="Titolo 1"/>
+          <p:cNvSpPr>
+            <a:spLocks noGrp="1"/>
+          </p:cNvSpPr>
+          <p:nvPr>
+            <p:ph type="title"/>
+          </p:nvPr>
+        </p:nvSpPr>
+        <p:spPr/>
+        <p:txBody>
+          <a:bodyPr>
+            <a:normAutofit/>
+          </a:bodyPr>
+          <a:lstStyle/>
+          <a:p>
+            <a:r>
+              <a:rPr lang="it-IT" sz="2800" dirty="0">
+                <a:solidFill>
+                  <a:srgbClr val="2E5369"/>
+                </a:solidFill>
+              </a:rPr>
+              <a:t>R01</a:t>
+            </a:r>
+            <a:endParaRPr lang="it-IT" sz="2800" dirty="0"/>
+          </a:p>
+        </p:txBody>
+      </p:sp>
+      <p:sp>
+        <p:nvSpPr>
+          <p:cNvPr id="3" name="Segnaposto contenuto 2"/>
+          <p:cNvSpPr>
+            <a:spLocks noGrp="1"/>
+          </p:cNvSpPr>
+          <p:nvPr>
+            <p:ph idx="1"/>
+          </p:nvPr>
+        </p:nvSpPr>
+        <p:spPr/>
+        <p:txBody>
+          <a:bodyPr/>
+          <a:lstStyle/>
+          <a:p>
+            <a:r>
+              <a:rPr lang="it-IT" b="1" dirty="0">
+                <a:solidFill>
+                  <a:schemeClr val="accent2">
+                    <a:lumMod val="50000"/>
+                  </a:schemeClr>
+                </a:solidFill>
+              </a:rPr>
+              <a:t>Rischio</a:t>
+            </a:r>
+            <a:r>
+              <a:rPr lang="it-IT" b="1" dirty="0">
+                <a:solidFill>
+                  <a:srgbClr val="2E5369"/>
+                </a:solidFill>
+              </a:rPr>
+              <a:t>:</a:t>
+            </a:r>
+            <a:r>
+              <a:rPr lang="it-IT" dirty="0"/>
+              <a:t> Guasto hardware e/o perdita di dati.</a:t>
+            </a:r>
+          </a:p>
+          <a:p>
+            <a:r>
+              <a:rPr lang="it-IT" b="1" dirty="0">
+                <a:solidFill>
+                  <a:schemeClr val="accent2">
+                    <a:lumMod val="50000"/>
+                  </a:schemeClr>
+                </a:solidFill>
+              </a:rPr>
+              <a:t>Gravità</a:t>
+            </a:r>
+            <a:r>
+              <a:rPr lang="it-IT" b="1" dirty="0">
+                <a:solidFill>
+                  <a:srgbClr val="2E5369"/>
+                </a:solidFill>
+              </a:rPr>
+              <a:t>:</a:t>
+            </a:r>
+            <a:r>
+              <a:rPr lang="it-IT" b="1" dirty="0"/>
+              <a:t> </a:t>
+            </a:r>
+            <a:r>
+              <a:rPr lang="it-IT" dirty="0"/>
+              <a:t>Molto dannoso.</a:t>
+            </a:r>
+          </a:p>
+          <a:p>
+            <a:r>
+              <a:rPr lang="it-IT" b="1" dirty="0">
+                <a:solidFill>
+                  <a:schemeClr val="accent2">
+                    <a:lumMod val="50000"/>
+                  </a:schemeClr>
+                </a:solidFill>
+              </a:rPr>
+              <a:t>Descrizione</a:t>
+            </a:r>
+            <a:r>
+              <a:rPr lang="it-IT" b="1" dirty="0">
+                <a:solidFill>
+                  <a:srgbClr val="2E5369"/>
+                </a:solidFill>
+              </a:rPr>
+              <a:t>:</a:t>
+            </a:r>
+            <a:r>
+              <a:rPr lang="it-IT" dirty="0"/>
+              <a:t> Perdita dei dati a causa dell’inaccessibilità a una data macchina attinente al progetto o ai dati ivi contenuti.</a:t>
+            </a:r>
+          </a:p>
+          <a:p>
+            <a:r>
+              <a:rPr lang="it-IT" b="1" dirty="0">
+                <a:solidFill>
+                  <a:schemeClr val="accent2">
+                    <a:lumMod val="50000"/>
+                  </a:schemeClr>
+                </a:solidFill>
+              </a:rPr>
+              <a:t>Impatto</a:t>
+            </a:r>
+            <a:r>
+              <a:rPr lang="it-IT" b="1" dirty="0">
+                <a:solidFill>
+                  <a:srgbClr val="2E5369"/>
+                </a:solidFill>
+              </a:rPr>
+              <a:t>:</a:t>
+            </a:r>
+            <a:r>
+              <a:rPr lang="it-IT" b="1" dirty="0"/>
+              <a:t> </a:t>
+            </a:r>
+            <a:r>
+              <a:rPr lang="it-IT" dirty="0"/>
+              <a:t>Perdita di componenti software con conseguente ritardo dovuto alla riscrittura del codice perso. Eventuale danno economico dovuto al dover sostituire l’hardware danneggiato.</a:t>
+            </a:r>
+          </a:p>
+          <a:p>
+            <a:r>
+              <a:rPr lang="it-IT" b="1" dirty="0">
+                <a:solidFill>
+                  <a:schemeClr val="accent2">
+                    <a:lumMod val="50000"/>
+                  </a:schemeClr>
+                </a:solidFill>
+              </a:rPr>
+              <a:t>Mitigazione</a:t>
+            </a:r>
+            <a:r>
+              <a:rPr lang="it-IT" b="1" dirty="0">
+                <a:solidFill>
+                  <a:srgbClr val="2E5369"/>
+                </a:solidFill>
+              </a:rPr>
+              <a:t>:</a:t>
+            </a:r>
+            <a:r>
+              <a:rPr lang="it-IT" dirty="0"/>
+              <a:t> Salvare il progetto su più macchine oltre che su un </a:t>
+            </a:r>
+            <a:r>
+              <a:rPr lang="it-IT" dirty="0" err="1"/>
+              <a:t>repository</a:t>
+            </a:r>
+            <a:r>
+              <a:rPr lang="it-IT" dirty="0"/>
+              <a:t> online.</a:t>
+            </a:r>
+          </a:p>
+          <a:p>
+            <a:r>
+              <a:rPr lang="it-IT" b="1" dirty="0" err="1">
+                <a:solidFill>
+                  <a:schemeClr val="accent2">
+                    <a:lumMod val="50000"/>
+                  </a:schemeClr>
+                </a:solidFill>
+              </a:rPr>
+              <a:t>Contingency</a:t>
+            </a:r>
+            <a:r>
+              <a:rPr lang="it-IT" b="1" dirty="0">
+                <a:solidFill>
+                  <a:schemeClr val="accent2">
+                    <a:lumMod val="50000"/>
+                  </a:schemeClr>
+                </a:solidFill>
+              </a:rPr>
+              <a:t> Plan</a:t>
+            </a:r>
+            <a:r>
+              <a:rPr lang="it-IT" b="1" dirty="0">
+                <a:solidFill>
+                  <a:srgbClr val="2E5369"/>
+                </a:solidFill>
+              </a:rPr>
+              <a:t>:</a:t>
+            </a:r>
+            <a:r>
+              <a:rPr lang="it-IT" dirty="0">
+                <a:solidFill>
+                  <a:srgbClr val="2E5369"/>
+                </a:solidFill>
+              </a:rPr>
+              <a:t> </a:t>
+            </a:r>
+            <a:r>
+              <a:rPr lang="it-IT" dirty="0"/>
+              <a:t>Recuperare l’ultima copia di backup dal </a:t>
+            </a:r>
+            <a:r>
+              <a:rPr lang="it-IT" dirty="0" err="1"/>
+              <a:t>repository</a:t>
+            </a:r>
+            <a:r>
+              <a:rPr lang="it-IT" dirty="0"/>
+              <a:t> online o dalle macchine non danneggiate.</a:t>
+            </a:r>
+          </a:p>
+          <a:p>
+            <a:endParaRPr lang="it-IT" dirty="0"/>
+          </a:p>
+          <a:p>
+            <a:endParaRPr lang="it-IT" dirty="0"/>
+          </a:p>
+        </p:txBody>
+      </p:sp>
+    </p:spTree>
+    <p:extLst>
+      <p:ext uri="{BB962C8B-B14F-4D97-AF65-F5344CB8AC3E}">
+        <p14:creationId xmlns:p14="http://schemas.microsoft.com/office/powerpoint/2010/main" val="1799560997"/>
+      </p:ext>
+    </p:extLst>
+  </p:cSld>
+  <p:clrMapOvr>
+    <a:masterClrMapping/>
+  </p:clrMapOvr>
+  <p:timing>
+    <p:tnLst>
+      <p:par>
+        <p:cTn id="1" dur="indefinite" restart="never" nodeType="tmRoot"/>
+      </p:par>
+    </p:tnLst>
+  </p:timing>
+</p:sld>
+</file>
+
 <file path=ppt/slides/slide49.xml><?xml version="1.0" encoding="utf-8"?>
 <p:sld xmlns:a="http://schemas.openxmlformats.org/drawingml/2006/main" xmlns:r="http://schemas.openxmlformats.org/officeDocument/2006/relationships" xmlns:p="http://schemas.openxmlformats.org/presentationml/2006/main">
   <p:cSld>
@@ -18145,12 +17833,12 @@
           <a:lstStyle/>
           <a:p>
             <a:r>
-              <a:rPr lang="it-IT" sz="2800" dirty="0">
+              <a:rPr lang="it-IT" sz="2800" dirty="0" smtClean="0">
                 <a:solidFill>
                   <a:srgbClr val="2E5369"/>
                 </a:solidFill>
               </a:rPr>
-              <a:t>R01</a:t>
+              <a:t>R02</a:t>
             </a:r>
             <a:endParaRPr lang="it-IT" sz="2800" dirty="0"/>
           </a:p>
@@ -18172,89 +17860,155 @@
           <a:lstStyle/>
           <a:p>
             <a:r>
+              <a:rPr lang="it-IT" b="1" dirty="0">
+                <a:solidFill>
+                  <a:schemeClr val="accent2">
+                    <a:lumMod val="50000"/>
+                  </a:schemeClr>
+                </a:solidFill>
+              </a:rPr>
+              <a:t>Rischio</a:t>
+            </a:r>
+            <a:r>
               <a:rPr lang="it-IT" b="1" dirty="0"/>
-              <a:t>Rischio:</a:t>
+              <a:t>:</a:t>
             </a:r>
             <a:r>
               <a:rPr lang="it-IT" dirty="0"/>
-              <a:t> Abbandono di uno dei componenti del team di sviluppo.</a:t>
-            </a:r>
-          </a:p>
-          <a:p>
+              <a:t> Guasto hardware e/o perdita di dati.</a:t>
+            </a:r>
+          </a:p>
+          <a:p>
+            <a:r>
+              <a:rPr lang="it-IT" b="1" dirty="0">
+                <a:solidFill>
+                  <a:schemeClr val="accent2">
+                    <a:lumMod val="50000"/>
+                  </a:schemeClr>
+                </a:solidFill>
+              </a:rPr>
+              <a:t>Gravità</a:t>
+            </a:r>
             <a:r>
               <a:rPr lang="it-IT" b="1" dirty="0"/>
-              <a:t>Gravità:</a:t>
+              <a:t>: </a:t>
             </a:r>
             <a:r>
               <a:rPr lang="it-IT" dirty="0"/>
-              <a:t> Dannoso.</a:t>
-            </a:r>
-          </a:p>
-          <a:p>
+              <a:t>Molto dannoso.</a:t>
+            </a:r>
+          </a:p>
+          <a:p>
+            <a:r>
+              <a:rPr lang="it-IT" b="1" dirty="0">
+                <a:solidFill>
+                  <a:schemeClr val="accent2">
+                    <a:lumMod val="50000"/>
+                  </a:schemeClr>
+                </a:solidFill>
+              </a:rPr>
+              <a:t>Descrizione:</a:t>
+            </a:r>
+            <a:r>
+              <a:rPr lang="it-IT" dirty="0">
+                <a:solidFill>
+                  <a:schemeClr val="accent2">
+                    <a:lumMod val="50000"/>
+                  </a:schemeClr>
+                </a:solidFill>
+              </a:rPr>
+              <a:t> </a:t>
+            </a:r>
+            <a:r>
+              <a:rPr lang="it-IT" dirty="0"/>
+              <a:t>Perdita dei dati a causa dell’inaccessibilità a una data macchina attinente al progetto o ai dati ivi contenuti.</a:t>
+            </a:r>
+          </a:p>
+          <a:p>
+            <a:r>
+              <a:rPr lang="it-IT" b="1" dirty="0">
+                <a:solidFill>
+                  <a:schemeClr val="accent2">
+                    <a:lumMod val="50000"/>
+                  </a:schemeClr>
+                </a:solidFill>
+              </a:rPr>
+              <a:t>Impatto</a:t>
+            </a:r>
             <a:r>
               <a:rPr lang="it-IT" b="1" dirty="0"/>
-              <a:t>Descrizione:</a:t>
+              <a:t>: </a:t>
             </a:r>
             <a:r>
               <a:rPr lang="it-IT" dirty="0"/>
-              <a:t> Se uno dei componenti abbandona il progetto, i restanti sono in grado di completare il progetto, ma in tempi più lunghi.	</a:t>
-            </a:r>
-          </a:p>
-          <a:p>
+              <a:t>Perdita di componenti software con conseguente ritardo dovuto alla riscrittura del codice perso. Eventuale danno economico dovuto al dover sostituire l’hardware danneggiato.</a:t>
+            </a:r>
+          </a:p>
+          <a:p>
+            <a:r>
+              <a:rPr lang="it-IT" b="1" dirty="0">
+                <a:solidFill>
+                  <a:schemeClr val="accent2">
+                    <a:lumMod val="50000"/>
+                  </a:schemeClr>
+                </a:solidFill>
+              </a:rPr>
+              <a:t>Mitigazione</a:t>
+            </a:r>
             <a:r>
               <a:rPr lang="it-IT" b="1" dirty="0"/>
-              <a:t>Impatto:</a:t>
+              <a:t>:</a:t>
             </a:r>
             <a:r>
               <a:rPr lang="it-IT" dirty="0"/>
-              <a:t> L’area in cui lavorava il componente (</a:t>
+              <a:t> Salvare il progetto su più macchine oltre che su un </a:t>
             </a:r>
             <a:r>
               <a:rPr lang="it-IT" dirty="0" err="1"/>
-              <a:t>app</a:t>
+              <a:t>repository</a:t>
             </a:r>
             <a:r>
               <a:rPr lang="it-IT" dirty="0"/>
-              <a:t> </a:t>
+              <a:t> online.</a:t>
+            </a:r>
+          </a:p>
+          <a:p>
+            <a:r>
+              <a:rPr lang="it-IT" b="1" dirty="0" err="1">
+                <a:solidFill>
+                  <a:schemeClr val="accent2">
+                    <a:lumMod val="50000"/>
+                  </a:schemeClr>
+                </a:solidFill>
+              </a:rPr>
+              <a:t>Contingency</a:t>
+            </a:r>
+            <a:r>
+              <a:rPr lang="it-IT" b="1" dirty="0">
+                <a:solidFill>
+                  <a:schemeClr val="accent2">
+                    <a:lumMod val="50000"/>
+                  </a:schemeClr>
+                </a:solidFill>
+              </a:rPr>
+              <a:t> Plan</a:t>
+            </a:r>
+            <a:r>
+              <a:rPr lang="it-IT" b="1" dirty="0"/>
+              <a:t>:</a:t>
+            </a:r>
+            <a:r>
+              <a:rPr lang="it-IT" dirty="0"/>
+              <a:t> Recuperare l’ultima copia di backup dal </a:t>
             </a:r>
             <a:r>
               <a:rPr lang="it-IT" dirty="0" err="1"/>
-              <a:t>Android</a:t>
+              <a:t>repository</a:t>
             </a:r>
             <a:r>
               <a:rPr lang="it-IT" dirty="0"/>
-              <a:t> o portale web) potrebbe subire dei rallentamenti nel suo completamento.</a:t>
-            </a:r>
-          </a:p>
-          <a:p>
-            <a:r>
-              <a:rPr lang="it-IT" b="1" dirty="0"/>
-              <a:t>Mitigazione:</a:t>
-            </a:r>
-            <a:r>
-              <a:rPr lang="it-IT" dirty="0"/>
-              <a:t> Lavoro parallelo di più persone allo stesso task, in modo che l’eventuale mancanza di una persona non comporti eccessivi ritardi.</a:t>
-            </a:r>
-          </a:p>
-          <a:p>
-            <a:r>
-              <a:rPr lang="it-IT" b="1" dirty="0" err="1"/>
-              <a:t>Contingency</a:t>
-            </a:r>
-            <a:r>
-              <a:rPr lang="it-IT" b="1" dirty="0"/>
-              <a:t> Plan:</a:t>
-            </a:r>
-            <a:r>
-              <a:rPr lang="it-IT" dirty="0"/>
-              <a:t> Tutti i componenti del team hanno le conoscenze basilari necessarie al completamento del progetto.</a:t>
-            </a:r>
-          </a:p>
-          <a:p>
-            <a:pPr marL="0" indent="0">
-              <a:buNone/>
-            </a:pPr>
-            <a:endParaRPr lang="it-IT" dirty="0"/>
+              <a:t> online o dalle macchine non danneggiate.</a:t>
+            </a:r>
           </a:p>
           <a:p>
             <a:endParaRPr lang="it-IT" dirty="0"/>
@@ -18264,7 +18018,7 @@
     </p:spTree>
     <p:extLst>
       <p:ext uri="{BB962C8B-B14F-4D97-AF65-F5344CB8AC3E}">
-        <p14:creationId xmlns:p14="http://schemas.microsoft.com/office/powerpoint/2010/main" val="1799560997"/>
+        <p14:creationId xmlns:p14="http://schemas.microsoft.com/office/powerpoint/2010/main" val="332238283"/>
       </p:ext>
     </p:extLst>
   </p:cSld>
@@ -18443,7 +18197,7 @@
                   <a:srgbClr val="2E5369"/>
                 </a:solidFill>
               </a:rPr>
-              <a:t>R02</a:t>
+              <a:t>R03</a:t>
             </a:r>
             <a:endParaRPr lang="it-IT" sz="2800" dirty="0"/>
           </a:p>
@@ -18480,7 +18234,7 @@
             </a:r>
             <a:r>
               <a:rPr lang="it-IT" dirty="0"/>
-              <a:t> Guasto hardware e/o perdita di dati.</a:t>
+              <a:t> Cambiamento specifiche in corso d’opera. </a:t>
             </a:r>
           </a:p>
           <a:p>
@@ -18492,15 +18246,15 @@
                   </a:schemeClr>
                 </a:solidFill>
               </a:rPr>
-              <a:t>Gravità</a:t>
+              <a:t>Gravità:</a:t>
             </a:r>
             <a:r>
               <a:rPr lang="it-IT" b="1" dirty="0"/>
-              <a:t>: </a:t>
+              <a:t> </a:t>
             </a:r>
             <a:r>
               <a:rPr lang="it-IT" dirty="0"/>
-              <a:t>Molto dannoso.</a:t>
+              <a:t>Medio.</a:t>
             </a:r>
           </a:p>
           <a:p>
@@ -18512,21 +18266,15 @@
                   </a:schemeClr>
                 </a:solidFill>
               </a:rPr>
-              <a:t>Descrizione:</a:t>
-            </a:r>
-            <a:r>
-              <a:rPr lang="it-IT" dirty="0">
-                <a:solidFill>
-                  <a:schemeClr val="accent2">
-                    <a:lumMod val="50000"/>
-                  </a:schemeClr>
-                </a:solidFill>
-              </a:rPr>
-              <a:t> </a:t>
+              <a:t>Descrizione</a:t>
+            </a:r>
+            <a:r>
+              <a:rPr lang="it-IT" b="1" dirty="0"/>
+              <a:t>:</a:t>
             </a:r>
             <a:r>
               <a:rPr lang="it-IT" dirty="0"/>
-              <a:t>Perdita dei dati a causa dell’inaccessibilità a una data macchina attinente al progetto o ai dati ivi contenuti.</a:t>
+              <a:t> Il committente richiede modifiche e o aggiunte durante le fasi avanzate di sviluppo.</a:t>
             </a:r>
           </a:p>
           <a:p>
@@ -18542,11 +18290,11 @@
             </a:r>
             <a:r>
               <a:rPr lang="it-IT" b="1" dirty="0"/>
-              <a:t>: </a:t>
+              <a:t>:</a:t>
             </a:r>
             <a:r>
               <a:rPr lang="it-IT" dirty="0"/>
-              <a:t>Perdita di componenti software con conseguente ritardo dovuto alla riscrittura del codice perso. Eventuale danno economico dovuto al dover sostituire l’hardware danneggiato.</a:t>
+              <a:t> Il progetto potrebbe subire ritardi, anche di considerevole entità. </a:t>
             </a:r>
           </a:p>
           <a:p>
@@ -18562,19 +18310,27 @@
             </a:r>
             <a:r>
               <a:rPr lang="it-IT" b="1" dirty="0"/>
-              <a:t>:</a:t>
+              <a:t>: </a:t>
             </a:r>
             <a:r>
               <a:rPr lang="it-IT" dirty="0"/>
-              <a:t> Salvare il progetto su più macchine oltre che su un </a:t>
+              <a:t>Frequente confronto con il committente e richiesta di approvazione tramite firma del documento di </a:t>
             </a:r>
             <a:r>
               <a:rPr lang="it-IT" dirty="0" err="1"/>
-              <a:t>repository</a:t>
+              <a:t>Change</a:t>
             </a:r>
             <a:r>
               <a:rPr lang="it-IT" dirty="0"/>
-              <a:t> online.</a:t>
+              <a:t> </a:t>
+            </a:r>
+            <a:r>
+              <a:rPr lang="it-IT" dirty="0" err="1"/>
+              <a:t>Request</a:t>
+            </a:r>
+            <a:r>
+              <a:rPr lang="it-IT" dirty="0"/>
+              <a:t>.  </a:t>
             </a:r>
           </a:p>
           <a:p>
@@ -18600,19 +18356,19 @@
             </a:r>
             <a:r>
               <a:rPr lang="it-IT" b="1" dirty="0"/>
-              <a:t>:</a:t>
+              <a:t>: </a:t>
             </a:r>
             <a:r>
               <a:rPr lang="it-IT" dirty="0"/>
-              <a:t> Recuperare l’ultima copia di backup dal </a:t>
+              <a:t>Effettuare le necessarie correzioni al progetto ed eventuale </a:t>
             </a:r>
             <a:r>
               <a:rPr lang="it-IT" dirty="0" err="1"/>
-              <a:t>repository</a:t>
+              <a:t>riassegnamento</a:t>
             </a:r>
             <a:r>
               <a:rPr lang="it-IT" dirty="0"/>
-              <a:t> online o dalle macchine non danneggiate.</a:t>
+              <a:t> delle risorse. </a:t>
             </a:r>
           </a:p>
           <a:p>
@@ -18623,7 +18379,7 @@
     </p:spTree>
     <p:extLst>
       <p:ext uri="{BB962C8B-B14F-4D97-AF65-F5344CB8AC3E}">
-        <p14:creationId xmlns:p14="http://schemas.microsoft.com/office/powerpoint/2010/main" val="332238283"/>
+        <p14:creationId xmlns:p14="http://schemas.microsoft.com/office/powerpoint/2010/main" val="1446648412"/>
       </p:ext>
     </p:extLst>
   </p:cSld>
@@ -18680,7 +18436,7 @@
                   <a:srgbClr val="2E5369"/>
                 </a:solidFill>
               </a:rPr>
-              <a:t>R03</a:t>
+              <a:t>R04</a:t>
             </a:r>
             <a:endParaRPr lang="it-IT" sz="2800" dirty="0"/>
           </a:p>
@@ -18709,15 +18465,11 @@
                   </a:schemeClr>
                 </a:solidFill>
               </a:rPr>
-              <a:t>Rischio</a:t>
-            </a:r>
-            <a:r>
-              <a:rPr lang="it-IT" b="1" dirty="0"/>
-              <a:t>:</a:t>
+              <a:t>Rischio:</a:t>
             </a:r>
             <a:r>
               <a:rPr lang="it-IT" dirty="0"/>
-              <a:t> Cambiamento specifiche in corso d’opera. </a:t>
+              <a:t> Ricorso a tecnologie innovative o poco note. </a:t>
             </a:r>
           </a:p>
           <a:p>
@@ -18729,15 +18481,15 @@
                   </a:schemeClr>
                 </a:solidFill>
               </a:rPr>
-              <a:t>Gravità:</a:t>
+              <a:t>Gravità</a:t>
             </a:r>
             <a:r>
               <a:rPr lang="it-IT" b="1" dirty="0"/>
-              <a:t> </a:t>
+              <a:t>: </a:t>
             </a:r>
             <a:r>
               <a:rPr lang="it-IT" dirty="0"/>
-              <a:t>Medio.</a:t>
+              <a:t>Dannoso.</a:t>
             </a:r>
           </a:p>
           <a:p>
@@ -18757,7 +18509,7 @@
             </a:r>
             <a:r>
               <a:rPr lang="it-IT" dirty="0"/>
-              <a:t> Il committente richiede modifiche e o aggiunte durante le fasi avanzate di sviluppo.</a:t>
+              <a:t> Il progetto si basa su tecnologie non conosciute al team di sviluppo.</a:t>
             </a:r>
           </a:p>
           <a:p>
@@ -18777,7 +18529,7 @@
             </a:r>
             <a:r>
               <a:rPr lang="it-IT" dirty="0"/>
-              <a:t> Il progetto potrebbe subire ritardi, anche di considerevole entità. </a:t>
+              <a:t> Il progetto potrebbe subire rallentamenti, anche sensibili, dovuti al naturale tempo di apprendimento delle nuove tecnologie da parte del team. </a:t>
             </a:r>
           </a:p>
           <a:p>
@@ -18797,23 +18549,7 @@
             </a:r>
             <a:r>
               <a:rPr lang="it-IT" dirty="0"/>
-              <a:t>Frequente confronto con il committente e richiesta di approvazione tramite firma del documento di </a:t>
-            </a:r>
-            <a:r>
-              <a:rPr lang="it-IT" dirty="0" err="1"/>
-              <a:t>Change</a:t>
-            </a:r>
-            <a:r>
-              <a:rPr lang="it-IT" dirty="0"/>
-              <a:t> </a:t>
-            </a:r>
-            <a:r>
-              <a:rPr lang="it-IT" dirty="0" err="1"/>
-              <a:t>Request</a:t>
-            </a:r>
-            <a:r>
-              <a:rPr lang="it-IT" dirty="0"/>
-              <a:t>.  </a:t>
+              <a:t>Cercare di utilizzare tecnologie già conosciute dove possibile.  </a:t>
             </a:r>
           </a:p>
           <a:p>
@@ -18839,22 +18575,17 @@
             </a:r>
             <a:r>
               <a:rPr lang="it-IT" b="1" dirty="0"/>
-              <a:t>: </a:t>
+              <a:t>:</a:t>
             </a:r>
             <a:r>
               <a:rPr lang="it-IT" dirty="0"/>
-              <a:t>Effettuare le necessarie correzioni al progetto ed eventuale </a:t>
-            </a:r>
-            <a:r>
-              <a:rPr lang="it-IT" dirty="0" err="1"/>
-              <a:t>riassegnamento</a:t>
-            </a:r>
-            <a:r>
-              <a:rPr lang="it-IT" dirty="0"/>
-              <a:t> delle risorse. </a:t>
-            </a:r>
-          </a:p>
-          <a:p>
+              <a:t> Cercare di assumere le competenze necessarie in tempi ragionevoli, senza allocare tutte le risorse umane allo studio della nuova tecnologia, ma lasciandone parte allo sviluppo del progetto.	</a:t>
+            </a:r>
+          </a:p>
+          <a:p>
+            <a:pPr marL="0" indent="0">
+              <a:buNone/>
+            </a:pPr>
             <a:endParaRPr lang="it-IT" dirty="0"/>
           </a:p>
         </p:txBody>
@@ -18862,7 +18593,7 @@
     </p:spTree>
     <p:extLst>
       <p:ext uri="{BB962C8B-B14F-4D97-AF65-F5344CB8AC3E}">
-        <p14:creationId xmlns:p14="http://schemas.microsoft.com/office/powerpoint/2010/main" val="1446648412"/>
+        <p14:creationId xmlns:p14="http://schemas.microsoft.com/office/powerpoint/2010/main" val="695466127"/>
       </p:ext>
     </p:extLst>
   </p:cSld>
@@ -18903,180 +18634,39 @@
             <a:spLocks noGrp="1"/>
           </p:cNvSpPr>
           <p:nvPr>
-            <p:ph type="title"/>
-          </p:nvPr>
-        </p:nvSpPr>
-        <p:spPr/>
-        <p:txBody>
-          <a:bodyPr>
-            <a:normAutofit/>
-          </a:bodyPr>
-          <a:lstStyle/>
-          <a:p>
-            <a:r>
-              <a:rPr lang="it-IT" sz="2800" dirty="0" smtClean="0">
-                <a:solidFill>
-                  <a:srgbClr val="2E5369"/>
-                </a:solidFill>
-              </a:rPr>
-              <a:t>R04</a:t>
-            </a:r>
-            <a:endParaRPr lang="it-IT" sz="2800" dirty="0"/>
-          </a:p>
-        </p:txBody>
-      </p:sp>
-      <p:sp>
-        <p:nvSpPr>
-          <p:cNvPr id="3" name="Segnaposto contenuto 2"/>
-          <p:cNvSpPr>
-            <a:spLocks noGrp="1"/>
-          </p:cNvSpPr>
-          <p:nvPr>
-            <p:ph idx="1"/>
-          </p:nvPr>
-        </p:nvSpPr>
-        <p:spPr/>
+            <p:ph type="ctrTitle"/>
+          </p:nvPr>
+        </p:nvSpPr>
+        <p:spPr>
+          <a:xfrm>
+            <a:off x="2589213" y="2875207"/>
+            <a:ext cx="8915399" cy="2262781"/>
+          </a:xfrm>
+        </p:spPr>
         <p:txBody>
           <a:bodyPr/>
           <a:lstStyle/>
           <a:p>
             <a:r>
-              <a:rPr lang="it-IT" b="1" dirty="0">
+              <a:rPr lang="it-IT" dirty="0" smtClean="0">
                 <a:solidFill>
-                  <a:schemeClr val="accent2">
-                    <a:lumMod val="50000"/>
-                  </a:schemeClr>
+                  <a:schemeClr val="tx1"/>
                 </a:solidFill>
               </a:rPr>
-              <a:t>Rischio:</a:t>
-            </a:r>
-            <a:r>
-              <a:rPr lang="it-IT" dirty="0"/>
-              <a:t> Ricorso a tecnologie innovative o poco note. </a:t>
-            </a:r>
-          </a:p>
-          <a:p>
-            <a:r>
-              <a:rPr lang="it-IT" b="1" dirty="0">
-                <a:solidFill>
-                  <a:schemeClr val="accent2">
-                    <a:lumMod val="50000"/>
-                  </a:schemeClr>
-                </a:solidFill>
-              </a:rPr>
-              <a:t>Gravità</a:t>
-            </a:r>
-            <a:r>
-              <a:rPr lang="it-IT" b="1" dirty="0"/>
-              <a:t>: </a:t>
-            </a:r>
-            <a:r>
-              <a:rPr lang="it-IT" dirty="0"/>
-              <a:t>Dannoso.</a:t>
-            </a:r>
-          </a:p>
-          <a:p>
-            <a:r>
-              <a:rPr lang="it-IT" b="1" dirty="0">
-                <a:solidFill>
-                  <a:schemeClr val="accent2">
-                    <a:lumMod val="50000"/>
-                  </a:schemeClr>
-                </a:solidFill>
-              </a:rPr>
-              <a:t>Descrizione</a:t>
-            </a:r>
-            <a:r>
-              <a:rPr lang="it-IT" b="1" dirty="0"/>
-              <a:t>:</a:t>
-            </a:r>
-            <a:r>
-              <a:rPr lang="it-IT" dirty="0"/>
-              <a:t> Il progetto si basa su tecnologie non conosciute al team di sviluppo.</a:t>
-            </a:r>
-          </a:p>
-          <a:p>
-            <a:r>
-              <a:rPr lang="it-IT" b="1" dirty="0">
-                <a:solidFill>
-                  <a:schemeClr val="accent2">
-                    <a:lumMod val="50000"/>
-                  </a:schemeClr>
-                </a:solidFill>
-              </a:rPr>
-              <a:t>Impatto</a:t>
-            </a:r>
-            <a:r>
-              <a:rPr lang="it-IT" b="1" dirty="0"/>
-              <a:t>:</a:t>
-            </a:r>
-            <a:r>
-              <a:rPr lang="it-IT" dirty="0"/>
-              <a:t> Il progetto potrebbe subire rallentamenti, anche sensibili, dovuti al naturale tempo di apprendimento delle nuove tecnologie da parte del team. </a:t>
-            </a:r>
-          </a:p>
-          <a:p>
-            <a:r>
-              <a:rPr lang="it-IT" b="1" dirty="0">
-                <a:solidFill>
-                  <a:schemeClr val="accent2">
-                    <a:lumMod val="50000"/>
-                  </a:schemeClr>
-                </a:solidFill>
-              </a:rPr>
-              <a:t>Mitigazione</a:t>
-            </a:r>
-            <a:r>
-              <a:rPr lang="it-IT" b="1" dirty="0"/>
-              <a:t>: </a:t>
-            </a:r>
-            <a:r>
-              <a:rPr lang="it-IT" dirty="0"/>
-              <a:t>Cercare di utilizzare tecnologie già conosciute dove possibile.  </a:t>
-            </a:r>
-          </a:p>
-          <a:p>
-            <a:r>
-              <a:rPr lang="it-IT" b="1" dirty="0" err="1">
-                <a:solidFill>
-                  <a:schemeClr val="accent2">
-                    <a:lumMod val="50000"/>
-                  </a:schemeClr>
-                </a:solidFill>
-              </a:rPr>
-              <a:t>Contingency</a:t>
-            </a:r>
-            <a:r>
-              <a:rPr lang="it-IT" b="1" dirty="0">
-                <a:solidFill>
-                  <a:schemeClr val="accent2">
-                    <a:lumMod val="50000"/>
-                  </a:schemeClr>
-                </a:solidFill>
-              </a:rPr>
-              <a:t> Plan</a:t>
-            </a:r>
-            <a:r>
-              <a:rPr lang="it-IT" b="1" dirty="0"/>
-              <a:t>:</a:t>
-            </a:r>
-            <a:r>
-              <a:rPr lang="it-IT" dirty="0"/>
-              <a:t> Cercare di assumere le competenze necessarie in tempi ragionevoli, senza allocare tutte le risorse umane allo studio della nuova tecnologia, ma lasciandone parte allo sviluppo del progetto.	</a:t>
-            </a:r>
-          </a:p>
-          <a:p>
-            <a:pPr marL="0" indent="0">
-              <a:buNone/>
-            </a:pPr>
-            <a:endParaRPr lang="it-IT" dirty="0"/>
+              <a:t>Riuso</a:t>
+            </a:r>
+            <a:endParaRPr lang="it-IT" dirty="0">
+              <a:solidFill>
+                <a:schemeClr val="tx1"/>
+              </a:solidFill>
+            </a:endParaRPr>
           </a:p>
         </p:txBody>
       </p:sp>
     </p:spTree>
     <p:extLst>
       <p:ext uri="{BB962C8B-B14F-4D97-AF65-F5344CB8AC3E}">
-        <p14:creationId xmlns:p14="http://schemas.microsoft.com/office/powerpoint/2010/main" val="695466127"/>
+        <p14:creationId xmlns:p14="http://schemas.microsoft.com/office/powerpoint/2010/main" val="1688323172"/>
       </p:ext>
     </p:extLst>
   </p:cSld>
@@ -19117,52 +18707,111 @@
             <a:spLocks noGrp="1"/>
           </p:cNvSpPr>
           <p:nvPr>
-            <p:ph type="ctrTitle"/>
+            <p:ph type="title"/>
+          </p:nvPr>
+        </p:nvSpPr>
+        <p:spPr/>
+        <p:txBody>
+          <a:bodyPr>
+            <a:normAutofit/>
+          </a:bodyPr>
+          <a:lstStyle/>
+          <a:p>
+            <a:r>
+              <a:rPr lang="it-IT" sz="3200" dirty="0" smtClean="0"/>
+              <a:t>Riuso</a:t>
+            </a:r>
+            <a:endParaRPr lang="it-IT" sz="3200" dirty="0"/>
+          </a:p>
+        </p:txBody>
+      </p:sp>
+      <p:sp>
+        <p:nvSpPr>
+          <p:cNvPr id="3" name="Segnaposto contenuto 2"/>
+          <p:cNvSpPr>
+            <a:spLocks noGrp="1"/>
+          </p:cNvSpPr>
+          <p:nvPr>
+            <p:ph idx="1"/>
           </p:nvPr>
         </p:nvSpPr>
         <p:spPr>
           <a:xfrm>
-            <a:off x="2589213" y="2875207"/>
-            <a:ext cx="8915399" cy="2262781"/>
+            <a:off x="2592925" y="2120721"/>
+            <a:ext cx="8915400" cy="3777622"/>
           </a:xfrm>
         </p:spPr>
         <p:txBody>
           <a:bodyPr/>
           <a:lstStyle/>
           <a:p>
-            <a:r>
-              <a:rPr lang="it-IT" dirty="0" smtClean="0">
-                <a:solidFill>
-                  <a:schemeClr val="tx1"/>
-                </a:solidFill>
-              </a:rPr>
-              <a:t>Riuso</a:t>
-            </a:r>
-            <a:endParaRPr lang="it-IT" dirty="0">
-              <a:solidFill>
-                <a:schemeClr val="tx1"/>
-              </a:solidFill>
-            </a:endParaRPr>
+            <a:pPr marL="0" indent="0">
+              <a:buNone/>
+            </a:pPr>
+            <a:r>
+              <a:rPr lang="it-IT" dirty="0" smtClean="0"/>
+              <a:t>Gli approcci utilizzati sono:</a:t>
+            </a:r>
+          </a:p>
+          <a:p>
+            <a:r>
+              <a:rPr lang="it-IT" dirty="0" smtClean="0"/>
+              <a:t>Design pattern</a:t>
+            </a:r>
+          </a:p>
+          <a:p>
+            <a:r>
+              <a:rPr lang="it-IT" dirty="0" smtClean="0"/>
+              <a:t>Generatori (</a:t>
+            </a:r>
+            <a:r>
+              <a:rPr lang="it-IT" dirty="0" err="1" smtClean="0"/>
+              <a:t>getter</a:t>
+            </a:r>
+            <a:r>
+              <a:rPr lang="it-IT" dirty="0" smtClean="0"/>
+              <a:t>, setter, 9patch)</a:t>
+            </a:r>
+          </a:p>
+          <a:p>
+            <a:r>
+              <a:rPr lang="it-IT" dirty="0" smtClean="0"/>
+              <a:t>Riuso di classi e codice già presente in altri programmi </a:t>
+            </a:r>
+          </a:p>
+          <a:p>
+            <a:r>
+              <a:rPr lang="it-IT" dirty="0" smtClean="0"/>
+              <a:t>Framework </a:t>
+            </a:r>
+          </a:p>
+          <a:p>
+            <a:endParaRPr lang="it-IT" dirty="0"/>
+          </a:p>
+          <a:p>
+            <a:pPr marL="0" indent="0">
+              <a:buNone/>
+            </a:pPr>
+            <a:endParaRPr lang="it-IT" dirty="0" smtClean="0"/>
+          </a:p>
+          <a:p>
+            <a:pPr marL="0" indent="0">
+              <a:buNone/>
+            </a:pPr>
+            <a:endParaRPr lang="it-IT" dirty="0" smtClean="0"/>
           </a:p>
         </p:txBody>
       </p:sp>
     </p:spTree>
     <p:extLst>
       <p:ext uri="{BB962C8B-B14F-4D97-AF65-F5344CB8AC3E}">
-        <p14:creationId xmlns:p14="http://schemas.microsoft.com/office/powerpoint/2010/main" val="1688323172"/>
+        <p14:creationId xmlns:p14="http://schemas.microsoft.com/office/powerpoint/2010/main" val="507578762"/>
       </p:ext>
     </p:extLst>
   </p:cSld>
   <p:clrMapOvr>
     <a:masterClrMapping/>
   </p:clrMapOvr>
-  <p:timing>
-    <p:tnLst>
-      <p:par>
-        <p:cTn id="1" dur="indefinite" restart="never" nodeType="tmRoot"/>
-      </p:par>
-    </p:tnLst>
-  </p:timing>
 </p:sld>
 </file>
 
@@ -19195,16 +18844,14 @@
         </p:nvSpPr>
         <p:spPr/>
         <p:txBody>
-          <a:bodyPr>
-            <a:normAutofit/>
-          </a:bodyPr>
+          <a:bodyPr/>
           <a:lstStyle/>
           <a:p>
             <a:r>
-              <a:rPr lang="it-IT" sz="3200" dirty="0" smtClean="0"/>
-              <a:t>Riuso</a:t>
-            </a:r>
-            <a:endParaRPr lang="it-IT" sz="3200" dirty="0"/>
+              <a:rPr lang="it-IT" dirty="0" smtClean="0"/>
+              <a:t>Effetti del riuso						</a:t>
+            </a:r>
+            <a:endParaRPr lang="it-IT" dirty="0"/>
           </a:p>
         </p:txBody>
       </p:sp>
@@ -19218,12 +18865,7 @@
             <p:ph idx="1"/>
           </p:nvPr>
         </p:nvSpPr>
-        <p:spPr>
-          <a:xfrm>
-            <a:off x="2592925" y="2120721"/>
-            <a:ext cx="8915400" cy="3777622"/>
-          </a:xfrm>
-        </p:spPr>
+        <p:spPr/>
         <p:txBody>
           <a:bodyPr/>
           <a:lstStyle/>
@@ -19233,62 +18875,41 @@
             </a:pPr>
             <a:r>
               <a:rPr lang="it-IT" dirty="0" smtClean="0"/>
-              <a:t>Gli approcci utilizzati sono:</a:t>
+              <a:t>Si è cercato di creare all’interno delle applicazioni, ove possibile, componenti riusabili. Ciò ha comportato una serie di problemi:</a:t>
             </a:r>
           </a:p>
           <a:p>
             <a:r>
               <a:rPr lang="it-IT" dirty="0" smtClean="0"/>
-              <a:t>Design pattern</a:t>
-            </a:r>
-          </a:p>
-          <a:p>
-            <a:r>
-              <a:rPr lang="it-IT" dirty="0" smtClean="0"/>
-              <a:t>Generatori (</a:t>
-            </a:r>
-            <a:r>
-              <a:rPr lang="it-IT" dirty="0" err="1" smtClean="0"/>
-              <a:t>getter</a:t>
-            </a:r>
-            <a:r>
-              <a:rPr lang="it-IT" dirty="0" smtClean="0"/>
-              <a:t>, setter, 9patch)</a:t>
-            </a:r>
-          </a:p>
-          <a:p>
-            <a:r>
-              <a:rPr lang="it-IT" dirty="0" smtClean="0"/>
-              <a:t>Riuso di classi e codice già presente in altri programmi </a:t>
-            </a:r>
-          </a:p>
-          <a:p>
-            <a:r>
-              <a:rPr lang="it-IT" dirty="0" smtClean="0"/>
-              <a:t>Framework </a:t>
-            </a:r>
-          </a:p>
-          <a:p>
-            <a:endParaRPr lang="it-IT" dirty="0"/>
+              <a:t>I </a:t>
+            </a:r>
+            <a:r>
+              <a:rPr lang="it-IT" dirty="0" smtClean="0">
+                <a:sym typeface="Wingdings" panose="05000000000000000000" pitchFamily="2" charset="2"/>
+              </a:rPr>
+              <a:t>tempi di sviluppo sono aumentati</a:t>
+            </a:r>
+          </a:p>
+          <a:p>
+            <a:r>
+              <a:rPr lang="it-IT" dirty="0" smtClean="0">
+                <a:sym typeface="Wingdings" panose="05000000000000000000" pitchFamily="2" charset="2"/>
+              </a:rPr>
+              <a:t>Comprendere e adattare componenti riusabili</a:t>
+            </a:r>
           </a:p>
           <a:p>
             <a:pPr marL="0" indent="0">
               <a:buNone/>
             </a:pPr>
-            <a:endParaRPr lang="it-IT" dirty="0" smtClean="0"/>
-          </a:p>
-          <a:p>
-            <a:pPr marL="0" indent="0">
-              <a:buNone/>
-            </a:pPr>
-            <a:endParaRPr lang="it-IT" dirty="0" smtClean="0"/>
+            <a:endParaRPr lang="it-IT" dirty="0"/>
           </a:p>
         </p:txBody>
       </p:sp>
     </p:spTree>
     <p:extLst>
       <p:ext uri="{BB962C8B-B14F-4D97-AF65-F5344CB8AC3E}">
-        <p14:creationId xmlns:p14="http://schemas.microsoft.com/office/powerpoint/2010/main" val="507578762"/>
+        <p14:creationId xmlns:p14="http://schemas.microsoft.com/office/powerpoint/2010/main" val="1402492972"/>
       </p:ext>
     </p:extLst>
   </p:cSld>
@@ -19322,110 +18943,6 @@
             <a:spLocks noGrp="1"/>
           </p:cNvSpPr>
           <p:nvPr>
-            <p:ph type="title"/>
-          </p:nvPr>
-        </p:nvSpPr>
-        <p:spPr/>
-        <p:txBody>
-          <a:bodyPr/>
-          <a:lstStyle/>
-          <a:p>
-            <a:r>
-              <a:rPr lang="it-IT" dirty="0" smtClean="0"/>
-              <a:t>Effetti del riuso						</a:t>
-            </a:r>
-            <a:endParaRPr lang="it-IT" dirty="0"/>
-          </a:p>
-        </p:txBody>
-      </p:sp>
-      <p:sp>
-        <p:nvSpPr>
-          <p:cNvPr id="3" name="Segnaposto contenuto 2"/>
-          <p:cNvSpPr>
-            <a:spLocks noGrp="1"/>
-          </p:cNvSpPr>
-          <p:nvPr>
-            <p:ph idx="1"/>
-          </p:nvPr>
-        </p:nvSpPr>
-        <p:spPr/>
-        <p:txBody>
-          <a:bodyPr/>
-          <a:lstStyle/>
-          <a:p>
-            <a:pPr marL="0" indent="0">
-              <a:buNone/>
-            </a:pPr>
-            <a:r>
-              <a:rPr lang="it-IT" dirty="0" smtClean="0"/>
-              <a:t>Si è cercato di creare all’interno delle applicazioni, ove possibile, componenti riusabili. Ciò ha comportato una serie di problemi:</a:t>
-            </a:r>
-          </a:p>
-          <a:p>
-            <a:r>
-              <a:rPr lang="it-IT" dirty="0" smtClean="0"/>
-              <a:t>I </a:t>
-            </a:r>
-            <a:r>
-              <a:rPr lang="it-IT" dirty="0" smtClean="0">
-                <a:sym typeface="Wingdings" panose="05000000000000000000" pitchFamily="2" charset="2"/>
-              </a:rPr>
-              <a:t>tempi di sviluppo sono aumentati</a:t>
-            </a:r>
-          </a:p>
-          <a:p>
-            <a:r>
-              <a:rPr lang="it-IT" dirty="0" smtClean="0">
-                <a:sym typeface="Wingdings" panose="05000000000000000000" pitchFamily="2" charset="2"/>
-              </a:rPr>
-              <a:t>Comprendere e adattare componenti riusabili</a:t>
-            </a:r>
-          </a:p>
-          <a:p>
-            <a:pPr marL="0" indent="0">
-              <a:buNone/>
-            </a:pPr>
-            <a:endParaRPr lang="it-IT" dirty="0"/>
-          </a:p>
-        </p:txBody>
-      </p:sp>
-    </p:spTree>
-    <p:extLst>
-      <p:ext uri="{BB962C8B-B14F-4D97-AF65-F5344CB8AC3E}">
-        <p14:creationId xmlns:p14="http://schemas.microsoft.com/office/powerpoint/2010/main" val="1402492972"/>
-      </p:ext>
-    </p:extLst>
-  </p:cSld>
-  <p:clrMapOvr>
-    <a:masterClrMapping/>
-  </p:clrMapOvr>
-</p:sld>
-</file>
-
-<file path=ppt/slides/slide56.xml><?xml version="1.0" encoding="utf-8"?>
-<p:sld xmlns:a="http://schemas.openxmlformats.org/drawingml/2006/main" xmlns:r="http://schemas.openxmlformats.org/officeDocument/2006/relationships" xmlns:p="http://schemas.openxmlformats.org/presentationml/2006/main">
-  <p:cSld>
-    <p:spTree>
-      <p:nvGrpSpPr>
-        <p:cNvPr id="1" name=""/>
-        <p:cNvGrpSpPr/>
-        <p:nvPr/>
-      </p:nvGrpSpPr>
-      <p:grpSpPr>
-        <a:xfrm>
-          <a:off x="0" y="0"/>
-          <a:ext cx="0" cy="0"/>
-          <a:chOff x="0" y="0"/>
-          <a:chExt cx="0" cy="0"/>
-        </a:xfrm>
-      </p:grpSpPr>
-      <p:sp>
-        <p:nvSpPr>
-          <p:cNvPr id="2" name="Titolo 1"/>
-          <p:cNvSpPr>
-            <a:spLocks noGrp="1"/>
-          </p:cNvSpPr>
-          <p:nvPr>
             <p:ph type="ctrTitle"/>
           </p:nvPr>
         </p:nvSpPr>
@@ -19475,7 +18992,7 @@
 </p:sld>
 </file>
 
-<file path=ppt/slides/slide57.xml><?xml version="1.0" encoding="utf-8"?>
+<file path=ppt/slides/slide56.xml><?xml version="1.0" encoding="utf-8"?>
 <p:sld xmlns:a="http://schemas.openxmlformats.org/drawingml/2006/main" xmlns:r="http://schemas.openxmlformats.org/officeDocument/2006/relationships" xmlns:p="http://schemas.openxmlformats.org/presentationml/2006/main">
   <p:cSld>
     <p:spTree>
@@ -19569,7 +19086,7 @@
 </p:sld>
 </file>
 
-<file path=ppt/slides/slide58.xml><?xml version="1.0" encoding="utf-8"?>
+<file path=ppt/slides/slide57.xml><?xml version="1.0" encoding="utf-8"?>
 <p:sld xmlns:a="http://schemas.openxmlformats.org/drawingml/2006/main" xmlns:r="http://schemas.openxmlformats.org/officeDocument/2006/relationships" xmlns:p="http://schemas.openxmlformats.org/presentationml/2006/main">
   <p:cSld>
     <p:spTree>
@@ -19663,7 +19180,7 @@
 </p:sld>
 </file>
 
-<file path=ppt/slides/slide59.xml><?xml version="1.0" encoding="utf-8"?>
+<file path=ppt/slides/slide58.xml><?xml version="1.0" encoding="utf-8"?>
 <p:sld xmlns:a="http://schemas.openxmlformats.org/drawingml/2006/main" xmlns:r="http://schemas.openxmlformats.org/officeDocument/2006/relationships" xmlns:p="http://schemas.openxmlformats.org/presentationml/2006/main">
   <p:cSld>
     <p:spTree>
@@ -19736,93 +19253,7 @@
 </p:sld>
 </file>
 
-<file path=ppt/slides/slide6.xml><?xml version="1.0" encoding="utf-8"?>
-<p:sld xmlns:a="http://schemas.openxmlformats.org/drawingml/2006/main" xmlns:r="http://schemas.openxmlformats.org/officeDocument/2006/relationships" xmlns:p="http://schemas.openxmlformats.org/presentationml/2006/main">
-  <p:cSld>
-    <p:spTree>
-      <p:nvGrpSpPr>
-        <p:cNvPr id="1" name=""/>
-        <p:cNvGrpSpPr/>
-        <p:nvPr/>
-      </p:nvGrpSpPr>
-      <p:grpSpPr>
-        <a:xfrm>
-          <a:off x="0" y="0"/>
-          <a:ext cx="0" cy="0"/>
-          <a:chOff x="0" y="0"/>
-          <a:chExt cx="0" cy="0"/>
-        </a:xfrm>
-      </p:grpSpPr>
-      <p:sp>
-        <p:nvSpPr>
-          <p:cNvPr id="4" name="Titolo 3"/>
-          <p:cNvSpPr>
-            <a:spLocks noGrp="1"/>
-          </p:cNvSpPr>
-          <p:nvPr>
-            <p:ph type="title"/>
-          </p:nvPr>
-        </p:nvSpPr>
-        <p:spPr/>
-        <p:txBody>
-          <a:bodyPr/>
-          <a:lstStyle/>
-          <a:p>
-            <a:r>
-              <a:rPr lang="it-IT" dirty="0" smtClean="0"/>
-              <a:t>Ciclo di Vita e</a:t>
-            </a:r>
-            <a:br>
-              <a:rPr lang="it-IT" dirty="0" smtClean="0"/>
-            </a:br>
-            <a:r>
-              <a:rPr lang="it-IT" dirty="0" smtClean="0"/>
-              <a:t>Processo di Sviluppo</a:t>
-            </a:r>
-            <a:endParaRPr lang="it-IT" dirty="0"/>
-          </a:p>
-        </p:txBody>
-      </p:sp>
-      <p:sp>
-        <p:nvSpPr>
-          <p:cNvPr id="6" name="Segnaposto testo 5"/>
-          <p:cNvSpPr>
-            <a:spLocks noGrp="1"/>
-          </p:cNvSpPr>
-          <p:nvPr>
-            <p:ph type="body" idx="1"/>
-          </p:nvPr>
-        </p:nvSpPr>
-        <p:spPr/>
-        <p:txBody>
-          <a:bodyPr/>
-          <a:lstStyle/>
-          <a:p>
-            <a:endParaRPr lang="it-IT" dirty="0"/>
-          </a:p>
-        </p:txBody>
-      </p:sp>
-    </p:spTree>
-    <p:extLst>
-      <p:ext uri="{BB962C8B-B14F-4D97-AF65-F5344CB8AC3E}">
-        <p14:creationId xmlns:p14="http://schemas.microsoft.com/office/powerpoint/2010/main" val="3983402190"/>
-      </p:ext>
-    </p:extLst>
-  </p:cSld>
-  <p:clrMapOvr>
-    <a:masterClrMapping/>
-  </p:clrMapOvr>
-  <p:timing>
-    <p:tnLst>
-      <p:par>
-        <p:cTn id="1" dur="indefinite" restart="never" nodeType="tmRoot"/>
-      </p:par>
-    </p:tnLst>
-  </p:timing>
-</p:sld>
-</file>
-
-<file path=ppt/slides/slide60.xml><?xml version="1.0" encoding="utf-8"?>
+<file path=ppt/slides/slide59.xml><?xml version="1.0" encoding="utf-8"?>
 <p:sld xmlns:a="http://schemas.openxmlformats.org/drawingml/2006/main" xmlns:r="http://schemas.openxmlformats.org/officeDocument/2006/relationships" xmlns:p="http://schemas.openxmlformats.org/presentationml/2006/main">
   <p:cSld>
     <p:spTree>
@@ -19916,7 +19347,93 @@
 </p:sld>
 </file>
 
-<file path=ppt/slides/slide61.xml><?xml version="1.0" encoding="utf-8"?>
+<file path=ppt/slides/slide6.xml><?xml version="1.0" encoding="utf-8"?>
+<p:sld xmlns:a="http://schemas.openxmlformats.org/drawingml/2006/main" xmlns:r="http://schemas.openxmlformats.org/officeDocument/2006/relationships" xmlns:p="http://schemas.openxmlformats.org/presentationml/2006/main">
+  <p:cSld>
+    <p:spTree>
+      <p:nvGrpSpPr>
+        <p:cNvPr id="1" name=""/>
+        <p:cNvGrpSpPr/>
+        <p:nvPr/>
+      </p:nvGrpSpPr>
+      <p:grpSpPr>
+        <a:xfrm>
+          <a:off x="0" y="0"/>
+          <a:ext cx="0" cy="0"/>
+          <a:chOff x="0" y="0"/>
+          <a:chExt cx="0" cy="0"/>
+        </a:xfrm>
+      </p:grpSpPr>
+      <p:sp>
+        <p:nvSpPr>
+          <p:cNvPr id="4" name="Titolo 3"/>
+          <p:cNvSpPr>
+            <a:spLocks noGrp="1"/>
+          </p:cNvSpPr>
+          <p:nvPr>
+            <p:ph type="title"/>
+          </p:nvPr>
+        </p:nvSpPr>
+        <p:spPr/>
+        <p:txBody>
+          <a:bodyPr/>
+          <a:lstStyle/>
+          <a:p>
+            <a:r>
+              <a:rPr lang="it-IT" dirty="0" smtClean="0"/>
+              <a:t>Ciclo di Vita e</a:t>
+            </a:r>
+            <a:br>
+              <a:rPr lang="it-IT" dirty="0" smtClean="0"/>
+            </a:br>
+            <a:r>
+              <a:rPr lang="it-IT" dirty="0" smtClean="0"/>
+              <a:t>Processo di Sviluppo</a:t>
+            </a:r>
+            <a:endParaRPr lang="it-IT" dirty="0"/>
+          </a:p>
+        </p:txBody>
+      </p:sp>
+      <p:sp>
+        <p:nvSpPr>
+          <p:cNvPr id="6" name="Segnaposto testo 5"/>
+          <p:cNvSpPr>
+            <a:spLocks noGrp="1"/>
+          </p:cNvSpPr>
+          <p:nvPr>
+            <p:ph type="body" idx="1"/>
+          </p:nvPr>
+        </p:nvSpPr>
+        <p:spPr/>
+        <p:txBody>
+          <a:bodyPr/>
+          <a:lstStyle/>
+          <a:p>
+            <a:endParaRPr lang="it-IT" dirty="0"/>
+          </a:p>
+        </p:txBody>
+      </p:sp>
+    </p:spTree>
+    <p:extLst>
+      <p:ext uri="{BB962C8B-B14F-4D97-AF65-F5344CB8AC3E}">
+        <p14:creationId xmlns:p14="http://schemas.microsoft.com/office/powerpoint/2010/main" val="3983402190"/>
+      </p:ext>
+    </p:extLst>
+  </p:cSld>
+  <p:clrMapOvr>
+    <a:masterClrMapping/>
+  </p:clrMapOvr>
+  <p:timing>
+    <p:tnLst>
+      <p:par>
+        <p:cTn id="1" dur="indefinite" restart="never" nodeType="tmRoot"/>
+      </p:par>
+    </p:tnLst>
+  </p:timing>
+</p:sld>
+</file>
+
+<file path=ppt/slides/slide60.xml><?xml version="1.0" encoding="utf-8"?>
 <p:sld xmlns:a="http://schemas.openxmlformats.org/drawingml/2006/main" xmlns:r="http://schemas.openxmlformats.org/officeDocument/2006/relationships" xmlns:p="http://schemas.openxmlformats.org/presentationml/2006/main">
   <p:cSld>
     <p:spTree>
@@ -20010,7 +19527,7 @@
 </p:sld>
 </file>
 
-<file path=ppt/slides/slide62.xml><?xml version="1.0" encoding="utf-8"?>
+<file path=ppt/slides/slide61.xml><?xml version="1.0" encoding="utf-8"?>
 <p:sld xmlns:a="http://schemas.openxmlformats.org/drawingml/2006/main" xmlns:r="http://schemas.openxmlformats.org/officeDocument/2006/relationships" xmlns:p="http://schemas.openxmlformats.org/presentationml/2006/main">
   <p:cSld>
     <p:spTree>
@@ -20083,7 +19600,7 @@
 </p:sld>
 </file>
 
-<file path=ppt/slides/slide63.xml><?xml version="1.0" encoding="utf-8"?>
+<file path=ppt/slides/slide62.xml><?xml version="1.0" encoding="utf-8"?>
 <p:sld xmlns:a="http://schemas.openxmlformats.org/drawingml/2006/main" xmlns:r="http://schemas.openxmlformats.org/officeDocument/2006/relationships" xmlns:p="http://schemas.openxmlformats.org/presentationml/2006/main">
   <p:cSld>
     <p:spTree>
@@ -20187,7 +19704,7 @@
 </p:sld>
 </file>
 
-<file path=ppt/slides/slide64.xml><?xml version="1.0" encoding="utf-8"?>
+<file path=ppt/slides/slide63.xml><?xml version="1.0" encoding="utf-8"?>
 <p:sld xmlns:a="http://schemas.openxmlformats.org/drawingml/2006/main" xmlns:r="http://schemas.openxmlformats.org/officeDocument/2006/relationships" xmlns:p="http://schemas.openxmlformats.org/presentationml/2006/main">
   <p:cSld>
     <p:spTree>
@@ -20307,7 +19824,7 @@
 </p:sld>
 </file>
 
-<file path=ppt/slides/slide65.xml><?xml version="1.0" encoding="utf-8"?>
+<file path=ppt/slides/slide64.xml><?xml version="1.0" encoding="utf-8"?>
 <p:sld xmlns:a="http://schemas.openxmlformats.org/drawingml/2006/main" xmlns:r="http://schemas.openxmlformats.org/officeDocument/2006/relationships" xmlns:p="http://schemas.openxmlformats.org/presentationml/2006/main">
   <p:cSld>
     <p:spTree>
@@ -20380,7 +19897,7 @@
 </p:sld>
 </file>
 
-<file path=ppt/slides/slide66.xml><?xml version="1.0" encoding="utf-8"?>
+<file path=ppt/slides/slide65.xml><?xml version="1.0" encoding="utf-8"?>
 <p:sld xmlns:a="http://schemas.openxmlformats.org/drawingml/2006/main" xmlns:r="http://schemas.openxmlformats.org/officeDocument/2006/relationships" xmlns:p="http://schemas.openxmlformats.org/presentationml/2006/main">
   <p:cSld>
     <p:spTree>
@@ -20810,6 +20327,79 @@
 </p:sld>
 </file>
 
+<file path=ppt/slides/slide66.xml><?xml version="1.0" encoding="utf-8"?>
+<p:sld xmlns:a="http://schemas.openxmlformats.org/drawingml/2006/main" xmlns:r="http://schemas.openxmlformats.org/officeDocument/2006/relationships" xmlns:p="http://schemas.openxmlformats.org/presentationml/2006/main">
+  <p:cSld>
+    <p:spTree>
+      <p:nvGrpSpPr>
+        <p:cNvPr id="1" name=""/>
+        <p:cNvGrpSpPr/>
+        <p:nvPr/>
+      </p:nvGrpSpPr>
+      <p:grpSpPr>
+        <a:xfrm>
+          <a:off x="0" y="0"/>
+          <a:ext cx="0" cy="0"/>
+          <a:chOff x="0" y="0"/>
+          <a:chExt cx="0" cy="0"/>
+        </a:xfrm>
+      </p:grpSpPr>
+      <p:sp>
+        <p:nvSpPr>
+          <p:cNvPr id="2" name="Titolo 1"/>
+          <p:cNvSpPr>
+            <a:spLocks noGrp="1"/>
+          </p:cNvSpPr>
+          <p:nvPr>
+            <p:ph type="ctrTitle"/>
+          </p:nvPr>
+        </p:nvSpPr>
+        <p:spPr>
+          <a:xfrm>
+            <a:off x="2589213" y="2875207"/>
+            <a:ext cx="8915399" cy="2262781"/>
+          </a:xfrm>
+        </p:spPr>
+        <p:txBody>
+          <a:bodyPr/>
+          <a:lstStyle/>
+          <a:p>
+            <a:r>
+              <a:rPr lang="it-IT" dirty="0" smtClean="0">
+                <a:solidFill>
+                  <a:schemeClr val="tx1"/>
+                </a:solidFill>
+              </a:rPr>
+              <a:t>Principi SOLID</a:t>
+            </a:r>
+            <a:endParaRPr lang="it-IT" dirty="0">
+              <a:solidFill>
+                <a:schemeClr val="tx1"/>
+              </a:solidFill>
+            </a:endParaRPr>
+          </a:p>
+        </p:txBody>
+      </p:sp>
+    </p:spTree>
+    <p:extLst>
+      <p:ext uri="{BB962C8B-B14F-4D97-AF65-F5344CB8AC3E}">
+        <p14:creationId xmlns:p14="http://schemas.microsoft.com/office/powerpoint/2010/main" val="1848520019"/>
+      </p:ext>
+    </p:extLst>
+  </p:cSld>
+  <p:clrMapOvr>
+    <a:masterClrMapping/>
+  </p:clrMapOvr>
+  <p:timing>
+    <p:tnLst>
+      <p:par>
+        <p:cTn id="1" dur="indefinite" restart="never" nodeType="tmRoot"/>
+      </p:par>
+    </p:tnLst>
+  </p:timing>
+</p:sld>
+</file>
+
 <file path=ppt/slides/slide67.xml><?xml version="1.0" encoding="utf-8"?>
 <p:sld xmlns:a="http://schemas.openxmlformats.org/drawingml/2006/main" xmlns:r="http://schemas.openxmlformats.org/officeDocument/2006/relationships" xmlns:p="http://schemas.openxmlformats.org/presentationml/2006/main">
   <p:cSld>
@@ -20829,20 +20419,15 @@
       </p:grpSpPr>
       <p:sp>
         <p:nvSpPr>
-          <p:cNvPr id="2" name="Titolo 1"/>
+          <p:cNvPr id="10" name="Titolo 9"/>
           <p:cNvSpPr>
             <a:spLocks noGrp="1"/>
           </p:cNvSpPr>
           <p:nvPr>
-            <p:ph type="ctrTitle"/>
-          </p:nvPr>
-        </p:nvSpPr>
-        <p:spPr>
-          <a:xfrm>
-            <a:off x="2589213" y="2875207"/>
-            <a:ext cx="8915399" cy="2262781"/>
-          </a:xfrm>
-        </p:spPr>
+            <p:ph type="title"/>
+          </p:nvPr>
+        </p:nvSpPr>
+        <p:spPr/>
         <p:txBody>
           <a:bodyPr/>
           <a:lstStyle/>
@@ -20850,23 +20435,223 @@
             <a:r>
               <a:rPr lang="it-IT" dirty="0" smtClean="0">
                 <a:solidFill>
-                  <a:schemeClr val="tx1"/>
+                  <a:srgbClr val="2E5369"/>
                 </a:solidFill>
               </a:rPr>
               <a:t>Principi SOLID</a:t>
             </a:r>
             <a:endParaRPr lang="it-IT" dirty="0">
               <a:solidFill>
-                <a:schemeClr val="tx1"/>
+                <a:srgbClr val="2E5369"/>
               </a:solidFill>
             </a:endParaRPr>
+          </a:p>
+        </p:txBody>
+      </p:sp>
+      <p:sp>
+        <p:nvSpPr>
+          <p:cNvPr id="11" name="Segnaposto contenuto 10"/>
+          <p:cNvSpPr>
+            <a:spLocks noGrp="1"/>
+          </p:cNvSpPr>
+          <p:nvPr>
+            <p:ph idx="1"/>
+          </p:nvPr>
+        </p:nvSpPr>
+        <p:spPr/>
+        <p:txBody>
+          <a:bodyPr>
+            <a:normAutofit lnSpcReduction="10000"/>
+          </a:bodyPr>
+          <a:lstStyle/>
+          <a:p>
+            <a:r>
+              <a:rPr lang="it-IT" b="1" dirty="0"/>
+              <a:t>Single </a:t>
+            </a:r>
+            <a:r>
+              <a:rPr lang="it-IT" b="1" dirty="0" err="1" smtClean="0"/>
+              <a:t>responsibility</a:t>
+            </a:r>
+            <a:r>
+              <a:rPr lang="it-IT" b="1" dirty="0" smtClean="0"/>
+              <a:t>: </a:t>
+            </a:r>
+            <a:r>
+              <a:rPr lang="it-IT" dirty="0"/>
+              <a:t>Una classe dovrebbe avere una sola ragione per cambiare</a:t>
+            </a:r>
+            <a:endParaRPr lang="it-IT" b="1" dirty="0" smtClean="0"/>
+          </a:p>
+          <a:p>
+            <a:r>
+              <a:rPr lang="it-IT" b="1" dirty="0"/>
+              <a:t>Open </a:t>
+            </a:r>
+            <a:r>
+              <a:rPr lang="it-IT" b="1" dirty="0" err="1" smtClean="0"/>
+              <a:t>close</a:t>
+            </a:r>
+            <a:r>
+              <a:rPr lang="it-IT" b="1" dirty="0" smtClean="0"/>
+              <a:t>: </a:t>
+            </a:r>
+            <a:r>
+              <a:rPr lang="it-IT" dirty="0"/>
+              <a:t>Le </a:t>
+            </a:r>
+            <a:r>
+              <a:rPr lang="it-IT" dirty="0" err="1"/>
+              <a:t>entita</a:t>
+            </a:r>
+            <a:r>
+              <a:rPr lang="it-IT" dirty="0"/>
+              <a:t> </a:t>
+            </a:r>
+            <a:r>
+              <a:rPr lang="it-IT" dirty="0" smtClean="0"/>
+              <a:t>dovrebbe </a:t>
+            </a:r>
+            <a:r>
+              <a:rPr lang="it-IT" dirty="0"/>
+              <a:t>essere </a:t>
+            </a:r>
+            <a:r>
+              <a:rPr lang="it-IT" dirty="0" smtClean="0"/>
+              <a:t>aperte </a:t>
+            </a:r>
+            <a:r>
+              <a:rPr lang="it-IT" dirty="0"/>
+              <a:t>per </a:t>
+            </a:r>
+            <a:r>
+              <a:rPr lang="it-IT" dirty="0" smtClean="0"/>
+              <a:t>le estensioni</a:t>
+            </a:r>
+            <a:r>
+              <a:rPr lang="it-IT" dirty="0"/>
+              <a:t>, ma </a:t>
+            </a:r>
+            <a:r>
+              <a:rPr lang="it-IT" dirty="0" smtClean="0"/>
+              <a:t>chiuse </a:t>
+            </a:r>
+            <a:r>
+              <a:rPr lang="it-IT" dirty="0"/>
+              <a:t>alle </a:t>
+            </a:r>
+            <a:r>
+              <a:rPr lang="it-IT" dirty="0" err="1"/>
+              <a:t>modificaioni</a:t>
+            </a:r>
+            <a:r>
+              <a:rPr lang="it-IT" dirty="0"/>
+              <a:t>.</a:t>
+            </a:r>
+            <a:endParaRPr lang="it-IT" b="1" dirty="0" smtClean="0"/>
+          </a:p>
+          <a:p>
+            <a:r>
+              <a:rPr lang="it-IT" b="1" dirty="0" err="1" smtClean="0"/>
+              <a:t>Liskov</a:t>
+            </a:r>
+            <a:r>
+              <a:rPr lang="it-IT" b="1" dirty="0" smtClean="0"/>
+              <a:t>: </a:t>
+            </a:r>
+            <a:r>
+              <a:rPr lang="it-IT" dirty="0" smtClean="0"/>
+              <a:t>I sottotipi </a:t>
+            </a:r>
+            <a:r>
+              <a:rPr lang="it-IT" dirty="0"/>
+              <a:t>dovrebbero essere sostituibili per i </a:t>
+            </a:r>
+            <a:r>
+              <a:rPr lang="it-IT" dirty="0" err="1" smtClean="0"/>
+              <a:t>supertipi</a:t>
+            </a:r>
+            <a:r>
+              <a:rPr lang="it-IT" dirty="0" smtClean="0"/>
+              <a:t>; </a:t>
+            </a:r>
+            <a:r>
+              <a:rPr lang="it-IT" dirty="0"/>
+              <a:t>le classi figlie non devono mai rompere la definizione delle classi genitrici</a:t>
+            </a:r>
+            <a:endParaRPr lang="it-IT" b="1" dirty="0" smtClean="0"/>
+          </a:p>
+          <a:p>
+            <a:r>
+              <a:rPr lang="it-IT" b="1" dirty="0" smtClean="0"/>
+              <a:t>Interface </a:t>
+            </a:r>
+            <a:r>
+              <a:rPr lang="it-IT" b="1" dirty="0" err="1" smtClean="0"/>
+              <a:t>segregation</a:t>
+            </a:r>
+            <a:r>
+              <a:rPr lang="it-IT" b="1" dirty="0" smtClean="0"/>
+              <a:t>: </a:t>
+            </a:r>
+            <a:r>
+              <a:rPr lang="it-IT" dirty="0" smtClean="0"/>
+              <a:t>I Client non dovrebbero essere costretti ad usare interfacce che non possono usare</a:t>
+            </a:r>
+            <a:endParaRPr lang="it-IT" b="1" dirty="0" smtClean="0"/>
+          </a:p>
+          <a:p>
+            <a:r>
+              <a:rPr lang="it-IT" b="1" dirty="0" err="1" smtClean="0"/>
+              <a:t>Dependency</a:t>
+            </a:r>
+            <a:r>
+              <a:rPr lang="it-IT" b="1" dirty="0" smtClean="0"/>
+              <a:t> </a:t>
+            </a:r>
+            <a:r>
+              <a:rPr lang="it-IT" b="1" dirty="0" err="1" smtClean="0"/>
+              <a:t>inversion</a:t>
+            </a:r>
+            <a:r>
+              <a:rPr lang="it-IT" b="1" dirty="0" smtClean="0"/>
+              <a:t>: </a:t>
+            </a:r>
+            <a:r>
+              <a:rPr lang="it-IT" dirty="0"/>
+              <a:t>Un modulo ad alto livello non dovrebbe dipendere </a:t>
+            </a:r>
+            <a:r>
+              <a:rPr lang="it-IT" dirty="0" smtClean="0"/>
+              <a:t>dai moduli </a:t>
+            </a:r>
+            <a:r>
+              <a:rPr lang="it-IT" dirty="0"/>
+              <a:t>a basso </a:t>
+            </a:r>
+            <a:r>
+              <a:rPr lang="it-IT" dirty="0" smtClean="0"/>
+              <a:t>livello; entrambi </a:t>
+            </a:r>
+            <a:r>
+              <a:rPr lang="it-IT" dirty="0"/>
+              <a:t>dovrebbero dipendere dalle </a:t>
+            </a:r>
+            <a:r>
+              <a:rPr lang="it-IT" dirty="0" smtClean="0"/>
+              <a:t>astrazioni. Le </a:t>
+            </a:r>
+            <a:r>
+              <a:rPr lang="it-IT" dirty="0"/>
+              <a:t>astrazioni non dovrebbe dipendere dai dettagli, sono i dettagli che devono dipendere dalle astrazioni.</a:t>
+            </a:r>
           </a:p>
         </p:txBody>
       </p:sp>
     </p:spTree>
     <p:extLst>
       <p:ext uri="{BB962C8B-B14F-4D97-AF65-F5344CB8AC3E}">
-        <p14:creationId xmlns:p14="http://schemas.microsoft.com/office/powerpoint/2010/main" val="1848520019"/>
+        <p14:creationId xmlns:p14="http://schemas.microsoft.com/office/powerpoint/2010/main" val="1330301183"/>
       </p:ext>
     </p:extLst>
   </p:cSld>
@@ -20902,274 +20687,6 @@
       </p:grpSpPr>
       <p:sp>
         <p:nvSpPr>
-          <p:cNvPr id="10" name="Titolo 9"/>
-          <p:cNvSpPr>
-            <a:spLocks noGrp="1"/>
-          </p:cNvSpPr>
-          <p:nvPr>
-            <p:ph type="title"/>
-          </p:nvPr>
-        </p:nvSpPr>
-        <p:spPr/>
-        <p:txBody>
-          <a:bodyPr/>
-          <a:lstStyle/>
-          <a:p>
-            <a:r>
-              <a:rPr lang="it-IT" dirty="0" smtClean="0">
-                <a:solidFill>
-                  <a:srgbClr val="2E5369"/>
-                </a:solidFill>
-              </a:rPr>
-              <a:t>Principi SOLID</a:t>
-            </a:r>
-            <a:endParaRPr lang="it-IT" dirty="0">
-              <a:solidFill>
-                <a:srgbClr val="2E5369"/>
-              </a:solidFill>
-            </a:endParaRPr>
-          </a:p>
-        </p:txBody>
-      </p:sp>
-      <p:sp>
-        <p:nvSpPr>
-          <p:cNvPr id="11" name="Segnaposto contenuto 10"/>
-          <p:cNvSpPr>
-            <a:spLocks noGrp="1"/>
-          </p:cNvSpPr>
-          <p:nvPr>
-            <p:ph idx="1"/>
-          </p:nvPr>
-        </p:nvSpPr>
-        <p:spPr/>
-        <p:txBody>
-          <a:bodyPr>
-            <a:normAutofit lnSpcReduction="10000"/>
-          </a:bodyPr>
-          <a:lstStyle/>
-          <a:p>
-            <a:r>
-              <a:rPr lang="it-IT" b="1" dirty="0"/>
-              <a:t>Single </a:t>
-            </a:r>
-            <a:r>
-              <a:rPr lang="it-IT" b="1" dirty="0" err="1" smtClean="0"/>
-              <a:t>responsibility</a:t>
-            </a:r>
-            <a:r>
-              <a:rPr lang="it-IT" b="1" dirty="0" smtClean="0"/>
-              <a:t>: </a:t>
-            </a:r>
-            <a:r>
-              <a:rPr lang="it-IT" dirty="0"/>
-              <a:t>Una classe dovrebbe avere una sola ragione per cambiare</a:t>
-            </a:r>
-            <a:endParaRPr lang="it-IT" b="1" dirty="0" smtClean="0"/>
-          </a:p>
-          <a:p>
-            <a:r>
-              <a:rPr lang="it-IT" b="1" dirty="0"/>
-              <a:t>Open </a:t>
-            </a:r>
-            <a:r>
-              <a:rPr lang="it-IT" b="1" dirty="0" err="1" smtClean="0"/>
-              <a:t>close</a:t>
-            </a:r>
-            <a:r>
-              <a:rPr lang="it-IT" b="1" dirty="0" smtClean="0"/>
-              <a:t>: </a:t>
-            </a:r>
-            <a:r>
-              <a:rPr lang="it-IT" dirty="0"/>
-              <a:t>Le </a:t>
-            </a:r>
-            <a:r>
-              <a:rPr lang="it-IT" dirty="0" err="1"/>
-              <a:t>entita</a:t>
-            </a:r>
-            <a:r>
-              <a:rPr lang="it-IT" dirty="0"/>
-              <a:t> </a:t>
-            </a:r>
-            <a:r>
-              <a:rPr lang="it-IT" dirty="0" smtClean="0"/>
-              <a:t>dovrebbe </a:t>
-            </a:r>
-            <a:r>
-              <a:rPr lang="it-IT" dirty="0"/>
-              <a:t>essere </a:t>
-            </a:r>
-            <a:r>
-              <a:rPr lang="it-IT" dirty="0" smtClean="0"/>
-              <a:t>aperte </a:t>
-            </a:r>
-            <a:r>
-              <a:rPr lang="it-IT" dirty="0"/>
-              <a:t>per </a:t>
-            </a:r>
-            <a:r>
-              <a:rPr lang="it-IT" dirty="0" smtClean="0"/>
-              <a:t>le estensioni</a:t>
-            </a:r>
-            <a:r>
-              <a:rPr lang="it-IT" dirty="0"/>
-              <a:t>, ma </a:t>
-            </a:r>
-            <a:r>
-              <a:rPr lang="it-IT" dirty="0" smtClean="0"/>
-              <a:t>chiuse </a:t>
-            </a:r>
-            <a:r>
-              <a:rPr lang="it-IT" dirty="0"/>
-              <a:t>alle </a:t>
-            </a:r>
-            <a:r>
-              <a:rPr lang="it-IT" dirty="0" err="1"/>
-              <a:t>modificaioni</a:t>
-            </a:r>
-            <a:r>
-              <a:rPr lang="it-IT" dirty="0"/>
-              <a:t>.</a:t>
-            </a:r>
-            <a:endParaRPr lang="it-IT" b="1" dirty="0" smtClean="0"/>
-          </a:p>
-          <a:p>
-            <a:r>
-              <a:rPr lang="it-IT" b="1" dirty="0" err="1" smtClean="0"/>
-              <a:t>Liskov</a:t>
-            </a:r>
-            <a:r>
-              <a:rPr lang="it-IT" b="1" dirty="0" smtClean="0"/>
-              <a:t>: </a:t>
-            </a:r>
-            <a:r>
-              <a:rPr lang="it-IT" dirty="0" smtClean="0"/>
-              <a:t>I sottotipi </a:t>
-            </a:r>
-            <a:r>
-              <a:rPr lang="it-IT" dirty="0"/>
-              <a:t>dovrebbero essere sostituibili per i </a:t>
-            </a:r>
-            <a:r>
-              <a:rPr lang="it-IT" dirty="0" err="1" smtClean="0"/>
-              <a:t>supertipi</a:t>
-            </a:r>
-            <a:r>
-              <a:rPr lang="it-IT" dirty="0" smtClean="0"/>
-              <a:t>; </a:t>
-            </a:r>
-            <a:r>
-              <a:rPr lang="it-IT" dirty="0"/>
-              <a:t>le classi figlie non devono mai rompere la definizione delle classi genitrici</a:t>
-            </a:r>
-            <a:endParaRPr lang="it-IT" b="1" dirty="0" smtClean="0"/>
-          </a:p>
-          <a:p>
-            <a:r>
-              <a:rPr lang="it-IT" b="1" dirty="0" smtClean="0"/>
-              <a:t>Interface </a:t>
-            </a:r>
-            <a:r>
-              <a:rPr lang="it-IT" b="1" dirty="0" err="1" smtClean="0"/>
-              <a:t>segregation</a:t>
-            </a:r>
-            <a:r>
-              <a:rPr lang="it-IT" b="1" dirty="0" smtClean="0"/>
-              <a:t>: </a:t>
-            </a:r>
-            <a:r>
-              <a:rPr lang="it-IT" dirty="0" smtClean="0"/>
-              <a:t>I Client non dovrebbero essere costretti ad usare interfacce che non possono usare</a:t>
-            </a:r>
-            <a:endParaRPr lang="it-IT" b="1" dirty="0" smtClean="0"/>
-          </a:p>
-          <a:p>
-            <a:r>
-              <a:rPr lang="it-IT" b="1" dirty="0" err="1" smtClean="0"/>
-              <a:t>Dependency</a:t>
-            </a:r>
-            <a:r>
-              <a:rPr lang="it-IT" b="1" dirty="0" smtClean="0"/>
-              <a:t> </a:t>
-            </a:r>
-            <a:r>
-              <a:rPr lang="it-IT" b="1" dirty="0" err="1" smtClean="0"/>
-              <a:t>inversion</a:t>
-            </a:r>
-            <a:r>
-              <a:rPr lang="it-IT" b="1" dirty="0" smtClean="0"/>
-              <a:t>: </a:t>
-            </a:r>
-            <a:r>
-              <a:rPr lang="it-IT" dirty="0"/>
-              <a:t>Un modulo ad alto livello non dovrebbe dipendere </a:t>
-            </a:r>
-            <a:r>
-              <a:rPr lang="it-IT" dirty="0" smtClean="0"/>
-              <a:t>dai moduli </a:t>
-            </a:r>
-            <a:r>
-              <a:rPr lang="it-IT" dirty="0"/>
-              <a:t>a basso </a:t>
-            </a:r>
-            <a:r>
-              <a:rPr lang="it-IT" dirty="0" smtClean="0"/>
-              <a:t>livello; entrambi </a:t>
-            </a:r>
-            <a:r>
-              <a:rPr lang="it-IT" dirty="0"/>
-              <a:t>dovrebbero dipendere dalle </a:t>
-            </a:r>
-            <a:r>
-              <a:rPr lang="it-IT" dirty="0" smtClean="0"/>
-              <a:t>astrazioni. Le </a:t>
-            </a:r>
-            <a:r>
-              <a:rPr lang="it-IT" dirty="0"/>
-              <a:t>astrazioni non dovrebbe dipendere dai dettagli, sono i dettagli che devono dipendere dalle astrazioni.</a:t>
-            </a:r>
-          </a:p>
-        </p:txBody>
-      </p:sp>
-    </p:spTree>
-    <p:extLst>
-      <p:ext uri="{BB962C8B-B14F-4D97-AF65-F5344CB8AC3E}">
-        <p14:creationId xmlns:p14="http://schemas.microsoft.com/office/powerpoint/2010/main" val="1330301183"/>
-      </p:ext>
-    </p:extLst>
-  </p:cSld>
-  <p:clrMapOvr>
-    <a:masterClrMapping/>
-  </p:clrMapOvr>
-  <p:timing>
-    <p:tnLst>
-      <p:par>
-        <p:cTn id="1" dur="indefinite" restart="never" nodeType="tmRoot"/>
-      </p:par>
-    </p:tnLst>
-  </p:timing>
-</p:sld>
-</file>
-
-<file path=ppt/slides/slide69.xml><?xml version="1.0" encoding="utf-8"?>
-<p:sld xmlns:a="http://schemas.openxmlformats.org/drawingml/2006/main" xmlns:r="http://schemas.openxmlformats.org/officeDocument/2006/relationships" xmlns:p="http://schemas.openxmlformats.org/presentationml/2006/main">
-  <p:cSld>
-    <p:spTree>
-      <p:nvGrpSpPr>
-        <p:cNvPr id="1" name=""/>
-        <p:cNvGrpSpPr/>
-        <p:nvPr/>
-      </p:nvGrpSpPr>
-      <p:grpSpPr>
-        <a:xfrm>
-          <a:off x="0" y="0"/>
-          <a:ext cx="0" cy="0"/>
-          <a:chOff x="0" y="0"/>
-          <a:chExt cx="0" cy="0"/>
-        </a:xfrm>
-      </p:grpSpPr>
-      <p:sp>
-        <p:nvSpPr>
           <p:cNvPr id="2" name="Titolo 1"/>
           <p:cNvSpPr>
             <a:spLocks noGrp="1"/>
@@ -21462,135 +20979,7 @@
 </p:sld>
 </file>
 
-<file path=ppt/slides/slide7.xml><?xml version="1.0" encoding="utf-8"?>
-<p:sld xmlns:a="http://schemas.openxmlformats.org/drawingml/2006/main" xmlns:r="http://schemas.openxmlformats.org/officeDocument/2006/relationships" xmlns:p="http://schemas.openxmlformats.org/presentationml/2006/main">
-  <p:cSld>
-    <p:spTree>
-      <p:nvGrpSpPr>
-        <p:cNvPr id="1" name=""/>
-        <p:cNvGrpSpPr/>
-        <p:nvPr/>
-      </p:nvGrpSpPr>
-      <p:grpSpPr>
-        <a:xfrm>
-          <a:off x="0" y="0"/>
-          <a:ext cx="0" cy="0"/>
-          <a:chOff x="0" y="0"/>
-          <a:chExt cx="0" cy="0"/>
-        </a:xfrm>
-      </p:grpSpPr>
-      <p:sp>
-        <p:nvSpPr>
-          <p:cNvPr id="4" name="Titolo 3"/>
-          <p:cNvSpPr>
-            <a:spLocks noGrp="1"/>
-          </p:cNvSpPr>
-          <p:nvPr>
-            <p:ph type="title"/>
-          </p:nvPr>
-        </p:nvSpPr>
-        <p:spPr/>
-        <p:txBody>
-          <a:bodyPr/>
-          <a:lstStyle/>
-          <a:p>
-            <a:r>
-              <a:rPr lang="it-IT" dirty="0" smtClean="0"/>
-              <a:t>Ciclo di Vita</a:t>
-            </a:r>
-            <a:endParaRPr lang="it-IT" dirty="0"/>
-          </a:p>
-        </p:txBody>
-      </p:sp>
-      <p:sp>
-        <p:nvSpPr>
-          <p:cNvPr id="5" name="Segnaposto contenuto 4"/>
-          <p:cNvSpPr>
-            <a:spLocks noGrp="1"/>
-          </p:cNvSpPr>
-          <p:nvPr>
-            <p:ph idx="1"/>
-          </p:nvPr>
-        </p:nvSpPr>
-        <p:spPr/>
-        <p:txBody>
-          <a:bodyPr/>
-          <a:lstStyle/>
-          <a:p>
-            <a:pPr marL="400050"/>
-            <a:r>
-              <a:rPr lang="it-IT" dirty="0" smtClean="0"/>
-              <a:t>Necessità</a:t>
-            </a:r>
-          </a:p>
-          <a:p>
-            <a:pPr marL="800100" lvl="1"/>
-            <a:r>
-              <a:rPr lang="it-IT" dirty="0" smtClean="0"/>
-              <a:t>Riduzione del carico di </a:t>
-            </a:r>
-            <a:r>
-              <a:rPr lang="it-IT" dirty="0"/>
-              <a:t>lavoro del centralino tramite automatizzazione della </a:t>
-            </a:r>
-            <a:r>
-              <a:rPr lang="it-IT" dirty="0" smtClean="0"/>
-              <a:t>risoluzione </a:t>
-            </a:r>
-            <a:r>
-              <a:rPr lang="it-IT" dirty="0"/>
-              <a:t>di problematiche di carattere generale</a:t>
-            </a:r>
-            <a:r>
-              <a:rPr lang="it-IT" dirty="0" smtClean="0"/>
-              <a:t>.</a:t>
-            </a:r>
-          </a:p>
-          <a:p>
-            <a:pPr marL="400050"/>
-            <a:r>
-              <a:rPr lang="it-IT" dirty="0" smtClean="0"/>
-              <a:t>Progettazione</a:t>
-            </a:r>
-          </a:p>
-          <a:p>
-            <a:pPr marL="400050"/>
-            <a:r>
-              <a:rPr lang="it-IT" dirty="0" smtClean="0"/>
-              <a:t>Produzione</a:t>
-            </a:r>
-          </a:p>
-          <a:p>
-            <a:pPr marL="400050"/>
-            <a:r>
-              <a:rPr lang="it-IT" dirty="0" smtClean="0"/>
-              <a:t>Verifica</a:t>
-            </a:r>
-            <a:endParaRPr lang="it-IT" dirty="0"/>
-          </a:p>
-        </p:txBody>
-      </p:sp>
-    </p:spTree>
-    <p:extLst>
-      <p:ext uri="{BB962C8B-B14F-4D97-AF65-F5344CB8AC3E}">
-        <p14:creationId xmlns:p14="http://schemas.microsoft.com/office/powerpoint/2010/main" val="174729958"/>
-      </p:ext>
-    </p:extLst>
-  </p:cSld>
-  <p:clrMapOvr>
-    <a:masterClrMapping/>
-  </p:clrMapOvr>
-  <p:timing>
-    <p:tnLst>
-      <p:par>
-        <p:cTn id="1" dur="indefinite" restart="never" nodeType="tmRoot"/>
-      </p:par>
-    </p:tnLst>
-  </p:timing>
-</p:sld>
-</file>
-
-<file path=ppt/slides/slide70.xml><?xml version="1.0" encoding="utf-8"?>
+<file path=ppt/slides/slide69.xml><?xml version="1.0" encoding="utf-8"?>
 <p:sld xmlns:a="http://schemas.openxmlformats.org/drawingml/2006/main" xmlns:r="http://schemas.openxmlformats.org/officeDocument/2006/relationships" xmlns:p="http://schemas.openxmlformats.org/presentationml/2006/main">
   <p:cSld>
     <p:spTree>
@@ -21703,7 +21092,135 @@
 </p:sld>
 </file>
 
-<file path=ppt/slides/slide71.xml><?xml version="1.0" encoding="utf-8"?>
+<file path=ppt/slides/slide7.xml><?xml version="1.0" encoding="utf-8"?>
+<p:sld xmlns:a="http://schemas.openxmlformats.org/drawingml/2006/main" xmlns:r="http://schemas.openxmlformats.org/officeDocument/2006/relationships" xmlns:p="http://schemas.openxmlformats.org/presentationml/2006/main">
+  <p:cSld>
+    <p:spTree>
+      <p:nvGrpSpPr>
+        <p:cNvPr id="1" name=""/>
+        <p:cNvGrpSpPr/>
+        <p:nvPr/>
+      </p:nvGrpSpPr>
+      <p:grpSpPr>
+        <a:xfrm>
+          <a:off x="0" y="0"/>
+          <a:ext cx="0" cy="0"/>
+          <a:chOff x="0" y="0"/>
+          <a:chExt cx="0" cy="0"/>
+        </a:xfrm>
+      </p:grpSpPr>
+      <p:sp>
+        <p:nvSpPr>
+          <p:cNvPr id="4" name="Titolo 3"/>
+          <p:cNvSpPr>
+            <a:spLocks noGrp="1"/>
+          </p:cNvSpPr>
+          <p:nvPr>
+            <p:ph type="title"/>
+          </p:nvPr>
+        </p:nvSpPr>
+        <p:spPr/>
+        <p:txBody>
+          <a:bodyPr/>
+          <a:lstStyle/>
+          <a:p>
+            <a:r>
+              <a:rPr lang="it-IT" dirty="0" smtClean="0"/>
+              <a:t>Ciclo di Vita</a:t>
+            </a:r>
+            <a:endParaRPr lang="it-IT" dirty="0"/>
+          </a:p>
+        </p:txBody>
+      </p:sp>
+      <p:sp>
+        <p:nvSpPr>
+          <p:cNvPr id="5" name="Segnaposto contenuto 4"/>
+          <p:cNvSpPr>
+            <a:spLocks noGrp="1"/>
+          </p:cNvSpPr>
+          <p:nvPr>
+            <p:ph idx="1"/>
+          </p:nvPr>
+        </p:nvSpPr>
+        <p:spPr/>
+        <p:txBody>
+          <a:bodyPr/>
+          <a:lstStyle/>
+          <a:p>
+            <a:pPr marL="400050"/>
+            <a:r>
+              <a:rPr lang="it-IT" dirty="0" smtClean="0"/>
+              <a:t>Necessità</a:t>
+            </a:r>
+          </a:p>
+          <a:p>
+            <a:pPr marL="800100" lvl="1"/>
+            <a:r>
+              <a:rPr lang="it-IT" dirty="0" smtClean="0"/>
+              <a:t>Riduzione del carico di </a:t>
+            </a:r>
+            <a:r>
+              <a:rPr lang="it-IT" dirty="0"/>
+              <a:t>lavoro del centralino tramite automatizzazione della </a:t>
+            </a:r>
+            <a:r>
+              <a:rPr lang="it-IT" dirty="0" smtClean="0"/>
+              <a:t>risoluzione </a:t>
+            </a:r>
+            <a:r>
+              <a:rPr lang="it-IT" dirty="0"/>
+              <a:t>di problematiche di carattere generale</a:t>
+            </a:r>
+            <a:r>
+              <a:rPr lang="it-IT" dirty="0" smtClean="0"/>
+              <a:t>.</a:t>
+            </a:r>
+          </a:p>
+          <a:p>
+            <a:pPr marL="400050"/>
+            <a:r>
+              <a:rPr lang="it-IT" dirty="0" smtClean="0"/>
+              <a:t>Progettazione</a:t>
+            </a:r>
+          </a:p>
+          <a:p>
+            <a:pPr marL="400050"/>
+            <a:r>
+              <a:rPr lang="it-IT" dirty="0" smtClean="0"/>
+              <a:t>Produzione</a:t>
+            </a:r>
+          </a:p>
+          <a:p>
+            <a:pPr marL="400050"/>
+            <a:r>
+              <a:rPr lang="it-IT" dirty="0" smtClean="0"/>
+              <a:t>Verifica</a:t>
+            </a:r>
+            <a:endParaRPr lang="it-IT" dirty="0"/>
+          </a:p>
+        </p:txBody>
+      </p:sp>
+    </p:spTree>
+    <p:extLst>
+      <p:ext uri="{BB962C8B-B14F-4D97-AF65-F5344CB8AC3E}">
+        <p14:creationId xmlns:p14="http://schemas.microsoft.com/office/powerpoint/2010/main" val="174729958"/>
+      </p:ext>
+    </p:extLst>
+  </p:cSld>
+  <p:clrMapOvr>
+    <a:masterClrMapping/>
+  </p:clrMapOvr>
+  <p:timing>
+    <p:tnLst>
+      <p:par>
+        <p:cTn id="1" dur="indefinite" restart="never" nodeType="tmRoot"/>
+      </p:par>
+    </p:tnLst>
+  </p:timing>
+</p:sld>
+</file>
+
+<file path=ppt/slides/slide70.xml><?xml version="1.0" encoding="utf-8"?>
 <p:sld xmlns:a="http://schemas.openxmlformats.org/drawingml/2006/main" xmlns:r="http://schemas.openxmlformats.org/officeDocument/2006/relationships" xmlns:p="http://schemas.openxmlformats.org/presentationml/2006/main">
   <p:cSld>
     <p:spTree>
@@ -21897,7 +21414,7 @@
 </p:sld>
 </file>
 
-<file path=ppt/slides/slide72.xml><?xml version="1.0" encoding="utf-8"?>
+<file path=ppt/slides/slide71.xml><?xml version="1.0" encoding="utf-8"?>
 <p:sld xmlns:a="http://schemas.openxmlformats.org/drawingml/2006/main" xmlns:r="http://schemas.openxmlformats.org/officeDocument/2006/relationships" xmlns:p="http://schemas.openxmlformats.org/presentationml/2006/main">
   <p:cSld>
     <p:spTree>
@@ -22013,186 +21530,6 @@
     <p:extLst>
       <p:ext uri="{BB962C8B-B14F-4D97-AF65-F5344CB8AC3E}">
         <p14:creationId xmlns:p14="http://schemas.microsoft.com/office/powerpoint/2010/main" val="1153263590"/>
-      </p:ext>
-    </p:extLst>
-  </p:cSld>
-  <p:clrMapOvr>
-    <a:masterClrMapping/>
-  </p:clrMapOvr>
-</p:sld>
-</file>
-
-<file path=ppt/slides/slide73.xml><?xml version="1.0" encoding="utf-8"?>
-<p:sld xmlns:a="http://schemas.openxmlformats.org/drawingml/2006/main" xmlns:r="http://schemas.openxmlformats.org/officeDocument/2006/relationships" xmlns:p="http://schemas.openxmlformats.org/presentationml/2006/main">
-  <p:cSld>
-    <p:spTree>
-      <p:nvGrpSpPr>
-        <p:cNvPr id="1" name=""/>
-        <p:cNvGrpSpPr/>
-        <p:nvPr/>
-      </p:nvGrpSpPr>
-      <p:grpSpPr>
-        <a:xfrm>
-          <a:off x="0" y="0"/>
-          <a:ext cx="0" cy="0"/>
-          <a:chOff x="0" y="0"/>
-          <a:chExt cx="0" cy="0"/>
-        </a:xfrm>
-      </p:grpSpPr>
-      <p:sp>
-        <p:nvSpPr>
-          <p:cNvPr id="2" name="Titolo 1"/>
-          <p:cNvSpPr>
-            <a:spLocks noGrp="1"/>
-          </p:cNvSpPr>
-          <p:nvPr>
-            <p:ph type="title"/>
-          </p:nvPr>
-        </p:nvSpPr>
-        <p:spPr/>
-        <p:txBody>
-          <a:bodyPr/>
-          <a:lstStyle/>
-          <a:p>
-            <a:r>
-              <a:rPr lang="it-IT" dirty="0" smtClean="0"/>
-              <a:t>Conclusioni</a:t>
-            </a:r>
-            <a:endParaRPr lang="it-IT" dirty="0"/>
-          </a:p>
-        </p:txBody>
-      </p:sp>
-      <p:sp>
-        <p:nvSpPr>
-          <p:cNvPr id="3" name="Segnaposto contenuto 2"/>
-          <p:cNvSpPr>
-            <a:spLocks noGrp="1"/>
-          </p:cNvSpPr>
-          <p:nvPr>
-            <p:ph sz="half" idx="1"/>
-          </p:nvPr>
-        </p:nvSpPr>
-        <p:spPr>
-          <a:xfrm>
-            <a:off x="2589211" y="2133600"/>
-            <a:ext cx="9079625" cy="3777622"/>
-          </a:xfrm>
-        </p:spPr>
-        <p:txBody>
-          <a:bodyPr/>
-          <a:lstStyle/>
-          <a:p>
-            <a:pPr marL="0" indent="0">
-              <a:buNone/>
-            </a:pPr>
-            <a:r>
-              <a:rPr lang="it-IT" dirty="0" smtClean="0"/>
-              <a:t>Durante questo corso sono state acquisite le seguenti capacità:</a:t>
-            </a:r>
-          </a:p>
-          <a:p>
-            <a:pPr algn="just"/>
-            <a:r>
-              <a:rPr lang="it-IT" dirty="0" smtClean="0"/>
-              <a:t>Consapevolezza sul come si progetta e sviluppa un software affrontando la pianificazione, progettazione, modellazione e specifica, implementazione, collaudo e verifica, valutazione, manutenzione.</a:t>
-            </a:r>
-          </a:p>
-          <a:p>
-            <a:pPr algn="just"/>
-            <a:r>
-              <a:rPr lang="it-IT" dirty="0" smtClean="0"/>
-              <a:t>Capacità di lavoro in un team gestendo le relative problematiche.</a:t>
-            </a:r>
-          </a:p>
-          <a:p>
-            <a:pPr algn="just"/>
-            <a:r>
-              <a:rPr lang="it-IT" dirty="0" smtClean="0"/>
-              <a:t>Come realizzare documentazione corretta ed esaustiva. </a:t>
-            </a:r>
-          </a:p>
-          <a:p>
-            <a:pPr algn="just"/>
-            <a:r>
-              <a:rPr lang="it-IT" dirty="0" smtClean="0"/>
-              <a:t>Sviluppo usando nuove tecnologie.</a:t>
-            </a:r>
-          </a:p>
-          <a:p>
-            <a:pPr marL="0" indent="0">
-              <a:buNone/>
-            </a:pPr>
-            <a:endParaRPr lang="it-IT" dirty="0"/>
-          </a:p>
-        </p:txBody>
-      </p:sp>
-    </p:spTree>
-    <p:extLst>
-      <p:ext uri="{BB962C8B-B14F-4D97-AF65-F5344CB8AC3E}">
-        <p14:creationId xmlns:p14="http://schemas.microsoft.com/office/powerpoint/2010/main" val="717904145"/>
-      </p:ext>
-    </p:extLst>
-  </p:cSld>
-  <p:clrMapOvr>
-    <a:masterClrMapping/>
-  </p:clrMapOvr>
-</p:sld>
-</file>
-
-<file path=ppt/slides/slide74.xml><?xml version="1.0" encoding="utf-8"?>
-<p:sld xmlns:a="http://schemas.openxmlformats.org/drawingml/2006/main" xmlns:r="http://schemas.openxmlformats.org/officeDocument/2006/relationships" xmlns:p="http://schemas.openxmlformats.org/presentationml/2006/main">
-  <p:cSld>
-    <p:spTree>
-      <p:nvGrpSpPr>
-        <p:cNvPr id="1" name=""/>
-        <p:cNvGrpSpPr/>
-        <p:nvPr/>
-      </p:nvGrpSpPr>
-      <p:grpSpPr>
-        <a:xfrm>
-          <a:off x="0" y="0"/>
-          <a:ext cx="0" cy="0"/>
-          <a:chOff x="0" y="0"/>
-          <a:chExt cx="0" cy="0"/>
-        </a:xfrm>
-      </p:grpSpPr>
-      <p:sp>
-        <p:nvSpPr>
-          <p:cNvPr id="3" name="Segnaposto contenuto 2"/>
-          <p:cNvSpPr>
-            <a:spLocks noGrp="1"/>
-          </p:cNvSpPr>
-          <p:nvPr>
-            <p:ph sz="half" idx="1"/>
-          </p:nvPr>
-        </p:nvSpPr>
-        <p:spPr>
-          <a:xfrm>
-            <a:off x="1961414" y="2960427"/>
-            <a:ext cx="9038681" cy="937146"/>
-          </a:xfrm>
-        </p:spPr>
-        <p:txBody>
-          <a:bodyPr>
-            <a:normAutofit/>
-          </a:bodyPr>
-          <a:lstStyle/>
-          <a:p>
-            <a:pPr marL="0" indent="0" algn="ctr">
-              <a:buNone/>
-            </a:pPr>
-            <a:r>
-              <a:rPr lang="it-IT" sz="3600" dirty="0" smtClean="0"/>
-              <a:t>Grazie per l’attenzione</a:t>
-            </a:r>
-            <a:endParaRPr lang="it-IT" sz="3600" dirty="0"/>
-          </a:p>
-        </p:txBody>
-      </p:sp>
-    </p:spTree>
-    <p:extLst>
-      <p:ext uri="{BB962C8B-B14F-4D97-AF65-F5344CB8AC3E}">
-        <p14:creationId xmlns:p14="http://schemas.microsoft.com/office/powerpoint/2010/main" val="332992143"/>
       </p:ext>
     </p:extLst>
   </p:cSld>

--- a/Slide/slide_FINALI.pptx
+++ b/Slide/slide_FINALI.pptx
@@ -496,11 +496,11 @@
         </c:dLbls>
         <c:gapWidth val="150"/>
         <c:overlap val="100"/>
-        <c:axId val="241170768"/>
-        <c:axId val="241168808"/>
+        <c:axId val="208135280"/>
+        <c:axId val="208135840"/>
       </c:barChart>
       <c:catAx>
-        <c:axId val="241170768"/>
+        <c:axId val="208135280"/>
         <c:scaling>
           <c:orientation val="minMax"/>
         </c:scaling>
@@ -542,7 +542,7 @@
             <a:endParaRPr lang="it-IT"/>
           </a:p>
         </c:txPr>
-        <c:crossAx val="241168808"/>
+        <c:crossAx val="208135840"/>
         <c:crosses val="autoZero"/>
         <c:auto val="1"/>
         <c:lblAlgn val="ctr"/>
@@ -550,7 +550,7 @@
         <c:noMultiLvlLbl val="0"/>
       </c:catAx>
       <c:valAx>
-        <c:axId val="241168808"/>
+        <c:axId val="208135840"/>
         <c:scaling>
           <c:orientation val="minMax"/>
         </c:scaling>
@@ -600,7 +600,7 @@
             <a:endParaRPr lang="it-IT"/>
           </a:p>
         </c:txPr>
-        <c:crossAx val="241170768"/>
+        <c:crossAx val="208135280"/>
         <c:crosses val="autoZero"/>
         <c:crossBetween val="between"/>
       </c:valAx>
@@ -9840,7 +9840,11 @@
           </p:cNvGraphicFramePr>
           <p:nvPr>
             <p:ph idx="1"/>
-            <p:extLst/>
+            <p:extLst>
+              <p:ext uri="{D42A27DB-BD31-4B8C-83A1-F6EECF244321}">
+                <p14:modId xmlns:p14="http://schemas.microsoft.com/office/powerpoint/2010/main" val="2883579587"/>
+              </p:ext>
+            </p:extLst>
           </p:nvPr>
         </p:nvGraphicFramePr>
         <p:xfrm>
@@ -9977,12 +9981,18 @@
                         </a:spcAft>
                       </a:pPr>
                       <a:r>
-                        <a:rPr lang="it-IT" sz="1600">
+                        <a:rPr lang="it-IT" sz="1600" dirty="0" smtClean="0">
                           <a:effectLst/>
                         </a:rPr>
-                        <a:t>TitanicAssistance – “Per un’assistenza titanica”</a:t>
+                        <a:t>Virtual </a:t>
                       </a:r>
-                      <a:endParaRPr lang="it-IT" sz="1600">
+                      <a:r>
+                        <a:rPr lang="it-IT" sz="1600" dirty="0" err="1" smtClean="0">
+                          <a:effectLst/>
+                        </a:rPr>
+                        <a:t>Mechanic</a:t>
+                      </a:r>
+                      <a:endParaRPr lang="it-IT" sz="1600" dirty="0">
                         <a:effectLst/>
                         <a:latin typeface="Calibri" panose="020F0502020204030204" pitchFamily="34" charset="0"/>
                         <a:ea typeface="MS Mincho" panose="02020609040205080304" pitchFamily="49" charset="-128"/>
@@ -15716,12 +15726,12 @@
           <a:graphicData uri="http://schemas.openxmlformats.org/presentationml/2006/ole">
             <mc:AlternateContent xmlns:mc="http://schemas.openxmlformats.org/markup-compatibility/2006">
               <mc:Choice xmlns:v="urn:schemas-microsoft-com:vml" Requires="v">
-                <p:oleObj spid="_x0000_s1050" name="Worksheet" r:id="rId3" imgW="7926840" imgH="3254760" progId="Excel.Sheet.8">
+                <p:oleObj spid="_x0000_s1051" name="Worksheet" r:id="rId4" imgW="7926840" imgH="3254760" progId="Excel.Sheet.8">
                   <p:embed/>
                 </p:oleObj>
               </mc:Choice>
               <mc:Fallback>
-                <p:oleObj name="Worksheet" r:id="rId3" imgW="7926840" imgH="3254760" progId="Excel.Sheet.8">
+                <p:oleObj name="Worksheet" r:id="rId4" imgW="7926840" imgH="3254760" progId="Excel.Sheet.8">
                   <p:embed/>
                   <p:pic>
                     <p:nvPicPr>
@@ -15732,7 +15742,7 @@
                       <p:nvPr/>
                     </p:nvPicPr>
                     <p:blipFill>
-                      <a:blip r:embed="rId4">
+                      <a:blip r:embed="rId5">
                         <a:extLst>
                           <a:ext uri="{28A0092B-C50C-407E-A947-70E740481C1C}">
                             <a14:useLocalDpi xmlns:a14="http://schemas.microsoft.com/office/drawing/2010/main" val="0"/>
@@ -16246,12 +16256,12 @@
           <a:graphicData uri="http://schemas.openxmlformats.org/presentationml/2006/ole">
             <mc:AlternateContent xmlns:mc="http://schemas.openxmlformats.org/markup-compatibility/2006">
               <mc:Choice xmlns:v="urn:schemas-microsoft-com:vml" Requires="v">
-                <p:oleObj spid="_x0000_s2078" name="Worksheet" r:id="rId3" imgW="4927680" imgH="2440800" progId="Excel.Sheet.12">
+                <p:oleObj spid="_x0000_s2079" name="Worksheet" r:id="rId4" imgW="4927680" imgH="2440800" progId="Excel.Sheet.12">
                   <p:embed/>
                 </p:oleObj>
               </mc:Choice>
               <mc:Fallback>
-                <p:oleObj name="Worksheet" r:id="rId3" imgW="4927680" imgH="2440800" progId="Excel.Sheet.12">
+                <p:oleObj name="Worksheet" r:id="rId4" imgW="4927680" imgH="2440800" progId="Excel.Sheet.12">
                   <p:embed/>
                   <p:pic>
                     <p:nvPicPr>
@@ -16262,7 +16272,7 @@
                       <p:nvPr/>
                     </p:nvPicPr>
                     <p:blipFill>
-                      <a:blip r:embed="rId4">
+                      <a:blip r:embed="rId5">
                         <a:extLst>
                           <a:ext uri="{28A0092B-C50C-407E-A947-70E740481C1C}">
                             <a14:useLocalDpi xmlns:a14="http://schemas.microsoft.com/office/drawing/2010/main" val="0"/>
@@ -16556,7 +16566,12 @@
             <p:ph type="title"/>
           </p:nvPr>
         </p:nvSpPr>
-        <p:spPr/>
+        <p:spPr>
+          <a:xfrm>
+            <a:off x="2575564" y="2249819"/>
+            <a:ext cx="8915399" cy="1468800"/>
+          </a:xfrm>
+        </p:spPr>
         <p:txBody>
           <a:bodyPr/>
           <a:lstStyle/>
@@ -16566,25 +16581,6 @@
               <a:t>Infrastruttura di progetto</a:t>
             </a:r>
             <a:endParaRPr lang="it-IT" dirty="0"/>
-          </a:p>
-        </p:txBody>
-      </p:sp>
-      <p:sp>
-        <p:nvSpPr>
-          <p:cNvPr id="3" name="Segnaposto testo 2"/>
-          <p:cNvSpPr>
-            <a:spLocks noGrp="1"/>
-          </p:cNvSpPr>
-          <p:nvPr>
-            <p:ph type="body" idx="1"/>
-          </p:nvPr>
-        </p:nvSpPr>
-        <p:spPr/>
-        <p:txBody>
-          <a:bodyPr/>
-          <a:lstStyle/>
-          <a:p>
-            <a:endParaRPr lang="it-IT"/>
           </a:p>
         </p:txBody>
       </p:sp>
@@ -17016,14 +17012,14 @@
             <a:r>
               <a:rPr lang="it-IT" sz="2800" dirty="0" smtClean="0">
                 <a:solidFill>
-                  <a:srgbClr val="2E5369"/>
+                  <a:schemeClr val="tx1"/>
                 </a:solidFill>
               </a:rPr>
               <a:t> Gestione dei rischi</a:t>
             </a:r>
             <a:endParaRPr lang="it-IT" sz="2800" dirty="0">
               <a:solidFill>
-                <a:srgbClr val="2E5369"/>
+                <a:schemeClr val="tx1"/>
               </a:solidFill>
             </a:endParaRPr>
           </a:p>
@@ -17561,12 +17557,11 @@
             <a:r>
               <a:rPr lang="it-IT" sz="2800" dirty="0">
                 <a:solidFill>
-                  <a:srgbClr val="2E5369"/>
+                  <a:schemeClr val="tx1"/>
                 </a:solidFill>
               </a:rPr>
               <a:t>R01</a:t>
             </a:r>
-            <a:endParaRPr lang="it-IT" sz="2800" dirty="0"/>
           </a:p>
         </p:txBody>
       </p:sp>
@@ -17835,12 +17830,16 @@
             <a:r>
               <a:rPr lang="it-IT" sz="2800" dirty="0" smtClean="0">
                 <a:solidFill>
-                  <a:srgbClr val="2E5369"/>
+                  <a:schemeClr val="tx1"/>
                 </a:solidFill>
               </a:rPr>
               <a:t>R02</a:t>
             </a:r>
-            <a:endParaRPr lang="it-IT" sz="2800" dirty="0"/>
+            <a:endParaRPr lang="it-IT" sz="2800" dirty="0">
+              <a:solidFill>
+                <a:schemeClr val="tx1"/>
+              </a:solidFill>
+            </a:endParaRPr>
           </a:p>
         </p:txBody>
       </p:sp>
@@ -18194,12 +18193,16 @@
             <a:r>
               <a:rPr lang="it-IT" sz="2800" dirty="0" smtClean="0">
                 <a:solidFill>
-                  <a:srgbClr val="2E5369"/>
+                  <a:schemeClr val="tx1"/>
                 </a:solidFill>
               </a:rPr>
               <a:t>R03</a:t>
             </a:r>
-            <a:endParaRPr lang="it-IT" sz="2800" dirty="0"/>
+            <a:endParaRPr lang="it-IT" sz="2800" dirty="0">
+              <a:solidFill>
+                <a:schemeClr val="tx1"/>
+              </a:solidFill>
+            </a:endParaRPr>
           </a:p>
         </p:txBody>
       </p:sp>
@@ -18433,12 +18436,16 @@
             <a:r>
               <a:rPr lang="it-IT" sz="2800" dirty="0" smtClean="0">
                 <a:solidFill>
-                  <a:srgbClr val="2E5369"/>
+                  <a:schemeClr val="tx1"/>
                 </a:solidFill>
               </a:rPr>
               <a:t>R04</a:t>
             </a:r>
-            <a:endParaRPr lang="it-IT" sz="2800" dirty="0"/>
+            <a:endParaRPr lang="it-IT" sz="2800" dirty="0">
+              <a:solidFill>
+                <a:schemeClr val="tx1"/>
+              </a:solidFill>
+            </a:endParaRPr>
           </a:p>
         </p:txBody>
       </p:sp>

--- a/Slide/slide_FINALI.pptx
+++ b/Slide/slide_FINALI.pptx
@@ -496,11 +496,11 @@
         </c:dLbls>
         <c:gapWidth val="150"/>
         <c:overlap val="100"/>
-        <c:axId val="208135280"/>
-        <c:axId val="208135840"/>
+        <c:axId val="146135904"/>
+        <c:axId val="146231224"/>
       </c:barChart>
       <c:catAx>
-        <c:axId val="208135280"/>
+        <c:axId val="146135904"/>
         <c:scaling>
           <c:orientation val="minMax"/>
         </c:scaling>
@@ -542,7 +542,7 @@
             <a:endParaRPr lang="it-IT"/>
           </a:p>
         </c:txPr>
-        <c:crossAx val="208135840"/>
+        <c:crossAx val="146231224"/>
         <c:crosses val="autoZero"/>
         <c:auto val="1"/>
         <c:lblAlgn val="ctr"/>
@@ -550,7 +550,7 @@
         <c:noMultiLvlLbl val="0"/>
       </c:catAx>
       <c:valAx>
-        <c:axId val="208135840"/>
+        <c:axId val="146231224"/>
         <c:scaling>
           <c:orientation val="minMax"/>
         </c:scaling>
@@ -600,7 +600,7 @@
             <a:endParaRPr lang="it-IT"/>
           </a:p>
         </c:txPr>
-        <c:crossAx val="208135280"/>
+        <c:crossAx val="146135904"/>
         <c:crosses val="autoZero"/>
         <c:crossBetween val="between"/>
       </c:valAx>
@@ -15726,7 +15726,7 @@
           <a:graphicData uri="http://schemas.openxmlformats.org/presentationml/2006/ole">
             <mc:AlternateContent xmlns:mc="http://schemas.openxmlformats.org/markup-compatibility/2006">
               <mc:Choice xmlns:v="urn:schemas-microsoft-com:vml" Requires="v">
-                <p:oleObj spid="_x0000_s1051" name="Worksheet" r:id="rId4" imgW="7926840" imgH="3254760" progId="Excel.Sheet.8">
+                <p:oleObj spid="_x0000_s1052" name="Worksheet" r:id="rId4" imgW="7926840" imgH="3254760" progId="Excel.Sheet.8">
                   <p:embed/>
                 </p:oleObj>
               </mc:Choice>
@@ -16256,7 +16256,7 @@
           <a:graphicData uri="http://schemas.openxmlformats.org/presentationml/2006/ole">
             <mc:AlternateContent xmlns:mc="http://schemas.openxmlformats.org/markup-compatibility/2006">
               <mc:Choice xmlns:v="urn:schemas-microsoft-com:vml" Requires="v">
-                <p:oleObj spid="_x0000_s2079" name="Worksheet" r:id="rId4" imgW="4927680" imgH="2440800" progId="Excel.Sheet.12">
+                <p:oleObj spid="_x0000_s2080" name="Worksheet" r:id="rId4" imgW="4927680" imgH="2440800" progId="Excel.Sheet.12">
                   <p:embed/>
                 </p:oleObj>
               </mc:Choice>
@@ -17581,191 +17581,88 @@
           <a:lstStyle/>
           <a:p>
             <a:r>
-              <a:rPr lang="it-IT" b="1" dirty="0">
-                <a:solidFill>
-                  <a:schemeClr val="accent2">
-                    <a:lumMod val="50000"/>
-                  </a:schemeClr>
-                </a:solidFill>
-              </a:rPr>
-              <a:t>Rischio</a:t>
-            </a:r>
-            <a:r>
-              <a:rPr lang="it-IT" b="1" dirty="0">
-                <a:solidFill>
-                  <a:srgbClr val="2E5369"/>
-                </a:solidFill>
-              </a:rPr>
-              <a:t>:</a:t>
+              <a:rPr lang="it-IT" b="1" dirty="0"/>
+              <a:t>Rischio:</a:t>
             </a:r>
             <a:r>
               <a:rPr lang="it-IT" dirty="0"/>
-              <a:t> Guasto hardware e/o perdita di dati.</a:t>
-            </a:r>
-          </a:p>
-          <a:p>
-            <a:r>
-              <a:rPr lang="it-IT" b="1" dirty="0">
-                <a:solidFill>
-                  <a:schemeClr val="accent2">
-                    <a:lumMod val="50000"/>
-                  </a:schemeClr>
-                </a:solidFill>
-              </a:rPr>
-              <a:t>Gravità</a:t>
-            </a:r>
-            <a:r>
-              <a:rPr lang="it-IT" b="1" dirty="0">
-                <a:solidFill>
-                  <a:srgbClr val="2E5369"/>
-                </a:solidFill>
-              </a:rPr>
-              <a:t>:</a:t>
-            </a:r>
+              <a:t> Abbandono di uno dei componenti del team di sviluppo.</a:t>
+            </a:r>
+          </a:p>
+          <a:p>
             <a:r>
               <a:rPr lang="it-IT" b="1" dirty="0"/>
+              <a:t>Gravità:</a:t>
+            </a:r>
+            <a:r>
+              <a:rPr lang="it-IT" dirty="0"/>
+              <a:t> Dannoso.</a:t>
+            </a:r>
+          </a:p>
+          <a:p>
+            <a:r>
+              <a:rPr lang="it-IT" b="1" dirty="0"/>
+              <a:t>Descrizione:</a:t>
+            </a:r>
+            <a:r>
+              <a:rPr lang="it-IT" dirty="0"/>
+              <a:t> Se uno dei componenti abbandona il progetto, i restanti sono in grado di completare il progetto, ma in tempi più lunghi.	</a:t>
+            </a:r>
+          </a:p>
+          <a:p>
+            <a:r>
+              <a:rPr lang="it-IT" b="1" dirty="0"/>
+              <a:t>Impatto:</a:t>
+            </a:r>
+            <a:r>
+              <a:rPr lang="it-IT" dirty="0"/>
+              <a:t> L’area in cui lavorava il componente (</a:t>
+            </a:r>
+            <a:r>
+              <a:rPr lang="it-IT" dirty="0" err="1"/>
+              <a:t>app</a:t>
+            </a:r>
+            <a:r>
+              <a:rPr lang="it-IT" dirty="0"/>
               <a:t> </a:t>
             </a:r>
             <a:r>
+              <a:rPr lang="it-IT" dirty="0" err="1"/>
+              <a:t>Android</a:t>
+            </a:r>
+            <a:r>
               <a:rPr lang="it-IT" dirty="0"/>
-              <a:t>Molto dannoso.</a:t>
-            </a:r>
-          </a:p>
-          <a:p>
-            <a:r>
-              <a:rPr lang="it-IT" b="1" dirty="0">
-                <a:solidFill>
-                  <a:schemeClr val="accent2">
-                    <a:lumMod val="50000"/>
-                  </a:schemeClr>
-                </a:solidFill>
-              </a:rPr>
-              <a:t>Descrizione</a:t>
-            </a:r>
-            <a:r>
-              <a:rPr lang="it-IT" b="1" dirty="0">
-                <a:solidFill>
-                  <a:srgbClr val="2E5369"/>
-                </a:solidFill>
-              </a:rPr>
-              <a:t>:</a:t>
+              <a:t> o portale web) potrebbe subire dei rallentamenti nel suo completamento.</a:t>
+            </a:r>
+          </a:p>
+          <a:p>
+            <a:r>
+              <a:rPr lang="it-IT" b="1" dirty="0"/>
+              <a:t>Mitigazione:</a:t>
             </a:r>
             <a:r>
               <a:rPr lang="it-IT" dirty="0"/>
-              <a:t> Perdita dei dati a causa dell’inaccessibilità a una data macchina attinente al progetto o ai dati ivi contenuti.</a:t>
-            </a:r>
-          </a:p>
-          <a:p>
-            <a:r>
-              <a:rPr lang="it-IT" b="1" dirty="0">
-                <a:solidFill>
-                  <a:schemeClr val="accent2">
-                    <a:lumMod val="50000"/>
-                  </a:schemeClr>
-                </a:solidFill>
-              </a:rPr>
-              <a:t>Impatto</a:t>
-            </a:r>
-            <a:r>
-              <a:rPr lang="it-IT" b="1" dirty="0">
-                <a:solidFill>
-                  <a:srgbClr val="2E5369"/>
-                </a:solidFill>
-              </a:rPr>
-              <a:t>:</a:t>
+              <a:t> Lavoro parallelo di più persone allo stesso task, in modo che l’eventuale mancanza di una persona non comporti eccessivi ritardi.</a:t>
+            </a:r>
+          </a:p>
+          <a:p>
+            <a:r>
+              <a:rPr lang="it-IT" b="1" dirty="0" err="1"/>
+              <a:t>Contingency</a:t>
             </a:r>
             <a:r>
               <a:rPr lang="it-IT" b="1" dirty="0"/>
-              <a:t> </a:t>
+              <a:t> Plan:</a:t>
             </a:r>
             <a:r>
               <a:rPr lang="it-IT" dirty="0"/>
-              <a:t>Perdita di componenti software con conseguente ritardo dovuto alla riscrittura del codice perso. Eventuale danno economico dovuto al dover sostituire l’hardware danneggiato.</a:t>
-            </a:r>
-          </a:p>
-          <a:p>
-            <a:r>
-              <a:rPr lang="it-IT" b="1" dirty="0">
-                <a:solidFill>
-                  <a:schemeClr val="accent2">
-                    <a:lumMod val="50000"/>
-                  </a:schemeClr>
-                </a:solidFill>
-              </a:rPr>
-              <a:t>Mitigazione</a:t>
-            </a:r>
-            <a:r>
-              <a:rPr lang="it-IT" b="1" dirty="0">
-                <a:solidFill>
-                  <a:srgbClr val="2E5369"/>
-                </a:solidFill>
-              </a:rPr>
-              <a:t>:</a:t>
-            </a:r>
-            <a:r>
-              <a:rPr lang="it-IT" dirty="0"/>
-              <a:t> Salvare il progetto su più macchine oltre che su un </a:t>
-            </a:r>
-            <a:r>
-              <a:rPr lang="it-IT" dirty="0" err="1"/>
-              <a:t>repository</a:t>
-            </a:r>
-            <a:r>
-              <a:rPr lang="it-IT" dirty="0"/>
-              <a:t> online.</a:t>
-            </a:r>
-          </a:p>
-          <a:p>
-            <a:r>
-              <a:rPr lang="it-IT" b="1" dirty="0" err="1">
-                <a:solidFill>
-                  <a:schemeClr val="accent2">
-                    <a:lumMod val="50000"/>
-                  </a:schemeClr>
-                </a:solidFill>
-              </a:rPr>
-              <a:t>Contingency</a:t>
-            </a:r>
-            <a:r>
-              <a:rPr lang="it-IT" b="1" dirty="0">
-                <a:solidFill>
-                  <a:schemeClr val="accent2">
-                    <a:lumMod val="50000"/>
-                  </a:schemeClr>
-                </a:solidFill>
-              </a:rPr>
-              <a:t> Plan</a:t>
-            </a:r>
-            <a:r>
-              <a:rPr lang="it-IT" b="1" dirty="0">
-                <a:solidFill>
-                  <a:srgbClr val="2E5369"/>
-                </a:solidFill>
-              </a:rPr>
-              <a:t>:</a:t>
-            </a:r>
-            <a:r>
-              <a:rPr lang="it-IT" dirty="0">
-                <a:solidFill>
-                  <a:srgbClr val="2E5369"/>
-                </a:solidFill>
-              </a:rPr>
-              <a:t> </a:t>
-            </a:r>
-            <a:r>
-              <a:rPr lang="it-IT" dirty="0"/>
-              <a:t>Recuperare l’ultima copia di backup dal </a:t>
-            </a:r>
-            <a:r>
-              <a:rPr lang="it-IT" dirty="0" err="1"/>
-              <a:t>repository</a:t>
-            </a:r>
-            <a:r>
-              <a:rPr lang="it-IT" dirty="0"/>
-              <a:t> online o dalle macchine non danneggiate.</a:t>
-            </a:r>
-          </a:p>
-          <a:p>
+              <a:t> Tutti i componenti del team hanno le conoscenze basilari necessarie al completamento del progetto.</a:t>
+            </a:r>
+          </a:p>
+          <a:p>
+            <a:pPr marL="0" indent="0">
+              <a:buNone/>
+            </a:pPr>
             <a:endParaRPr lang="it-IT" dirty="0"/>
           </a:p>
           <a:p>

--- a/Slide/slide_FINALI.pptx
+++ b/Slide/slide_FINALI.pptx
@@ -5,7 +5,7 @@
     <p:sldMasterId id="2147483671" r:id="rId1"/>
   </p:sldMasterIdLst>
   <p:notesMasterIdLst>
-    <p:notesMasterId r:id="rId73"/>
+    <p:notesMasterId r:id="rId74"/>
   </p:notesMasterIdLst>
   <p:sldIdLst>
     <p:sldId id="256" r:id="rId2"/>
@@ -77,8 +77,9 @@
     <p:sldId id="324" r:id="rId68"/>
     <p:sldId id="325" r:id="rId69"/>
     <p:sldId id="328" r:id="rId70"/>
-    <p:sldId id="327" r:id="rId71"/>
-    <p:sldId id="329" r:id="rId72"/>
+    <p:sldId id="333" r:id="rId71"/>
+    <p:sldId id="334" r:id="rId72"/>
+    <p:sldId id="329" r:id="rId73"/>
   </p:sldIdLst>
   <p:sldSz cx="12192000" cy="6858000"/>
   <p:notesSz cx="6858000" cy="9144000"/>
@@ -496,11 +497,11 @@
         </c:dLbls>
         <c:gapWidth val="150"/>
         <c:overlap val="100"/>
-        <c:axId val="146135904"/>
-        <c:axId val="146231224"/>
+        <c:axId val="153819448"/>
+        <c:axId val="154129560"/>
       </c:barChart>
       <c:catAx>
-        <c:axId val="146135904"/>
+        <c:axId val="153819448"/>
         <c:scaling>
           <c:orientation val="minMax"/>
         </c:scaling>
@@ -542,7 +543,7 @@
             <a:endParaRPr lang="it-IT"/>
           </a:p>
         </c:txPr>
-        <c:crossAx val="146231224"/>
+        <c:crossAx val="154129560"/>
         <c:crosses val="autoZero"/>
         <c:auto val="1"/>
         <c:lblAlgn val="ctr"/>
@@ -550,7 +551,7 @@
         <c:noMultiLvlLbl val="0"/>
       </c:catAx>
       <c:valAx>
-        <c:axId val="146231224"/>
+        <c:axId val="154129560"/>
         <c:scaling>
           <c:orientation val="minMax"/>
         </c:scaling>
@@ -600,7 +601,7 @@
             <a:endParaRPr lang="it-IT"/>
           </a:p>
         </c:txPr>
-        <c:crossAx val="146135904"/>
+        <c:crossAx val="153819448"/>
         <c:crosses val="autoZero"/>
         <c:crossBetween val="between"/>
       </c:valAx>
@@ -1276,7 +1277,7 @@
           <a:p>
             <a:fld id="{9802CE9F-1C98-3245-8C37-42327AA1CCAD}" type="datetimeFigureOut">
               <a:rPr lang="it-IT" smtClean="0"/>
-              <a:t>20/06/2015</a:t>
+              <a:t>21/06/2015</a:t>
             </a:fld>
             <a:endParaRPr lang="it-IT"/>
           </a:p>
@@ -1816,7 +1817,7 @@
           <a:p>
             <a:fld id="{4AAD347D-5ACD-4C99-B74B-A9C85AD731AF}" type="datetimeFigureOut">
               <a:rPr lang="en-US" smtClean="0"/>
-              <a:t>6/20/2015</a:t>
+              <a:t>6/21/2015</a:t>
             </a:fld>
             <a:endParaRPr lang="en-US" dirty="0"/>
           </a:p>
@@ -2154,7 +2155,7 @@
           <a:p>
             <a:fld id="{4509A250-FF31-4206-8172-F9D3106AACB1}" type="datetimeFigureOut">
               <a:rPr lang="en-US" smtClean="0"/>
-              <a:t>6/20/2015</a:t>
+              <a:t>6/21/2015</a:t>
             </a:fld>
             <a:endParaRPr lang="en-US" dirty="0"/>
           </a:p>
@@ -2555,7 +2556,7 @@
           <a:p>
             <a:fld id="{4509A250-FF31-4206-8172-F9D3106AACB1}" type="datetimeFigureOut">
               <a:rPr lang="en-US" smtClean="0"/>
-              <a:t>6/20/2015</a:t>
+              <a:t>6/21/2015</a:t>
             </a:fld>
             <a:endParaRPr lang="en-US" dirty="0"/>
           </a:p>
@@ -2891,7 +2892,7 @@
           <a:p>
             <a:fld id="{4509A250-FF31-4206-8172-F9D3106AACB1}" type="datetimeFigureOut">
               <a:rPr lang="en-US" smtClean="0"/>
-              <a:t>6/20/2015</a:t>
+              <a:t>6/21/2015</a:t>
             </a:fld>
             <a:endParaRPr lang="en-US" dirty="0"/>
           </a:p>
@@ -3211,7 +3212,7 @@
           <a:p>
             <a:fld id="{4AAD347D-5ACD-4C99-B74B-A9C85AD731AF}" type="datetimeFigureOut">
               <a:rPr lang="en-US" smtClean="0"/>
-              <a:t>6/20/2015</a:t>
+              <a:t>6/21/2015</a:t>
             </a:fld>
             <a:endParaRPr lang="en-US" dirty="0"/>
           </a:p>
@@ -3608,7 +3609,7 @@
           <a:p>
             <a:fld id="{4AAD347D-5ACD-4C99-B74B-A9C85AD731AF}" type="datetimeFigureOut">
               <a:rPr lang="en-US" smtClean="0"/>
-              <a:t>6/20/2015</a:t>
+              <a:t>6/21/2015</a:t>
             </a:fld>
             <a:endParaRPr lang="en-US" dirty="0"/>
           </a:p>
@@ -3866,7 +3867,7 @@
           <a:p>
             <a:fld id="{4509A250-FF31-4206-8172-F9D3106AACB1}" type="datetimeFigureOut">
               <a:rPr lang="en-US" smtClean="0"/>
-              <a:t>6/20/2015</a:t>
+              <a:t>6/21/2015</a:t>
             </a:fld>
             <a:endParaRPr lang="en-US" dirty="0"/>
           </a:p>
@@ -4128,7 +4129,7 @@
           <a:p>
             <a:fld id="{4AAD347D-5ACD-4C99-B74B-A9C85AD731AF}" type="datetimeFigureOut">
               <a:rPr lang="en-US" smtClean="0"/>
-              <a:t>6/20/2015</a:t>
+              <a:t>6/21/2015</a:t>
             </a:fld>
             <a:endParaRPr lang="en-US" dirty="0"/>
           </a:p>
@@ -4391,7 +4392,7 @@
           <a:p>
             <a:fld id="{4509A250-FF31-4206-8172-F9D3106AACB1}" type="datetimeFigureOut">
               <a:rPr lang="en-US" smtClean="0"/>
-              <a:t>6/20/2015</a:t>
+              <a:t>6/21/2015</a:t>
             </a:fld>
             <a:endParaRPr lang="en-US" dirty="0"/>
           </a:p>
@@ -4720,7 +4721,7 @@
           <a:p>
             <a:fld id="{9796027F-7875-4030-9381-8BD8C4F21935}" type="datetimeFigureOut">
               <a:rPr lang="en-US" smtClean="0"/>
-              <a:t>6/20/2015</a:t>
+              <a:t>6/21/2015</a:t>
             </a:fld>
             <a:endParaRPr lang="en-US" dirty="0"/>
           </a:p>
@@ -5043,7 +5044,7 @@
           <a:p>
             <a:fld id="{9796027F-7875-4030-9381-8BD8C4F21935}" type="datetimeFigureOut">
               <a:rPr lang="en-US" smtClean="0"/>
-              <a:t>6/20/2015</a:t>
+              <a:t>6/21/2015</a:t>
             </a:fld>
             <a:endParaRPr lang="en-US" dirty="0"/>
           </a:p>
@@ -5500,7 +5501,7 @@
           <a:p>
             <a:fld id="{9796027F-7875-4030-9381-8BD8C4F21935}" type="datetimeFigureOut">
               <a:rPr lang="en-US" smtClean="0"/>
-              <a:t>6/20/2015</a:t>
+              <a:t>6/21/2015</a:t>
             </a:fld>
             <a:endParaRPr lang="en-US" dirty="0"/>
           </a:p>
@@ -5705,7 +5706,7 @@
           <a:p>
             <a:fld id="{4509A250-FF31-4206-8172-F9D3106AACB1}" type="datetimeFigureOut">
               <a:rPr lang="en-US" smtClean="0"/>
-              <a:t>6/20/2015</a:t>
+              <a:t>6/21/2015</a:t>
             </a:fld>
             <a:endParaRPr lang="en-US" dirty="0"/>
           </a:p>
@@ -5882,7 +5883,7 @@
           <a:p>
             <a:fld id="{4509A250-FF31-4206-8172-F9D3106AACB1}" type="datetimeFigureOut">
               <a:rPr lang="en-US" smtClean="0"/>
-              <a:t>6/20/2015</a:t>
+              <a:t>6/21/2015</a:t>
             </a:fld>
             <a:endParaRPr lang="en-US" dirty="0"/>
           </a:p>
@@ -6215,7 +6216,7 @@
           <a:p>
             <a:fld id="{4509A250-FF31-4206-8172-F9D3106AACB1}" type="datetimeFigureOut">
               <a:rPr lang="en-US" smtClean="0"/>
-              <a:t>6/20/2015</a:t>
+              <a:t>6/21/2015</a:t>
             </a:fld>
             <a:endParaRPr lang="en-US" dirty="0"/>
           </a:p>
@@ -6560,7 +6561,7 @@
           <a:p>
             <a:fld id="{4509A250-FF31-4206-8172-F9D3106AACB1}" type="datetimeFigureOut">
               <a:rPr lang="en-US" smtClean="0"/>
-              <a:t>6/20/2015</a:t>
+              <a:t>6/21/2015</a:t>
             </a:fld>
             <a:endParaRPr lang="en-US" dirty="0"/>
           </a:p>
@@ -8677,7 +8678,7 @@
           <a:p>
             <a:fld id="{4AAD347D-5ACD-4C99-B74B-A9C85AD731AF}" type="datetimeFigureOut">
               <a:rPr lang="en-US" smtClean="0"/>
-              <a:t>6/20/2015</a:t>
+              <a:t>6/21/2015</a:t>
             </a:fld>
             <a:endParaRPr lang="en-US" dirty="0"/>
           </a:p>
@@ -15726,12 +15727,12 @@
           <a:graphicData uri="http://schemas.openxmlformats.org/presentationml/2006/ole">
             <mc:AlternateContent xmlns:mc="http://schemas.openxmlformats.org/markup-compatibility/2006">
               <mc:Choice xmlns:v="urn:schemas-microsoft-com:vml" Requires="v">
-                <p:oleObj spid="_x0000_s1052" name="Worksheet" r:id="rId4" imgW="7926840" imgH="3254760" progId="Excel.Sheet.8">
+                <p:oleObj spid="_x0000_s1054" name="Worksheet" r:id="rId3" imgW="7926840" imgH="3254760" progId="Excel.Sheet.8">
                   <p:embed/>
                 </p:oleObj>
               </mc:Choice>
               <mc:Fallback>
-                <p:oleObj name="Worksheet" r:id="rId4" imgW="7926840" imgH="3254760" progId="Excel.Sheet.8">
+                <p:oleObj name="Worksheet" r:id="rId3" imgW="7926840" imgH="3254760" progId="Excel.Sheet.8">
                   <p:embed/>
                   <p:pic>
                     <p:nvPicPr>
@@ -15742,7 +15743,7 @@
                       <p:nvPr/>
                     </p:nvPicPr>
                     <p:blipFill>
-                      <a:blip r:embed="rId5">
+                      <a:blip r:embed="rId4">
                         <a:extLst>
                           <a:ext uri="{28A0092B-C50C-407E-A947-70E740481C1C}">
                             <a14:useLocalDpi xmlns:a14="http://schemas.microsoft.com/office/drawing/2010/main" val="0"/>
@@ -16256,12 +16257,12 @@
           <a:graphicData uri="http://schemas.openxmlformats.org/presentationml/2006/ole">
             <mc:AlternateContent xmlns:mc="http://schemas.openxmlformats.org/markup-compatibility/2006">
               <mc:Choice xmlns:v="urn:schemas-microsoft-com:vml" Requires="v">
-                <p:oleObj spid="_x0000_s2080" name="Worksheet" r:id="rId4" imgW="4927680" imgH="2440800" progId="Excel.Sheet.12">
+                <p:oleObj spid="_x0000_s2082" name="Worksheet" r:id="rId3" imgW="4927680" imgH="2440800" progId="Excel.Sheet.12">
                   <p:embed/>
                 </p:oleObj>
               </mc:Choice>
               <mc:Fallback>
-                <p:oleObj name="Worksheet" r:id="rId4" imgW="4927680" imgH="2440800" progId="Excel.Sheet.12">
+                <p:oleObj name="Worksheet" r:id="rId3" imgW="4927680" imgH="2440800" progId="Excel.Sheet.12">
                   <p:embed/>
                   <p:pic>
                     <p:nvPicPr>
@@ -16272,7 +16273,7 @@
                       <p:nvPr/>
                     </p:nvPicPr>
                     <p:blipFill>
-                      <a:blip r:embed="rId5">
+                      <a:blip r:embed="rId4">
                         <a:extLst>
                           <a:ext uri="{28A0092B-C50C-407E-A947-70E740481C1C}">
                             <a14:useLocalDpi xmlns:a14="http://schemas.microsoft.com/office/drawing/2010/main" val="0"/>
@@ -16594,6 +16595,13 @@
   <p:clrMapOvr>
     <a:masterClrMapping/>
   </p:clrMapOvr>
+  <p:timing>
+    <p:tnLst>
+      <p:par>
+        <p:cTn id="1" dur="indefinite" restart="never" nodeType="tmRoot"/>
+      </p:par>
+    </p:tnLst>
+  </p:timing>
 </p:sld>
 </file>
 
@@ -16891,6 +16899,13 @@
   <p:clrMapOvr>
     <a:masterClrMapping/>
   </p:clrMapOvr>
+  <p:timing>
+    <p:tnLst>
+      <p:par>
+        <p:cTn id="1" dur="indefinite" restart="never" nodeType="tmRoot"/>
+      </p:par>
+    </p:tnLst>
+  </p:timing>
 </p:sld>
 </file>
 
@@ -17581,7 +17596,13 @@
           <a:lstStyle/>
           <a:p>
             <a:r>
-              <a:rPr lang="it-IT" b="1" dirty="0"/>
+              <a:rPr lang="it-IT" b="1" dirty="0">
+                <a:solidFill>
+                  <a:schemeClr val="accent2">
+                    <a:lumMod val="50000"/>
+                  </a:schemeClr>
+                </a:solidFill>
+              </a:rPr>
               <a:t>Rischio:</a:t>
             </a:r>
             <a:r>
@@ -17591,7 +17612,13 @@
           </a:p>
           <a:p>
             <a:r>
-              <a:rPr lang="it-IT" b="1" dirty="0"/>
+              <a:rPr lang="it-IT" b="1" dirty="0">
+                <a:solidFill>
+                  <a:schemeClr val="accent2">
+                    <a:lumMod val="50000"/>
+                  </a:schemeClr>
+                </a:solidFill>
+              </a:rPr>
               <a:t>Gravità:</a:t>
             </a:r>
             <a:r>
@@ -17601,7 +17628,13 @@
           </a:p>
           <a:p>
             <a:r>
-              <a:rPr lang="it-IT" b="1" dirty="0"/>
+              <a:rPr lang="it-IT" b="1" dirty="0">
+                <a:solidFill>
+                  <a:schemeClr val="accent2">
+                    <a:lumMod val="50000"/>
+                  </a:schemeClr>
+                </a:solidFill>
+              </a:rPr>
               <a:t>Descrizione:</a:t>
             </a:r>
             <a:r>
@@ -17611,7 +17644,13 @@
           </a:p>
           <a:p>
             <a:r>
-              <a:rPr lang="it-IT" b="1" dirty="0"/>
+              <a:rPr lang="it-IT" b="1" dirty="0">
+                <a:solidFill>
+                  <a:schemeClr val="accent2">
+                    <a:lumMod val="50000"/>
+                  </a:schemeClr>
+                </a:solidFill>
+              </a:rPr>
               <a:t>Impatto:</a:t>
             </a:r>
             <a:r>
@@ -17637,26 +17676,62 @@
           </a:p>
           <a:p>
             <a:r>
-              <a:rPr lang="it-IT" b="1" dirty="0"/>
+              <a:rPr lang="it-IT" b="1" dirty="0">
+                <a:solidFill>
+                  <a:schemeClr val="accent2">
+                    <a:lumMod val="50000"/>
+                  </a:schemeClr>
+                </a:solidFill>
+              </a:rPr>
               <a:t>Mitigazione:</a:t>
             </a:r>
             <a:r>
+              <a:rPr lang="it-IT" dirty="0">
+                <a:solidFill>
+                  <a:srgbClr val="7D654C"/>
+                </a:solidFill>
+              </a:rPr>
+              <a:t> </a:t>
+            </a:r>
+            <a:r>
               <a:rPr lang="it-IT" dirty="0"/>
-              <a:t> Lavoro parallelo di più persone allo stesso task, in modo che l’eventuale mancanza di una persona non comporti eccessivi ritardi.</a:t>
-            </a:r>
-          </a:p>
-          <a:p>
-            <a:r>
-              <a:rPr lang="it-IT" b="1" dirty="0" err="1"/>
+              <a:t>Lavoro parallelo di più persone allo stesso task, in modo che l’eventuale mancanza di una persona non comporti eccessivi ritardi.</a:t>
+            </a:r>
+          </a:p>
+          <a:p>
+            <a:r>
+              <a:rPr lang="it-IT" b="1" dirty="0" err="1">
+                <a:solidFill>
+                  <a:schemeClr val="accent2">
+                    <a:lumMod val="50000"/>
+                  </a:schemeClr>
+                </a:solidFill>
+              </a:rPr>
               <a:t>Contingency</a:t>
             </a:r>
             <a:r>
-              <a:rPr lang="it-IT" b="1" dirty="0"/>
+              <a:rPr lang="it-IT" b="1" dirty="0">
+                <a:solidFill>
+                  <a:schemeClr val="accent2">
+                    <a:lumMod val="50000"/>
+                  </a:schemeClr>
+                </a:solidFill>
+              </a:rPr>
               <a:t> Plan:</a:t>
             </a:r>
             <a:r>
+              <a:rPr lang="it-IT" dirty="0">
+                <a:solidFill>
+                  <a:schemeClr val="accent2">
+                    <a:lumMod val="50000"/>
+                  </a:schemeClr>
+                </a:solidFill>
+              </a:rPr>
+              <a:t> </a:t>
+            </a:r>
+            <a:r>
               <a:rPr lang="it-IT" dirty="0"/>
-              <a:t> Tutti i componenti del team hanno le conoscenze basilari necessarie al completamento del progetto.</a:t>
+              <a:t>Tutti i componenti del team hanno le conoscenze basilari necessarie al completamento del progetto.</a:t>
             </a:r>
           </a:p>
           <a:p>
@@ -17763,15 +17838,21 @@
                   </a:schemeClr>
                 </a:solidFill>
               </a:rPr>
-              <a:t>Rischio</a:t>
-            </a:r>
-            <a:r>
-              <a:rPr lang="it-IT" b="1" dirty="0"/>
-              <a:t>:</a:t>
+              <a:t>Rischio:</a:t>
+            </a:r>
+            <a:r>
+              <a:rPr lang="it-IT" dirty="0">
+                <a:solidFill>
+                  <a:schemeClr val="accent2">
+                    <a:lumMod val="50000"/>
+                  </a:schemeClr>
+                </a:solidFill>
+              </a:rPr>
+              <a:t> </a:t>
             </a:r>
             <a:r>
               <a:rPr lang="it-IT" dirty="0"/>
-              <a:t> Guasto hardware e/o perdita di dati.</a:t>
+              <a:t>Guasto hardware e/o perdita di dati.</a:t>
             </a:r>
           </a:p>
           <a:p>
@@ -18716,6 +18797,13 @@
   <p:clrMapOvr>
     <a:masterClrMapping/>
   </p:clrMapOvr>
+  <p:timing>
+    <p:tnLst>
+      <p:par>
+        <p:cTn id="1" dur="indefinite" restart="never" nodeType="tmRoot"/>
+      </p:par>
+    </p:tnLst>
+  </p:timing>
 </p:sld>
 </file>
 
@@ -18820,6 +18908,13 @@
   <p:clrMapOvr>
     <a:masterClrMapping/>
   </p:clrMapOvr>
+  <p:timing>
+    <p:tnLst>
+      <p:par>
+        <p:cTn id="1" dur="indefinite" restart="never" nodeType="tmRoot"/>
+      </p:par>
+    </p:tnLst>
+  </p:timing>
 </p:sld>
 </file>
 
@@ -19546,14 +19641,14 @@
             <a:r>
               <a:rPr lang="it-IT" sz="3200" dirty="0" smtClean="0">
                 <a:solidFill>
-                  <a:srgbClr val="2E5369"/>
+                  <a:schemeClr val="tx1"/>
                 </a:solidFill>
               </a:rPr>
               <a:t>Diagramma delle sequenze: Titanic Assistance</a:t>
             </a:r>
             <a:endParaRPr lang="it-IT" sz="3200" dirty="0">
               <a:solidFill>
-                <a:srgbClr val="2E5369"/>
+                <a:schemeClr val="tx1"/>
               </a:solidFill>
             </a:endParaRPr>
           </a:p>
@@ -19650,7 +19745,7 @@
             <a:r>
               <a:rPr lang="it-IT" sz="3200" dirty="0" smtClean="0">
                 <a:solidFill>
-                  <a:srgbClr val="2E5369"/>
+                  <a:schemeClr val="tx1"/>
                 </a:solidFill>
               </a:rPr>
               <a:t>Diagramma delle sequenze: </a:t>
@@ -19658,7 +19753,7 @@
             <a:r>
               <a:rPr lang="it-IT" sz="3200" dirty="0" err="1" smtClean="0">
                 <a:solidFill>
-                  <a:srgbClr val="2E5369"/>
+                  <a:schemeClr val="tx1"/>
                 </a:solidFill>
               </a:rPr>
               <a:t>Neptune</a:t>
@@ -19666,14 +19761,14 @@
             <a:r>
               <a:rPr lang="it-IT" sz="3200" dirty="0" smtClean="0">
                 <a:solidFill>
-                  <a:srgbClr val="2E5369"/>
+                  <a:schemeClr val="tx1"/>
                 </a:solidFill>
               </a:rPr>
               <a:t> Rescue</a:t>
             </a:r>
             <a:endParaRPr lang="it-IT" sz="3200" dirty="0">
               <a:solidFill>
-                <a:srgbClr val="2E5369"/>
+                <a:schemeClr val="tx1"/>
               </a:solidFill>
             </a:endParaRPr>
           </a:p>
@@ -20339,14 +20434,14 @@
             <a:r>
               <a:rPr lang="it-IT" dirty="0" smtClean="0">
                 <a:solidFill>
-                  <a:srgbClr val="2E5369"/>
+                  <a:schemeClr val="tx1"/>
                 </a:solidFill>
               </a:rPr>
               <a:t>Principi SOLID</a:t>
             </a:r>
             <a:endParaRPr lang="it-IT" dirty="0">
               <a:solidFill>
-                <a:srgbClr val="2E5369"/>
+                <a:schemeClr val="tx1"/>
               </a:solidFill>
             </a:endParaRPr>
           </a:p>
@@ -20445,8 +20540,8 @@
               <a:t>alle </a:t>
             </a:r>
             <a:r>
-              <a:rPr lang="it-IT" dirty="0" err="1"/>
-              <a:t>modificaioni</a:t>
+              <a:rPr lang="it-IT" dirty="0" smtClean="0"/>
+              <a:t>modificazioni</a:t>
             </a:r>
             <a:r>
               <a:rPr lang="it-IT" dirty="0"/>
@@ -20614,14 +20709,14 @@
             <a:r>
               <a:rPr lang="it-IT" sz="2800" dirty="0" smtClean="0">
                 <a:solidFill>
-                  <a:srgbClr val="2E5369"/>
+                  <a:schemeClr val="tx1"/>
                 </a:solidFill>
               </a:rPr>
               <a:t>Utilizzo dei principi SOLID nelle applicazioni:</a:t>
             </a:r>
             <a:endParaRPr lang="it-IT" sz="2800" dirty="0">
               <a:solidFill>
-                <a:srgbClr val="2E5369"/>
+                <a:schemeClr val="tx1"/>
               </a:solidFill>
             </a:endParaRPr>
           </a:p>
@@ -21151,157 +21246,93 @@
             <p:ph type="title"/>
           </p:nvPr>
         </p:nvSpPr>
-        <p:spPr>
-          <a:xfrm>
-            <a:off x="2592924" y="624110"/>
-            <a:ext cx="8911687" cy="921356"/>
-          </a:xfrm>
-        </p:spPr>
+        <p:spPr/>
         <p:txBody>
-          <a:bodyPr>
-            <a:normAutofit fontScale="90000"/>
-          </a:bodyPr>
+          <a:bodyPr/>
           <a:lstStyle/>
           <a:p>
             <a:r>
-              <a:rPr lang="it-IT" sz="3100" dirty="0" smtClean="0">
-                <a:solidFill>
-                  <a:srgbClr val="2E5369"/>
-                </a:solidFill>
-              </a:rPr>
-              <a:t>Test effettuati </a:t>
-            </a:r>
-            <a:r>
-              <a:rPr lang="it-IT" dirty="0" smtClean="0">
-                <a:solidFill>
-                  <a:srgbClr val="2E5369"/>
-                </a:solidFill>
-              </a:rPr>
-              <a:t/>
-            </a:r>
-            <a:br>
-              <a:rPr lang="it-IT" dirty="0" smtClean="0">
-                <a:solidFill>
-                  <a:srgbClr val="2E5369"/>
-                </a:solidFill>
-              </a:rPr>
-            </a:br>
-            <a:endParaRPr lang="it-IT" dirty="0">
-              <a:solidFill>
-                <a:srgbClr val="2E5369"/>
-              </a:solidFill>
-            </a:endParaRPr>
+              <a:rPr lang="it-IT" dirty="0" smtClean="0"/>
+              <a:t>Programmazione test</a:t>
+            </a:r>
+            <a:endParaRPr lang="it-IT" dirty="0"/>
           </a:p>
         </p:txBody>
       </p:sp>
       <p:sp>
         <p:nvSpPr>
-          <p:cNvPr id="6" name="Segnaposto contenuto 5"/>
+          <p:cNvPr id="5" name="Segnaposto contenuto 4"/>
           <p:cNvSpPr>
             <a:spLocks noGrp="1"/>
           </p:cNvSpPr>
           <p:nvPr>
-            <p:ph sz="half" idx="1"/>
-          </p:nvPr>
-        </p:nvSpPr>
-        <p:spPr>
-          <a:xfrm>
-            <a:off x="2592923" y="2197994"/>
-            <a:ext cx="9599077" cy="3777622"/>
-          </a:xfrm>
-        </p:spPr>
+            <p:ph idx="1"/>
+          </p:nvPr>
+        </p:nvSpPr>
+        <p:spPr/>
         <p:txBody>
           <a:bodyPr>
             <a:normAutofit/>
           </a:bodyPr>
           <a:lstStyle/>
           <a:p>
-            <a:r>
-              <a:rPr lang="it-IT" b="1" dirty="0" smtClean="0"/>
-              <a:t>Unit Test</a:t>
-            </a:r>
-            <a:r>
-              <a:rPr lang="it-IT" dirty="0" smtClean="0"/>
-              <a:t>: gli sviluppatori delle applicazioni sono tenuti ad eseguire </a:t>
-            </a:r>
-            <a:r>
-              <a:rPr lang="it-IT" dirty="0"/>
-              <a:t>test di unità per assicurarsi che </a:t>
-            </a:r>
-            <a:r>
-              <a:rPr lang="it-IT" dirty="0" smtClean="0"/>
-              <a:t>le singole </a:t>
-            </a:r>
-            <a:r>
-              <a:rPr lang="it-IT" dirty="0"/>
-              <a:t>unità di sviluppo </a:t>
-            </a:r>
-            <a:r>
-              <a:rPr lang="it-IT" dirty="0" smtClean="0"/>
-              <a:t>assolvano </a:t>
-            </a:r>
-            <a:r>
-              <a:rPr lang="it-IT" dirty="0"/>
-              <a:t>le </a:t>
-            </a:r>
-            <a:r>
-              <a:rPr lang="it-IT" dirty="0" smtClean="0"/>
-              <a:t>loro </a:t>
-            </a:r>
-            <a:r>
-              <a:rPr lang="it-IT" dirty="0"/>
-              <a:t>funzioni seguendo i </a:t>
-            </a:r>
-            <a:r>
-              <a:rPr lang="it-IT" dirty="0" smtClean="0"/>
-              <a:t>requisiti.</a:t>
-            </a:r>
-          </a:p>
-          <a:p>
-            <a:r>
-              <a:rPr lang="it-IT" b="1" dirty="0" smtClean="0"/>
-              <a:t>Integration test: </a:t>
-            </a:r>
-            <a:r>
-              <a:rPr lang="it-IT" dirty="0" smtClean="0"/>
-              <a:t>avvenuto nella costruzione del sistema a partire dalle sue componenti per scoprire problemi che nascono dall’interazione tra esse.</a:t>
-            </a:r>
-          </a:p>
-          <a:p>
-            <a:r>
-              <a:rPr lang="it-IT" b="1" dirty="0" err="1" smtClean="0"/>
-              <a:t>Robustness</a:t>
-            </a:r>
-            <a:r>
-              <a:rPr lang="it-IT" b="1" dirty="0" smtClean="0"/>
-              <a:t> test: </a:t>
-            </a:r>
-            <a:r>
-              <a:rPr lang="it-IT" dirty="0" smtClean="0"/>
-              <a:t>si è testato il comportamento del sistema rispetto a ingressi non desiderati.</a:t>
-            </a:r>
-          </a:p>
-          <a:p>
             <a:pPr marL="0" indent="0">
               <a:buNone/>
             </a:pPr>
-            <a:endParaRPr lang="it-IT" b="1" dirty="0" smtClean="0"/>
-          </a:p>
-          <a:p>
-            <a:pPr marL="0" indent="0" algn="r">
-              <a:buNone/>
-            </a:pPr>
+            <a:r>
+              <a:rPr lang="it-IT" dirty="0" smtClean="0"/>
+              <a:t>Per la fase di test è stato deciso di utilizzare il metodo White Box </a:t>
+            </a:r>
+            <a:r>
+              <a:rPr lang="it-IT" dirty="0" err="1" smtClean="0"/>
+              <a:t>Testing</a:t>
+            </a:r>
+            <a:r>
+              <a:rPr lang="it-IT" dirty="0" smtClean="0"/>
+              <a:t>, applicando le fasi di:</a:t>
+            </a:r>
+          </a:p>
+          <a:p>
+            <a:r>
+              <a:rPr lang="it-IT" b="1" dirty="0" smtClean="0"/>
+              <a:t>Unit test</a:t>
+            </a:r>
+            <a:r>
+              <a:rPr lang="it-IT" dirty="0" smtClean="0"/>
+              <a:t>, per verificare che le singole unità di sviluppo assolvano le loro funzioni </a:t>
+            </a:r>
+            <a:r>
+              <a:rPr lang="it-IT" dirty="0"/>
+              <a:t>seguendo i requisiti.</a:t>
+            </a:r>
             <a:endParaRPr lang="it-IT" dirty="0" smtClean="0"/>
           </a:p>
           <a:p>
-            <a:endParaRPr lang="it-IT" dirty="0" smtClean="0"/>
+            <a:r>
+              <a:rPr lang="it-IT" b="1" dirty="0" smtClean="0"/>
+              <a:t>Integration test</a:t>
+            </a:r>
+            <a:r>
+              <a:rPr lang="it-IT" dirty="0" smtClean="0"/>
+              <a:t>, per scoprire problemi che possono nascere dall’interazione dei vari componenti durante la costruzione del sistema</a:t>
+            </a:r>
+          </a:p>
+          <a:p>
+            <a:r>
+              <a:rPr lang="it-IT" b="1" dirty="0" smtClean="0"/>
+              <a:t>System test</a:t>
+            </a:r>
+            <a:r>
+              <a:rPr lang="it-IT" dirty="0" smtClean="0"/>
+              <a:t>, per risolvere tutti i possibili casi di ingressi non desiderati</a:t>
+            </a:r>
           </a:p>
         </p:txBody>
       </p:sp>
     </p:spTree>
     <p:extLst>
       <p:ext uri="{BB962C8B-B14F-4D97-AF65-F5344CB8AC3E}">
-        <p14:creationId xmlns:p14="http://schemas.microsoft.com/office/powerpoint/2010/main" val="1922757472"/>
+        <p14:creationId xmlns:p14="http://schemas.microsoft.com/office/powerpoint/2010/main" val="881563549"/>
       </p:ext>
     </p:extLst>
   </p:cSld>
@@ -21337,6 +21368,175 @@
       </p:grpSpPr>
       <p:sp>
         <p:nvSpPr>
+          <p:cNvPr id="4" name="Titolo 3"/>
+          <p:cNvSpPr>
+            <a:spLocks noGrp="1"/>
+          </p:cNvSpPr>
+          <p:nvPr>
+            <p:ph type="title"/>
+          </p:nvPr>
+        </p:nvSpPr>
+        <p:spPr>
+          <a:xfrm>
+            <a:off x="2592924" y="624110"/>
+            <a:ext cx="8911687" cy="921356"/>
+          </a:xfrm>
+        </p:spPr>
+        <p:txBody>
+          <a:bodyPr>
+            <a:normAutofit fontScale="90000"/>
+          </a:bodyPr>
+          <a:lstStyle/>
+          <a:p>
+            <a:r>
+              <a:rPr lang="it-IT" sz="3100" dirty="0">
+                <a:solidFill>
+                  <a:schemeClr val="tx1"/>
+                </a:solidFill>
+              </a:rPr>
+              <a:t>Test effettuati</a:t>
+            </a:r>
+            <a:r>
+              <a:rPr lang="it-IT" dirty="0" smtClean="0">
+                <a:solidFill>
+                  <a:srgbClr val="2E5369"/>
+                </a:solidFill>
+              </a:rPr>
+              <a:t/>
+            </a:r>
+            <a:br>
+              <a:rPr lang="it-IT" dirty="0" smtClean="0">
+                <a:solidFill>
+                  <a:srgbClr val="2E5369"/>
+                </a:solidFill>
+              </a:rPr>
+            </a:br>
+            <a:endParaRPr lang="it-IT" dirty="0">
+              <a:solidFill>
+                <a:srgbClr val="2E5369"/>
+              </a:solidFill>
+            </a:endParaRPr>
+          </a:p>
+        </p:txBody>
+      </p:sp>
+      <p:sp>
+        <p:nvSpPr>
+          <p:cNvPr id="6" name="Segnaposto contenuto 5"/>
+          <p:cNvSpPr>
+            <a:spLocks noGrp="1"/>
+          </p:cNvSpPr>
+          <p:nvPr>
+            <p:ph sz="half" idx="1"/>
+          </p:nvPr>
+        </p:nvSpPr>
+        <p:spPr>
+          <a:xfrm>
+            <a:off x="2592923" y="2197994"/>
+            <a:ext cx="9599077" cy="3777622"/>
+          </a:xfrm>
+        </p:spPr>
+        <p:txBody>
+          <a:bodyPr>
+            <a:normAutofit/>
+          </a:bodyPr>
+          <a:lstStyle/>
+          <a:p>
+            <a:r>
+              <a:rPr lang="it-IT" b="1" dirty="0" smtClean="0"/>
+              <a:t>Unit Test</a:t>
+            </a:r>
+            <a:r>
+              <a:rPr lang="it-IT" dirty="0" smtClean="0"/>
+              <a:t>: in alcune unità sono stati riscontrati problemi di lieve significatività, che sono stati prontamente risolti.</a:t>
+            </a:r>
+          </a:p>
+          <a:p>
+            <a:r>
+              <a:rPr lang="it-IT" b="1" dirty="0" smtClean="0"/>
+              <a:t>Integration test: </a:t>
+            </a:r>
+            <a:r>
+              <a:rPr lang="it-IT" dirty="0" smtClean="0"/>
+              <a:t>durante la fase di costruzione del sistema, sono stati individuati alcuni problemi di lieve significatività, che sono stati prontamente risolti.</a:t>
+            </a:r>
+          </a:p>
+          <a:p>
+            <a:r>
+              <a:rPr lang="it-IT" b="1" dirty="0" smtClean="0"/>
+              <a:t>System test: </a:t>
+            </a:r>
+            <a:r>
+              <a:rPr lang="it-IT" dirty="0" smtClean="0"/>
+              <a:t>durante la fase di </a:t>
+            </a:r>
+            <a:r>
+              <a:rPr lang="it-IT" dirty="0" err="1" smtClean="0"/>
+              <a:t>Robustness</a:t>
+            </a:r>
+            <a:r>
+              <a:rPr lang="it-IT" dirty="0" smtClean="0"/>
+              <a:t> test sono stati riscontrati dei casi in cui degli inserimenti particolari portavano ad un’elaborazione errata dei dati, che sono stati risolti nel minor tempo possibile; per le altre fasi di System test (Performance, Stress, Security, </a:t>
+            </a:r>
+            <a:r>
+              <a:rPr lang="it-IT" dirty="0" err="1" smtClean="0"/>
+              <a:t>Regression</a:t>
+            </a:r>
+            <a:r>
+              <a:rPr lang="it-IT" dirty="0" smtClean="0"/>
+              <a:t>) non sono stati evidenziati problemi o non è stato necessario eseguire i test. </a:t>
+            </a:r>
+            <a:endParaRPr lang="it-IT" b="1" dirty="0" smtClean="0"/>
+          </a:p>
+          <a:p>
+            <a:pPr marL="0" indent="0" algn="r">
+              <a:buNone/>
+            </a:pPr>
+            <a:endParaRPr lang="it-IT" dirty="0" smtClean="0"/>
+          </a:p>
+          <a:p>
+            <a:endParaRPr lang="it-IT" dirty="0" smtClean="0"/>
+          </a:p>
+        </p:txBody>
+      </p:sp>
+    </p:spTree>
+    <p:extLst>
+      <p:ext uri="{BB962C8B-B14F-4D97-AF65-F5344CB8AC3E}">
+        <p14:creationId xmlns:p14="http://schemas.microsoft.com/office/powerpoint/2010/main" val="2353945794"/>
+      </p:ext>
+    </p:extLst>
+  </p:cSld>
+  <p:clrMapOvr>
+    <a:masterClrMapping/>
+  </p:clrMapOvr>
+  <p:timing>
+    <p:tnLst>
+      <p:par>
+        <p:cTn id="1" dur="indefinite" restart="never" nodeType="tmRoot"/>
+      </p:par>
+    </p:tnLst>
+  </p:timing>
+</p:sld>
+</file>
+
+<file path=ppt/slides/slide72.xml><?xml version="1.0" encoding="utf-8"?>
+<p:sld xmlns:a="http://schemas.openxmlformats.org/drawingml/2006/main" xmlns:r="http://schemas.openxmlformats.org/officeDocument/2006/relationships" xmlns:p="http://schemas.openxmlformats.org/presentationml/2006/main">
+  <p:cSld>
+    <p:spTree>
+      <p:nvGrpSpPr>
+        <p:cNvPr id="1" name=""/>
+        <p:cNvGrpSpPr/>
+        <p:nvPr/>
+      </p:nvGrpSpPr>
+      <p:grpSpPr>
+        <a:xfrm>
+          <a:off x="0" y="0"/>
+          <a:ext cx="0" cy="0"/>
+          <a:chOff x="0" y="0"/>
+          <a:chExt cx="0" cy="0"/>
+        </a:xfrm>
+      </p:grpSpPr>
+      <p:sp>
+        <p:nvSpPr>
           <p:cNvPr id="2" name="Titolo 1"/>
           <p:cNvSpPr>
             <a:spLocks noGrp="1"/>
@@ -21440,6 +21640,13 @@
   <p:clrMapOvr>
     <a:masterClrMapping/>
   </p:clrMapOvr>
+  <p:timing>
+    <p:tnLst>
+      <p:par>
+        <p:cTn id="1" dur="indefinite" restart="never" nodeType="tmRoot"/>
+      </p:par>
+    </p:tnLst>
+  </p:timing>
 </p:sld>
 </file>
 
